--- a/meetings/2020_02_14_endterm/endterm_working_together_helge2.pptx
+++ b/meetings/2020_02_14_endterm/endterm_working_together_helge2.pptx
@@ -5,19 +5,19 @@
     <p:sldMasterId id="2147483648" r:id="rId1"/>
   </p:sldMasterIdLst>
   <p:notesMasterIdLst>
-    <p:notesMasterId r:id="rId9"/>
+    <p:notesMasterId r:id="rId10"/>
   </p:notesMasterIdLst>
   <p:handoutMasterIdLst>
-    <p:handoutMasterId r:id="rId10"/>
+    <p:handoutMasterId r:id="rId11"/>
   </p:handoutMasterIdLst>
   <p:sldIdLst>
-    <p:sldId id="414" r:id="rId2"/>
-    <p:sldId id="419" r:id="rId3"/>
-    <p:sldId id="421" r:id="rId4"/>
-    <p:sldId id="430" r:id="rId5"/>
-    <p:sldId id="459" r:id="rId6"/>
-    <p:sldId id="433" r:id="rId7"/>
-    <p:sldId id="460" r:id="rId8"/>
+    <p:sldId id="414" r:id="rId3"/>
+    <p:sldId id="419" r:id="rId4"/>
+    <p:sldId id="421" r:id="rId5"/>
+    <p:sldId id="430" r:id="rId6"/>
+    <p:sldId id="459" r:id="rId7"/>
+    <p:sldId id="433" r:id="rId8"/>
+    <p:sldId id="460" r:id="rId9"/>
   </p:sldIdLst>
   <p:sldSz cx="9144000" cy="6858000" type="screen4x3"/>
   <p:notesSz cx="6858000" cy="9144000"/>
@@ -146,43 +146,13 @@
       </a:defRPr>
     </a:lvl9pPr>
   </p:defaultTextStyle>
-  <p:extLst>
-    <p:ext uri="{EFAFB233-063F-42B5-8137-9DF3F51BA10A}">
-      <p15:sldGuideLst xmlns:p15="http://schemas.microsoft.com/office/powerpoint/2012/main">
-        <p15:guide id="1" orient="horz" pos="2475">
-          <p15:clr>
-            <a:srgbClr val="A4A3A4"/>
-          </p15:clr>
-        </p15:guide>
-        <p15:guide id="2" pos="3019">
-          <p15:clr>
-            <a:srgbClr val="A4A3A4"/>
-          </p15:clr>
-        </p15:guide>
-      </p15:sldGuideLst>
-    </p:ext>
-    <p:ext uri="{2D200454-40CA-4A62-9FC3-DE9A4176ACB9}">
-      <p15:notesGuideLst xmlns:p15="http://schemas.microsoft.com/office/powerpoint/2012/main"/>
-    </p:ext>
-  </p:extLst>
 </p:presentation>
 </file>
 
-<file path=ppt/revisionInfo.xml><?xml version="1.0" encoding="utf-8"?>
-<p1510:revInfo xmlns:a="http://schemas.openxmlformats.org/drawingml/2006/main" xmlns:r="http://schemas.openxmlformats.org/officeDocument/2006/relationships" xmlns:p1510="http://schemas.microsoft.com/office/powerpoint/2015/10/main">
-  <p1510:revLst>
-    <p1510:client id="{3AC61075-2886-4CDA-A1F5-E6D62E0AE130}" v="14" dt="2020-02-11T13:17:02.464"/>
-    <p1510:client id="{80BA0D68-B1C9-4A17-960A-061087249C90}" v="13" dt="2020-02-11T13:23:02.422"/>
-    <p1510:client id="{D425EF5F-A2B4-41B6-9C7E-FCB2711B8319}" v="462" dt="2020-02-11T13:50:43.724"/>
-    <p1510:client id="{F881FCBF-D85A-4612-931D-D19009FDB0E2}" v="16" dt="2020-02-11T13:11:43.906"/>
-  </p1510:revLst>
-</p1510:revInfo>
-</file>
-
 <file path=ppt/charts/chart1.xml><?xml version="1.0" encoding="utf-8"?>
-<c:chartSpace xmlns:c="http://schemas.openxmlformats.org/drawingml/2006/chart" xmlns:a="http://schemas.openxmlformats.org/drawingml/2006/main" xmlns:r="http://schemas.openxmlformats.org/officeDocument/2006/relationships" xmlns:c16r2="http://schemas.microsoft.com/office/drawing/2015/06/chart">
+<c:chartSpace xmlns:c="http://schemas.openxmlformats.org/drawingml/2006/chart" xmlns:a="http://schemas.openxmlformats.org/drawingml/2006/main" xmlns:r="http://schemas.openxmlformats.org/officeDocument/2006/relationships">
   <c:date1904 val="0"/>
-  <c:lang val="de-DE"/>
+  <c:lang val="zh-CN"/>
   <c:roundedCorners val="0"/>
   <mc:AlternateContent xmlns:mc="http://schemas.openxmlformats.org/markup-compatibility/2006">
     <mc:Choice xmlns:c14="http://schemas.microsoft.com/office/drawing/2007/8/2/chart" Requires="c14">
@@ -200,10 +170,10 @@
           <c:layoutTarget val="inner"/>
           <c:xMode val="edge"/>
           <c:yMode val="edge"/>
-          <c:x val="0.15874525988556729"/>
-          <c:y val="0.13903426884444653"/>
-          <c:w val="0.68802807279416001"/>
-          <c:h val="0.87020648967551595"/>
+          <c:x val="0.158745259885567"/>
+          <c:y val="0.139034268844447"/>
+          <c:w val="0.68802807279416"/>
+          <c:h val="0.870206489675516"/>
         </c:manualLayout>
       </c:layout>
       <c:doughnutChart>
@@ -230,6 +200,7 @@
               <a:noFill/>
             </a:ln>
           </c:spPr>
+          <c:explosion val="0"/>
           <c:dPt>
             <c:idx val="0"/>
             <c:bubble3D val="0"/>
@@ -248,11 +219,6 @@
                 </a:outerShdw>
               </a:effectLst>
             </c:spPr>
-            <c:extLst>
-              <c:ext xmlns:c16="http://schemas.microsoft.com/office/drawing/2014/chart" uri="{C3380CC4-5D6E-409C-BE32-E72D297353CC}">
-                <c16:uniqueId val="{00000001-5E54-4DF1-9201-B14B6A7D4586}"/>
-              </c:ext>
-            </c:extLst>
           </c:dPt>
           <c:dPt>
             <c:idx val="1"/>
@@ -274,11 +240,6 @@
               </a:ln>
               <a:effectLst/>
             </c:spPr>
-            <c:extLst>
-              <c:ext xmlns:c16="http://schemas.microsoft.com/office/drawing/2014/chart" uri="{C3380CC4-5D6E-409C-BE32-E72D297353CC}">
-                <c16:uniqueId val="{00000003-5E54-4DF1-9201-B14B6A7D4586}"/>
-              </c:ext>
-            </c:extLst>
           </c:dPt>
           <c:dPt>
             <c:idx val="2"/>
@@ -292,11 +253,6 @@
               </a:ln>
               <a:effectLst/>
             </c:spPr>
-            <c:extLst>
-              <c:ext xmlns:c16="http://schemas.microsoft.com/office/drawing/2014/chart" uri="{C3380CC4-5D6E-409C-BE32-E72D297353CC}">
-                <c16:uniqueId val="{00000005-5E54-4DF1-9201-B14B6A7D4586}"/>
-              </c:ext>
-            </c:extLst>
           </c:dPt>
           <c:dPt>
             <c:idx val="3"/>
@@ -310,12 +266,10 @@
               </a:ln>
               <a:effectLst/>
             </c:spPr>
-            <c:extLst>
-              <c:ext xmlns:c16="http://schemas.microsoft.com/office/drawing/2014/chart" uri="{C3380CC4-5D6E-409C-BE32-E72D297353CC}">
-                <c16:uniqueId val="{00000007-5E54-4DF1-9201-B14B6A7D4586}"/>
-              </c:ext>
-            </c:extLst>
           </c:dPt>
+          <c:dLbls>
+            <c:delete val="1"/>
+          </c:dLbls>
           <c:cat>
             <c:strRef>
               <c:f>Sheet1!$A$2:$A$5</c:f>
@@ -337,19 +291,14 @@
                 <c:formatCode>General</c:formatCode>
                 <c:ptCount val="4"/>
                 <c:pt idx="0">
-                  <c:v>77.391304347826107</c:v>
+                  <c:v>77.3913043478261</c:v>
                 </c:pt>
                 <c:pt idx="1">
-                  <c:v>22.608695652173893</c:v>
+                  <c:v>22.6086956521739</c:v>
                 </c:pt>
               </c:numCache>
             </c:numRef>
           </c:val>
-          <c:extLst>
-            <c:ext xmlns:c16="http://schemas.microsoft.com/office/drawing/2014/chart" uri="{C3380CC4-5D6E-409C-BE32-E72D297353CC}">
-              <c16:uniqueId val="{00000008-5E54-4DF1-9201-B14B6A7D4586}"/>
-            </c:ext>
-          </c:extLst>
         </c:ser>
         <c:dLbls>
           <c:showLegendKey val="0"/>
@@ -391,19 +340,18 @@
           <a:latin typeface="+mn-lt"/>
         </a:defRPr>
       </a:pPr>
-      <a:endParaRPr lang="de-DE"/>
     </a:p>
   </c:txPr>
-  <c:externalData r:id="rId3">
+  <c:externalData r:id="rId1">
     <c:autoUpdate val="0"/>
   </c:externalData>
 </c:chartSpace>
 </file>
 
 <file path=ppt/charts/chart10.xml><?xml version="1.0" encoding="utf-8"?>
-<c:chartSpace xmlns:c="http://schemas.openxmlformats.org/drawingml/2006/chart" xmlns:a="http://schemas.openxmlformats.org/drawingml/2006/main" xmlns:r="http://schemas.openxmlformats.org/officeDocument/2006/relationships" xmlns:c16r2="http://schemas.microsoft.com/office/drawing/2015/06/chart">
+<c:chartSpace xmlns:c="http://schemas.openxmlformats.org/drawingml/2006/chart" xmlns:a="http://schemas.openxmlformats.org/drawingml/2006/main" xmlns:r="http://schemas.openxmlformats.org/officeDocument/2006/relationships">
   <c:date1904 val="0"/>
-  <c:lang val="de-DE"/>
+  <c:lang val="zh-CN"/>
   <c:roundedCorners val="0"/>
   <mc:AlternateContent xmlns:mc="http://schemas.openxmlformats.org/markup-compatibility/2006">
     <mc:Choice xmlns:c14="http://schemas.microsoft.com/office/drawing/2007/8/2/chart" Requires="c14">
@@ -473,10 +421,25 @@
               </a:rPr>
               <a:t> Superpixel Loss </a:t>
             </a:r>
+            <a:endParaRPr lang="de-DE" sz="1600" b="1" dirty="0">
+              <a:solidFill>
+                <a:schemeClr val="tx1"/>
+              </a:solidFill>
+            </a:endParaRPr>
           </a:p>
           <a:p>
             <a:pPr>
-              <a:defRPr/>
+              <a:defRPr lang="en-US" sz="1440" b="0" i="0" u="none" strike="noStrike" kern="1200" spc="0" baseline="0">
+                <a:solidFill>
+                  <a:schemeClr val="tx1">
+                    <a:lumMod val="65000"/>
+                    <a:lumOff val="35000"/>
+                  </a:schemeClr>
+                </a:solidFill>
+                <a:latin typeface="+mn-lt"/>
+                <a:ea typeface="+mn-ea"/>
+                <a:cs typeface="+mn-cs"/>
+              </a:defRPr>
             </a:pPr>
             <a:r>
               <a:rPr lang="de-DE" sz="1600" b="1" dirty="0" err="1">
@@ -530,8 +493,8 @@
         <c:manualLayout>
           <c:xMode val="edge"/>
           <c:yMode val="edge"/>
-          <c:x val="0.23299721089894901"/>
-          <c:y val="1.6535758577924799E-2"/>
+          <c:x val="0.232997210898949"/>
+          <c:y val="0.0165357585779248"/>
         </c:manualLayout>
       </c:layout>
       <c:overlay val="0"/>
@@ -542,26 +505,6 @@
         </a:ln>
         <a:effectLst/>
       </c:spPr>
-      <c:txPr>
-        <a:bodyPr rot="0" spcFirstLastPara="1" vertOverflow="ellipsis" vert="horz" wrap="square" anchor="ctr" anchorCtr="1"/>
-        <a:lstStyle/>
-        <a:p>
-          <a:pPr>
-            <a:defRPr lang="en-US" sz="1440" b="0" i="0" u="none" strike="noStrike" kern="1200" spc="0" baseline="0">
-              <a:solidFill>
-                <a:schemeClr val="tx1">
-                  <a:lumMod val="65000"/>
-                  <a:lumOff val="35000"/>
-                </a:schemeClr>
-              </a:solidFill>
-              <a:latin typeface="+mn-lt"/>
-              <a:ea typeface="+mn-ea"/>
-              <a:cs typeface="+mn-cs"/>
-            </a:defRPr>
-          </a:pPr>
-          <a:endParaRPr lang="de-DE"/>
-        </a:p>
-      </c:txPr>
     </c:title>
     <c:autoTitleDeleted val="0"/>
     <c:plotArea>
@@ -595,6 +538,9 @@
           <c:marker>
             <c:symbol val="none"/>
           </c:marker>
+          <c:dLbls>
+            <c:delete val="1"/>
+          </c:dLbls>
           <c:cat>
             <c:numRef>
               <c:f>Sheet1!$A$2:$A$42</c:f>
@@ -734,16 +680,16 @@
                 <c:formatCode>General</c:formatCode>
                 <c:ptCount val="41"/>
                 <c:pt idx="0">
-                  <c:v>0.50421905517578103</c:v>
+                  <c:v>0.504219055175781</c:v>
                 </c:pt>
                 <c:pt idx="1">
-                  <c:v>0.27973505854606601</c:v>
+                  <c:v>0.279735058546066</c:v>
                 </c:pt>
                 <c:pt idx="2">
-                  <c:v>0.26693132519721902</c:v>
+                  <c:v>0.266931325197219</c:v>
                 </c:pt>
                 <c:pt idx="3">
-                  <c:v>0.21496424078941301</c:v>
+                  <c:v>0.214964240789413</c:v>
                 </c:pt>
                 <c:pt idx="4">
                   <c:v>0.193553686141967</c:v>
@@ -752,31 +698,31 @@
                   <c:v>0.218414276838302</c:v>
                 </c:pt>
                 <c:pt idx="6">
-                  <c:v>0.22673957049846599</c:v>
+                  <c:v>0.226739570498466</c:v>
                 </c:pt>
                 <c:pt idx="7">
-                  <c:v>0.20241037011146501</c:v>
+                  <c:v>0.202410370111465</c:v>
                 </c:pt>
                 <c:pt idx="8">
-                  <c:v>0.19002437591552701</c:v>
+                  <c:v>0.190024375915527</c:v>
                 </c:pt>
                 <c:pt idx="9">
                   <c:v>0.156396463513374</c:v>
                 </c:pt>
                 <c:pt idx="10">
-                  <c:v>0.15519618988037101</c:v>
+                  <c:v>0.155196189880371</c:v>
                 </c:pt>
                 <c:pt idx="11">
                   <c:v>0.179761007428169</c:v>
                 </c:pt>
                 <c:pt idx="12">
-                  <c:v>0.17790727317333199</c:v>
+                  <c:v>0.177907273173332</c:v>
                 </c:pt>
                 <c:pt idx="13">
                   <c:v>0.106906652450561</c:v>
                 </c:pt>
                 <c:pt idx="14">
-                  <c:v>0.12688834965229001</c:v>
+                  <c:v>0.12688834965229</c:v>
                 </c:pt>
                 <c:pt idx="15">
                   <c:v>0.163748353719711</c:v>
@@ -785,7 +731,7 @@
                   <c:v>0.123531013727188</c:v>
                 </c:pt>
                 <c:pt idx="17">
-                  <c:v>0.13374727964401201</c:v>
+                  <c:v>0.133747279644012</c:v>
                 </c:pt>
                 <c:pt idx="18">
                   <c:v>0.120334401726722</c:v>
@@ -797,7 +743,7 @@
                   <c:v>0.149118512868881</c:v>
                 </c:pt>
                 <c:pt idx="21">
-                  <c:v>9.6429333090782096E-2</c:v>
+                  <c:v>0.0964293330907821</c:v>
                 </c:pt>
                 <c:pt idx="22">
                   <c:v>0.122254811227321</c:v>
@@ -806,10 +752,10 @@
                   <c:v>0.124715767800807</c:v>
                 </c:pt>
                 <c:pt idx="24">
-                  <c:v>0.12475641816854401</c:v>
+                  <c:v>0.124756418168544</c:v>
                 </c:pt>
                 <c:pt idx="25">
-                  <c:v>0.14893303811550099</c:v>
+                  <c:v>0.148933038115501</c:v>
                 </c:pt>
                 <c:pt idx="26">
                   <c:v>0.125493839383125</c:v>
@@ -818,7 +764,7 @@
                   <c:v>0.119067765772342</c:v>
                 </c:pt>
                 <c:pt idx="28">
-                  <c:v>0.13459737598895999</c:v>
+                  <c:v>0.13459737598896</c:v>
                 </c:pt>
                 <c:pt idx="29">
                   <c:v>0.116551786661148</c:v>
@@ -830,25 +776,25 @@
                   <c:v>0.113363228738307</c:v>
                 </c:pt>
                 <c:pt idx="32">
-                  <c:v>0.13681152462959201</c:v>
+                  <c:v>0.136811524629592</c:v>
                 </c:pt>
                 <c:pt idx="33">
                   <c:v>0.102510310709476</c:v>
                 </c:pt>
                 <c:pt idx="34">
-                  <c:v>0.12496797740459401</c:v>
+                  <c:v>0.124967977404594</c:v>
                 </c:pt>
                 <c:pt idx="35">
-                  <c:v>9.0531982481479603E-2</c:v>
+                  <c:v>0.0905319824814796</c:v>
                 </c:pt>
                 <c:pt idx="36">
-                  <c:v>0.16412867605686099</c:v>
+                  <c:v>0.164128676056861</c:v>
                 </c:pt>
                 <c:pt idx="37">
                   <c:v>0.112606756389141</c:v>
                 </c:pt>
                 <c:pt idx="38">
-                  <c:v>8.5395283997058799E-2</c:v>
+                  <c:v>0.0853952839970588</c:v>
                 </c:pt>
                 <c:pt idx="39">
                   <c:v>0.101319782435894</c:v>
@@ -860,11 +806,6 @@
             </c:numRef>
           </c:val>
           <c:smooth val="0"/>
-          <c:extLst>
-            <c:ext xmlns:c16="http://schemas.microsoft.com/office/drawing/2014/chart" uri="{C3380CC4-5D6E-409C-BE32-E72D297353CC}">
-              <c16:uniqueId val="{00000000-A6AE-45FE-9238-F2E7DB5FDB41}"/>
-            </c:ext>
-          </c:extLst>
         </c:ser>
         <c:ser>
           <c:idx val="2"/>
@@ -892,6 +833,9 @@
           <c:marker>
             <c:symbol val="none"/>
           </c:marker>
+          <c:dLbls>
+            <c:delete val="1"/>
+          </c:dLbls>
           <c:val>
             <c:numRef>
               <c:f>Sheet1!$D$2:$D$42</c:f>
@@ -902,134 +846,129 @@
                   <c:v>0.54</c:v>
                 </c:pt>
                 <c:pt idx="1">
-                  <c:v>0.53058433500000002</c:v>
+                  <c:v>0.530584335</c:v>
                 </c:pt>
                 <c:pt idx="2">
-                  <c:v>0.55346363799999998</c:v>
+                  <c:v>0.553463638</c:v>
                 </c:pt>
                 <c:pt idx="3">
-                  <c:v>0.60929518900000001</c:v>
+                  <c:v>0.609295189</c:v>
                 </c:pt>
                 <c:pt idx="4">
-                  <c:v>0.58471232699999998</c:v>
+                  <c:v>0.584712327</c:v>
                 </c:pt>
                 <c:pt idx="5">
-                  <c:v>0.56462097200000005</c:v>
+                  <c:v>0.564620972</c:v>
                 </c:pt>
                 <c:pt idx="6">
-                  <c:v>0.58561992600000001</c:v>
+                  <c:v>0.585619926</c:v>
                 </c:pt>
                 <c:pt idx="7">
-                  <c:v>0.55611962100000001</c:v>
+                  <c:v>0.556119621</c:v>
                 </c:pt>
                 <c:pt idx="8">
-                  <c:v>0.58396357300000001</c:v>
+                  <c:v>0.583963573</c:v>
                 </c:pt>
                 <c:pt idx="9">
                   <c:v>0.462928593</c:v>
                 </c:pt>
                 <c:pt idx="10">
-                  <c:v>0.32616081800000002</c:v>
+                  <c:v>0.326160818</c:v>
                 </c:pt>
                 <c:pt idx="11">
-                  <c:v>0.25587159399999998</c:v>
+                  <c:v>0.255871594</c:v>
                 </c:pt>
                 <c:pt idx="12">
                   <c:v>0.275361568</c:v>
                 </c:pt>
                 <c:pt idx="13">
-                  <c:v>0.26166549300000003</c:v>
+                  <c:v>0.261665493</c:v>
                 </c:pt>
                 <c:pt idx="14">
-                  <c:v>0.24875882299999999</c:v>
+                  <c:v>0.248758823</c:v>
                 </c:pt>
                 <c:pt idx="15">
-                  <c:v>0.24700353999999999</c:v>
+                  <c:v>0.24700354</c:v>
                 </c:pt>
                 <c:pt idx="16">
-                  <c:v>0.19008591799999999</c:v>
+                  <c:v>0.190085918</c:v>
                 </c:pt>
                 <c:pt idx="17">
                   <c:v>0.218245193</c:v>
                 </c:pt>
                 <c:pt idx="18">
-                  <c:v>0.20355324399999999</c:v>
+                  <c:v>0.203553244</c:v>
                 </c:pt>
                 <c:pt idx="19">
-                  <c:v>0.23109528400000001</c:v>
+                  <c:v>0.231095284</c:v>
                 </c:pt>
                 <c:pt idx="20">
                   <c:v>0.23299548</c:v>
                 </c:pt>
                 <c:pt idx="21">
-                  <c:v>0.22252762300000001</c:v>
+                  <c:v>0.222527623</c:v>
                 </c:pt>
                 <c:pt idx="22">
-                  <c:v>0.21295344799999999</c:v>
+                  <c:v>0.212953448</c:v>
                 </c:pt>
                 <c:pt idx="23">
                   <c:v>0.183506906</c:v>
                 </c:pt>
                 <c:pt idx="24">
-                  <c:v>0.17697152499999999</c:v>
+                  <c:v>0.176971525</c:v>
                 </c:pt>
                 <c:pt idx="25">
-                  <c:v>0.23680427700000001</c:v>
+                  <c:v>0.236804277</c:v>
                 </c:pt>
                 <c:pt idx="26">
-                  <c:v>0.22411726400000001</c:v>
+                  <c:v>0.224117264</c:v>
                 </c:pt>
                 <c:pt idx="27">
-                  <c:v>0.22880187599999999</c:v>
+                  <c:v>0.228801876</c:v>
                 </c:pt>
                 <c:pt idx="28">
-                  <c:v>0.26253056499999999</c:v>
+                  <c:v>0.262530565</c:v>
                 </c:pt>
                 <c:pt idx="29">
-                  <c:v>0.22869056500000001</c:v>
+                  <c:v>0.228690565</c:v>
                 </c:pt>
                 <c:pt idx="30">
-                  <c:v>0.25979095699999999</c:v>
+                  <c:v>0.259790957</c:v>
                 </c:pt>
                 <c:pt idx="31">
-                  <c:v>0.19437997000000001</c:v>
+                  <c:v>0.19437997</c:v>
                 </c:pt>
                 <c:pt idx="32">
                   <c:v>0.191451132</c:v>
                 </c:pt>
                 <c:pt idx="33">
-                  <c:v>0.20739263299999999</c:v>
+                  <c:v>0.207392633</c:v>
                 </c:pt>
                 <c:pt idx="34">
-                  <c:v>0.16370295000000001</c:v>
+                  <c:v>0.16370295</c:v>
                 </c:pt>
                 <c:pt idx="35">
-                  <c:v>0.16382881999999999</c:v>
+                  <c:v>0.16382882</c:v>
                 </c:pt>
                 <c:pt idx="36">
-                  <c:v>0.19464467499999999</c:v>
+                  <c:v>0.194644675</c:v>
                 </c:pt>
                 <c:pt idx="37">
-                  <c:v>0.29080513099999999</c:v>
+                  <c:v>0.290805131</c:v>
                 </c:pt>
                 <c:pt idx="38">
-                  <c:v>0.22297482199999999</c:v>
+                  <c:v>0.222974822</c:v>
                 </c:pt>
                 <c:pt idx="39">
                   <c:v>0.191365585</c:v>
                 </c:pt>
                 <c:pt idx="40">
-                  <c:v>0.17861945900000001</c:v>
+                  <c:v>0.178619459</c:v>
                 </c:pt>
               </c:numCache>
             </c:numRef>
           </c:val>
           <c:smooth val="0"/>
-          <c:extLst>
-            <c:ext xmlns:c16="http://schemas.microsoft.com/office/drawing/2014/chart" uri="{C3380CC4-5D6E-409C-BE32-E72D297353CC}">
-              <c16:uniqueId val="{00000000-3BBE-46FD-8D2A-07DD64777017}"/>
-            </c:ext>
-          </c:extLst>
         </c:ser>
         <c:dLbls>
           <c:showLegendKey val="0"/>
@@ -1039,6 +978,7 @@
           <c:showPercent val="0"/>
           <c:showBubbleSize val="0"/>
         </c:dLbls>
+        <c:marker val="0"/>
         <c:smooth val="0"/>
         <c:axId val="781831517"/>
         <c:axId val="405180283"/>
@@ -1073,9 +1013,11 @@
                   <a:rPr lang="de-DE"/>
                   <a:t>steps</a:t>
                 </a:r>
+                <a:endParaRPr lang="de-DE"/>
               </a:p>
             </c:rich>
           </c:tx>
+          <c:layout/>
           <c:overlay val="0"/>
           <c:spPr>
             <a:noFill/>
@@ -1084,26 +1026,6 @@
             </a:ln>
             <a:effectLst/>
           </c:spPr>
-          <c:txPr>
-            <a:bodyPr rot="0" spcFirstLastPara="1" vertOverflow="ellipsis" vert="horz" wrap="square" anchor="ctr" anchorCtr="1"/>
-            <a:lstStyle/>
-            <a:p>
-              <a:pPr>
-                <a:defRPr lang="en-US" sz="1200" b="0" i="0" u="none" strike="noStrike" kern="1200" baseline="0">
-                  <a:solidFill>
-                    <a:schemeClr val="tx1">
-                      <a:lumMod val="65000"/>
-                      <a:lumOff val="35000"/>
-                    </a:schemeClr>
-                  </a:solidFill>
-                  <a:latin typeface="+mn-lt"/>
-                  <a:ea typeface="+mn-ea"/>
-                  <a:cs typeface="+mn-cs"/>
-                </a:defRPr>
-              </a:pPr>
-              <a:endParaRPr lang="de-DE"/>
-            </a:p>
-          </c:txPr>
         </c:title>
         <c:numFmt formatCode="General" sourceLinked="0"/>
         <c:majorTickMark val="none"/>
@@ -1139,7 +1061,6 @@
                 <a:cs typeface="+mn-cs"/>
               </a:defRPr>
             </a:pPr>
-            <a:endParaRPr lang="de-DE"/>
           </a:p>
         </c:txPr>
         <c:crossAx val="405180283"/>
@@ -1193,9 +1114,11 @@
                   <a:rPr lang="de-DE"/>
                   <a:t>absl.error</a:t>
                 </a:r>
+                <a:endParaRPr lang="de-DE"/>
               </a:p>
             </c:rich>
           </c:tx>
+          <c:layout/>
           <c:overlay val="0"/>
           <c:spPr>
             <a:noFill/>
@@ -1204,26 +1127,6 @@
             </a:ln>
             <a:effectLst/>
           </c:spPr>
-          <c:txPr>
-            <a:bodyPr rot="-5400000" spcFirstLastPara="1" vertOverflow="ellipsis" vert="horz" wrap="square" anchor="ctr" anchorCtr="1"/>
-            <a:lstStyle/>
-            <a:p>
-              <a:pPr>
-                <a:defRPr lang="en-US" sz="1200" b="0" i="0" u="none" strike="noStrike" kern="1200" baseline="0">
-                  <a:solidFill>
-                    <a:schemeClr val="tx1">
-                      <a:lumMod val="65000"/>
-                      <a:lumOff val="35000"/>
-                    </a:schemeClr>
-                  </a:solidFill>
-                  <a:latin typeface="+mn-lt"/>
-                  <a:ea typeface="+mn-ea"/>
-                  <a:cs typeface="+mn-cs"/>
-                </a:defRPr>
-              </a:pPr>
-              <a:endParaRPr lang="de-DE"/>
-            </a:p>
-          </c:txPr>
         </c:title>
         <c:numFmt formatCode="General" sourceLinked="1"/>
         <c:majorTickMark val="none"/>
@@ -1253,7 +1156,6 @@
                 <a:cs typeface="+mn-cs"/>
               </a:defRPr>
             </a:pPr>
-            <a:endParaRPr lang="de-DE"/>
           </a:p>
         </c:txPr>
         <c:crossAx val="781831517"/>
@@ -1270,6 +1172,7 @@
     </c:plotArea>
     <c:legend>
       <c:legendPos val="b"/>
+      <c:layout/>
       <c:overlay val="0"/>
       <c:spPr>
         <a:noFill/>
@@ -1295,7 +1198,6 @@
               <a:cs typeface="+mn-cs"/>
             </a:defRPr>
           </a:pPr>
-          <a:endParaRPr lang="de-DE"/>
         </a:p>
       </c:txPr>
     </c:legend>
@@ -1317,19 +1219,18 @@
       <a:pPr>
         <a:defRPr lang="en-US" sz="1200"/>
       </a:pPr>
-      <a:endParaRPr lang="de-DE"/>
     </a:p>
   </c:txPr>
-  <c:externalData r:id="rId3">
+  <c:externalData r:id="rId1">
     <c:autoUpdate val="0"/>
   </c:externalData>
 </c:chartSpace>
 </file>
 
 <file path=ppt/charts/chart11.xml><?xml version="1.0" encoding="utf-8"?>
-<c:chartSpace xmlns:c="http://schemas.openxmlformats.org/drawingml/2006/chart" xmlns:a="http://schemas.openxmlformats.org/drawingml/2006/main" xmlns:r="http://schemas.openxmlformats.org/officeDocument/2006/relationships" xmlns:c16r2="http://schemas.microsoft.com/office/drawing/2015/06/chart">
+<c:chartSpace xmlns:c="http://schemas.openxmlformats.org/drawingml/2006/chart" xmlns:a="http://schemas.openxmlformats.org/drawingml/2006/main" xmlns:r="http://schemas.openxmlformats.org/officeDocument/2006/relationships">
   <c:date1904 val="0"/>
-  <c:lang val="de-DE"/>
+  <c:lang val="zh-CN"/>
   <c:roundedCorners val="0"/>
   <mc:AlternateContent xmlns:mc="http://schemas.openxmlformats.org/markup-compatibility/2006">
     <mc:Choice xmlns:c14="http://schemas.microsoft.com/office/drawing/2007/8/2/chart" Requires="c14">
@@ -1399,10 +1300,25 @@
               </a:rPr>
               <a:t> in Loss Function</a:t>
             </a:r>
+            <a:endParaRPr lang="en-US" sz="1600" b="1" dirty="0">
+              <a:solidFill>
+                <a:schemeClr val="tx1"/>
+              </a:solidFill>
+            </a:endParaRPr>
           </a:p>
           <a:p>
             <a:pPr>
-              <a:defRPr/>
+              <a:defRPr lang="en-US" sz="1440" b="0" i="0" u="none" strike="noStrike" kern="1200" spc="0" baseline="0">
+                <a:solidFill>
+                  <a:schemeClr val="tx1">
+                    <a:lumMod val="65000"/>
+                    <a:lumOff val="35000"/>
+                  </a:schemeClr>
+                </a:solidFill>
+                <a:latin typeface="+mn-lt"/>
+                <a:ea typeface="+mn-ea"/>
+                <a:cs typeface="+mn-cs"/>
+              </a:defRPr>
             </a:pPr>
             <a:r>
               <a:rPr lang="en-US" sz="1600" b="1" dirty="0">
@@ -1428,6 +1344,11 @@
               </a:rPr>
               <a:t>. error</a:t>
             </a:r>
+            <a:endParaRPr lang="en-US" sz="1600" b="1" dirty="0">
+              <a:solidFill>
+                <a:schemeClr val="tx1"/>
+              </a:solidFill>
+            </a:endParaRPr>
           </a:p>
         </c:rich>
       </c:tx>
@@ -1435,8 +1356,8 @@
         <c:manualLayout>
           <c:xMode val="edge"/>
           <c:yMode val="edge"/>
-          <c:x val="0.23299721089894901"/>
-          <c:y val="1.6535758577924799E-2"/>
+          <c:x val="0.232997210898949"/>
+          <c:y val="0.0165357585779248"/>
         </c:manualLayout>
       </c:layout>
       <c:overlay val="0"/>
@@ -1447,26 +1368,6 @@
         </a:ln>
         <a:effectLst/>
       </c:spPr>
-      <c:txPr>
-        <a:bodyPr rot="0" spcFirstLastPara="1" vertOverflow="ellipsis" vert="horz" wrap="square" anchor="ctr" anchorCtr="1"/>
-        <a:lstStyle/>
-        <a:p>
-          <a:pPr>
-            <a:defRPr lang="en-US" sz="1440" b="0" i="0" u="none" strike="noStrike" kern="1200" spc="0" baseline="0">
-              <a:solidFill>
-                <a:schemeClr val="tx1">
-                  <a:lumMod val="65000"/>
-                  <a:lumOff val="35000"/>
-                </a:schemeClr>
-              </a:solidFill>
-              <a:latin typeface="+mn-lt"/>
-              <a:ea typeface="+mn-ea"/>
-              <a:cs typeface="+mn-cs"/>
-            </a:defRPr>
-          </a:pPr>
-          <a:endParaRPr lang="de-DE"/>
-        </a:p>
-      </c:txPr>
     </c:title>
     <c:autoTitleDeleted val="0"/>
     <c:plotArea>
@@ -1500,6 +1401,9 @@
           <c:marker>
             <c:symbol val="none"/>
           </c:marker>
+          <c:dLbls>
+            <c:delete val="1"/>
+          </c:dLbls>
           <c:cat>
             <c:numRef>
               <c:f>Sheet1!$A$2:$A$42</c:f>
@@ -1639,16 +1543,16 @@
                 <c:formatCode>General</c:formatCode>
                 <c:ptCount val="41"/>
                 <c:pt idx="0">
-                  <c:v>0.50421905517578103</c:v>
+                  <c:v>0.504219055175781</c:v>
                 </c:pt>
                 <c:pt idx="1">
-                  <c:v>0.27973505854606601</c:v>
+                  <c:v>0.279735058546066</c:v>
                 </c:pt>
                 <c:pt idx="2">
-                  <c:v>0.26693132519721902</c:v>
+                  <c:v>0.266931325197219</c:v>
                 </c:pt>
                 <c:pt idx="3">
-                  <c:v>0.21496424078941301</c:v>
+                  <c:v>0.214964240789413</c:v>
                 </c:pt>
                 <c:pt idx="4">
                   <c:v>0.193553686141967</c:v>
@@ -1657,31 +1561,31 @@
                   <c:v>0.218414276838302</c:v>
                 </c:pt>
                 <c:pt idx="6">
-                  <c:v>0.22673957049846599</c:v>
+                  <c:v>0.226739570498466</c:v>
                 </c:pt>
                 <c:pt idx="7">
-                  <c:v>0.20241037011146501</c:v>
+                  <c:v>0.202410370111465</c:v>
                 </c:pt>
                 <c:pt idx="8">
-                  <c:v>0.19002437591552701</c:v>
+                  <c:v>0.190024375915527</c:v>
                 </c:pt>
                 <c:pt idx="9">
                   <c:v>0.156396463513374</c:v>
                 </c:pt>
                 <c:pt idx="10">
-                  <c:v>0.15519618988037101</c:v>
+                  <c:v>0.155196189880371</c:v>
                 </c:pt>
                 <c:pt idx="11">
                   <c:v>0.179761007428169</c:v>
                 </c:pt>
                 <c:pt idx="12">
-                  <c:v>0.17790727317333199</c:v>
+                  <c:v>0.177907273173332</c:v>
                 </c:pt>
                 <c:pt idx="13">
                   <c:v>0.106906652450561</c:v>
                 </c:pt>
                 <c:pt idx="14">
-                  <c:v>0.12688834965229001</c:v>
+                  <c:v>0.12688834965229</c:v>
                 </c:pt>
                 <c:pt idx="15">
                   <c:v>0.163748353719711</c:v>
@@ -1690,7 +1594,7 @@
                   <c:v>0.123531013727188</c:v>
                 </c:pt>
                 <c:pt idx="17">
-                  <c:v>0.13374727964401201</c:v>
+                  <c:v>0.133747279644012</c:v>
                 </c:pt>
                 <c:pt idx="18">
                   <c:v>0.120334401726722</c:v>
@@ -1702,7 +1606,7 @@
                   <c:v>0.149118512868881</c:v>
                 </c:pt>
                 <c:pt idx="21">
-                  <c:v>9.6429333090782096E-2</c:v>
+                  <c:v>0.0964293330907821</c:v>
                 </c:pt>
                 <c:pt idx="22">
                   <c:v>0.122254811227321</c:v>
@@ -1711,10 +1615,10 @@
                   <c:v>0.124715767800807</c:v>
                 </c:pt>
                 <c:pt idx="24">
-                  <c:v>0.12475641816854401</c:v>
+                  <c:v>0.124756418168544</c:v>
                 </c:pt>
                 <c:pt idx="25">
-                  <c:v>0.14893303811550099</c:v>
+                  <c:v>0.148933038115501</c:v>
                 </c:pt>
                 <c:pt idx="26">
                   <c:v>0.125493839383125</c:v>
@@ -1723,7 +1627,7 @@
                   <c:v>0.119067765772342</c:v>
                 </c:pt>
                 <c:pt idx="28">
-                  <c:v>0.13459737598895999</c:v>
+                  <c:v>0.13459737598896</c:v>
                 </c:pt>
                 <c:pt idx="29">
                   <c:v>0.116551786661148</c:v>
@@ -1735,25 +1639,25 @@
                   <c:v>0.113363228738307</c:v>
                 </c:pt>
                 <c:pt idx="32">
-                  <c:v>0.13681152462959201</c:v>
+                  <c:v>0.136811524629592</c:v>
                 </c:pt>
                 <c:pt idx="33">
                   <c:v>0.102510310709476</c:v>
                 </c:pt>
                 <c:pt idx="34">
-                  <c:v>0.12496797740459401</c:v>
+                  <c:v>0.124967977404594</c:v>
                 </c:pt>
                 <c:pt idx="35">
-                  <c:v>9.0531982481479603E-2</c:v>
+                  <c:v>0.0905319824814796</c:v>
                 </c:pt>
                 <c:pt idx="36">
-                  <c:v>0.16412867605686099</c:v>
+                  <c:v>0.164128676056861</c:v>
                 </c:pt>
                 <c:pt idx="37">
                   <c:v>0.112606756389141</c:v>
                 </c:pt>
                 <c:pt idx="38">
-                  <c:v>8.5395283997058799E-2</c:v>
+                  <c:v>0.0853952839970588</c:v>
                 </c:pt>
                 <c:pt idx="39">
                   <c:v>0.101319782435894</c:v>
@@ -1765,11 +1669,6 @@
             </c:numRef>
           </c:val>
           <c:smooth val="0"/>
-          <c:extLst>
-            <c:ext xmlns:c16="http://schemas.microsoft.com/office/drawing/2014/chart" uri="{C3380CC4-5D6E-409C-BE32-E72D297353CC}">
-              <c16:uniqueId val="{00000000-C113-4F1A-B6FF-68FC86BEA1D4}"/>
-            </c:ext>
-          </c:extLst>
         </c:ser>
         <c:ser>
           <c:idx val="1"/>
@@ -1797,6 +1696,9 @@
           <c:marker>
             <c:symbol val="none"/>
           </c:marker>
+          <c:dLbls>
+            <c:delete val="1"/>
+          </c:dLbls>
           <c:cat>
             <c:numRef>
               <c:f>Sheet1!$A$2:$A$42</c:f>
@@ -1939,19 +1841,19 @@
                   <c:v>0.5</c:v>
                 </c:pt>
                 <c:pt idx="1">
-                  <c:v>0.47276487900000003</c:v>
+                  <c:v>0.472764879</c:v>
                 </c:pt>
                 <c:pt idx="2">
-                  <c:v>0.31668463299999999</c:v>
+                  <c:v>0.316684633</c:v>
                 </c:pt>
                 <c:pt idx="3">
-                  <c:v>0.30344822999999999</c:v>
+                  <c:v>0.30344823</c:v>
                 </c:pt>
                 <c:pt idx="4">
-                  <c:v>0.21960106500000001</c:v>
+                  <c:v>0.219601065</c:v>
                 </c:pt>
                 <c:pt idx="5">
-                  <c:v>0.26955953199999999</c:v>
+                  <c:v>0.269559532</c:v>
                 </c:pt>
                 <c:pt idx="6">
                   <c:v>0.230661333</c:v>
@@ -1963,34 +1865,34 @@
                   <c:v>0.178403109</c:v>
                 </c:pt>
                 <c:pt idx="9">
-                  <c:v>0.17149473700000001</c:v>
+                  <c:v>0.171494737</c:v>
                 </c:pt>
                 <c:pt idx="10">
                   <c:v>0.175630763</c:v>
                 </c:pt>
                 <c:pt idx="11">
-                  <c:v>0.17792518399999999</c:v>
+                  <c:v>0.177925184</c:v>
                 </c:pt>
                 <c:pt idx="12">
-                  <c:v>0.13233088000000001</c:v>
+                  <c:v>0.13233088</c:v>
                 </c:pt>
                 <c:pt idx="13">
-                  <c:v>0.19670599699999999</c:v>
+                  <c:v>0.196705997</c:v>
                 </c:pt>
                 <c:pt idx="14">
-                  <c:v>0.15903940799999999</c:v>
+                  <c:v>0.159039408</c:v>
                 </c:pt>
                 <c:pt idx="15">
-                  <c:v>0.14178818500000001</c:v>
+                  <c:v>0.141788185</c:v>
                 </c:pt>
                 <c:pt idx="16">
                   <c:v>0.122145452</c:v>
                 </c:pt>
                 <c:pt idx="17">
-                  <c:v>0.15985333900000001</c:v>
+                  <c:v>0.159853339</c:v>
                 </c:pt>
                 <c:pt idx="18">
-                  <c:v>0.17915323399999999</c:v>
+                  <c:v>0.179153234</c:v>
                 </c:pt>
                 <c:pt idx="19">
                   <c:v>0.15103969</c:v>
@@ -1999,20 +1901,15 @@
                   <c:v>0.1673114</c:v>
                 </c:pt>
                 <c:pt idx="21">
-                  <c:v>0.17901963000000001</c:v>
+                  <c:v>0.17901963</c:v>
                 </c:pt>
                 <c:pt idx="22">
-                  <c:v>0.17947395099999999</c:v>
+                  <c:v>0.179473951</c:v>
                 </c:pt>
               </c:numCache>
             </c:numRef>
           </c:val>
           <c:smooth val="0"/>
-          <c:extLst>
-            <c:ext xmlns:c16="http://schemas.microsoft.com/office/drawing/2014/chart" uri="{C3380CC4-5D6E-409C-BE32-E72D297353CC}">
-              <c16:uniqueId val="{00000001-C113-4F1A-B6FF-68FC86BEA1D4}"/>
-            </c:ext>
-          </c:extLst>
         </c:ser>
         <c:dLbls>
           <c:showLegendKey val="0"/>
@@ -2022,6 +1919,7 @@
           <c:showPercent val="0"/>
           <c:showBubbleSize val="0"/>
         </c:dLbls>
+        <c:marker val="0"/>
         <c:smooth val="0"/>
         <c:axId val="781831517"/>
         <c:axId val="405180283"/>
@@ -2056,9 +1954,11 @@
                   <a:rPr lang="de-DE"/>
                   <a:t>steps</a:t>
                 </a:r>
+                <a:endParaRPr lang="de-DE"/>
               </a:p>
             </c:rich>
           </c:tx>
+          <c:layout/>
           <c:overlay val="0"/>
           <c:spPr>
             <a:noFill/>
@@ -2067,26 +1967,6 @@
             </a:ln>
             <a:effectLst/>
           </c:spPr>
-          <c:txPr>
-            <a:bodyPr rot="0" spcFirstLastPara="1" vertOverflow="ellipsis" vert="horz" wrap="square" anchor="ctr" anchorCtr="1"/>
-            <a:lstStyle/>
-            <a:p>
-              <a:pPr>
-                <a:defRPr lang="en-US" sz="1200" b="0" i="0" u="none" strike="noStrike" kern="1200" baseline="0">
-                  <a:solidFill>
-                    <a:schemeClr val="tx1">
-                      <a:lumMod val="65000"/>
-                      <a:lumOff val="35000"/>
-                    </a:schemeClr>
-                  </a:solidFill>
-                  <a:latin typeface="+mn-lt"/>
-                  <a:ea typeface="+mn-ea"/>
-                  <a:cs typeface="+mn-cs"/>
-                </a:defRPr>
-              </a:pPr>
-              <a:endParaRPr lang="de-DE"/>
-            </a:p>
-          </c:txPr>
         </c:title>
         <c:numFmt formatCode="General" sourceLinked="0"/>
         <c:majorTickMark val="none"/>
@@ -2122,7 +2002,6 @@
                 <a:cs typeface="+mn-cs"/>
               </a:defRPr>
             </a:pPr>
-            <a:endParaRPr lang="de-DE"/>
           </a:p>
         </c:txPr>
         <c:crossAx val="405180283"/>
@@ -2176,9 +2055,11 @@
                   <a:rPr lang="de-DE"/>
                   <a:t>absl.error</a:t>
                 </a:r>
+                <a:endParaRPr lang="de-DE"/>
               </a:p>
             </c:rich>
           </c:tx>
+          <c:layout/>
           <c:overlay val="0"/>
           <c:spPr>
             <a:noFill/>
@@ -2187,26 +2068,6 @@
             </a:ln>
             <a:effectLst/>
           </c:spPr>
-          <c:txPr>
-            <a:bodyPr rot="-5400000" spcFirstLastPara="1" vertOverflow="ellipsis" vert="horz" wrap="square" anchor="ctr" anchorCtr="1"/>
-            <a:lstStyle/>
-            <a:p>
-              <a:pPr>
-                <a:defRPr lang="en-US" sz="1200" b="0" i="0" u="none" strike="noStrike" kern="1200" baseline="0">
-                  <a:solidFill>
-                    <a:schemeClr val="tx1">
-                      <a:lumMod val="65000"/>
-                      <a:lumOff val="35000"/>
-                    </a:schemeClr>
-                  </a:solidFill>
-                  <a:latin typeface="+mn-lt"/>
-                  <a:ea typeface="+mn-ea"/>
-                  <a:cs typeface="+mn-cs"/>
-                </a:defRPr>
-              </a:pPr>
-              <a:endParaRPr lang="de-DE"/>
-            </a:p>
-          </c:txPr>
         </c:title>
         <c:numFmt formatCode="General" sourceLinked="1"/>
         <c:majorTickMark val="none"/>
@@ -2236,7 +2097,6 @@
                 <a:cs typeface="+mn-cs"/>
               </a:defRPr>
             </a:pPr>
-            <a:endParaRPr lang="de-DE"/>
           </a:p>
         </c:txPr>
         <c:crossAx val="781831517"/>
@@ -2253,6 +2113,7 @@
     </c:plotArea>
     <c:legend>
       <c:legendPos val="b"/>
+      <c:layout/>
       <c:overlay val="0"/>
       <c:spPr>
         <a:noFill/>
@@ -2278,7 +2139,6 @@
               <a:cs typeface="+mn-cs"/>
             </a:defRPr>
           </a:pPr>
-          <a:endParaRPr lang="de-DE"/>
         </a:p>
       </c:txPr>
     </c:legend>
@@ -2300,19 +2160,18 @@
       <a:pPr>
         <a:defRPr lang="en-US" sz="1200"/>
       </a:pPr>
-      <a:endParaRPr lang="de-DE"/>
     </a:p>
   </c:txPr>
-  <c:externalData r:id="rId3">
+  <c:externalData r:id="rId1">
     <c:autoUpdate val="0"/>
   </c:externalData>
 </c:chartSpace>
 </file>
 
 <file path=ppt/charts/chart12.xml><?xml version="1.0" encoding="utf-8"?>
-<c:chartSpace xmlns:c="http://schemas.openxmlformats.org/drawingml/2006/chart" xmlns:a="http://schemas.openxmlformats.org/drawingml/2006/main" xmlns:r="http://schemas.openxmlformats.org/officeDocument/2006/relationships" xmlns:c16r2="http://schemas.microsoft.com/office/drawing/2015/06/chart">
+<c:chartSpace xmlns:c="http://schemas.openxmlformats.org/drawingml/2006/chart" xmlns:a="http://schemas.openxmlformats.org/drawingml/2006/main" xmlns:r="http://schemas.openxmlformats.org/officeDocument/2006/relationships">
   <c:date1904 val="0"/>
-  <c:lang val="de-DE"/>
+  <c:lang val="zh-CN"/>
   <c:roundedCorners val="0"/>
   <mc:AlternateContent xmlns:mc="http://schemas.openxmlformats.org/markup-compatibility/2006">
     <mc:Choice xmlns:c14="http://schemas.microsoft.com/office/drawing/2007/8/2/chart" Requires="c14">
@@ -2331,9 +2190,9 @@
           <c:xMode val="edge"/>
           <c:yMode val="edge"/>
           <c:x val="0.2"/>
-          <c:y val="8.2175664772186893E-2"/>
-          <c:w val="0.68802807279416001"/>
-          <c:h val="0.87020648967551595"/>
+          <c:y val="0.0821756647721869"/>
+          <c:w val="0.68802807279416"/>
+          <c:h val="0.870206489675516"/>
         </c:manualLayout>
       </c:layout>
       <c:doughnutChart>
@@ -2360,6 +2219,7 @@
               <a:noFill/>
             </a:ln>
           </c:spPr>
+          <c:explosion val="0"/>
           <c:dPt>
             <c:idx val="0"/>
             <c:bubble3D val="0"/>
@@ -2378,11 +2238,6 @@
                 </a:outerShdw>
               </a:effectLst>
             </c:spPr>
-            <c:extLst>
-              <c:ext xmlns:c16="http://schemas.microsoft.com/office/drawing/2014/chart" uri="{C3380CC4-5D6E-409C-BE32-E72D297353CC}">
-                <c16:uniqueId val="{00000001-90C5-4543-BA1F-742F3744330F}"/>
-              </c:ext>
-            </c:extLst>
           </c:dPt>
           <c:dPt>
             <c:idx val="1"/>
@@ -2404,11 +2259,6 @@
               </a:ln>
               <a:effectLst/>
             </c:spPr>
-            <c:extLst>
-              <c:ext xmlns:c16="http://schemas.microsoft.com/office/drawing/2014/chart" uri="{C3380CC4-5D6E-409C-BE32-E72D297353CC}">
-                <c16:uniqueId val="{00000003-90C5-4543-BA1F-742F3744330F}"/>
-              </c:ext>
-            </c:extLst>
           </c:dPt>
           <c:dPt>
             <c:idx val="2"/>
@@ -2422,11 +2272,6 @@
               </a:ln>
               <a:effectLst/>
             </c:spPr>
-            <c:extLst>
-              <c:ext xmlns:c16="http://schemas.microsoft.com/office/drawing/2014/chart" uri="{C3380CC4-5D6E-409C-BE32-E72D297353CC}">
-                <c16:uniqueId val="{00000005-90C5-4543-BA1F-742F3744330F}"/>
-              </c:ext>
-            </c:extLst>
           </c:dPt>
           <c:dPt>
             <c:idx val="3"/>
@@ -2440,12 +2285,10 @@
               </a:ln>
               <a:effectLst/>
             </c:spPr>
-            <c:extLst>
-              <c:ext xmlns:c16="http://schemas.microsoft.com/office/drawing/2014/chart" uri="{C3380CC4-5D6E-409C-BE32-E72D297353CC}">
-                <c16:uniqueId val="{00000007-90C5-4543-BA1F-742F3744330F}"/>
-              </c:ext>
-            </c:extLst>
           </c:dPt>
+          <c:dLbls>
+            <c:delete val="1"/>
+          </c:dLbls>
           <c:cat>
             <c:strRef>
               <c:f>Sheet1!$A$2:$A$5</c:f>
@@ -2475,11 +2318,6 @@
               </c:numCache>
             </c:numRef>
           </c:val>
-          <c:extLst>
-            <c:ext xmlns:c16="http://schemas.microsoft.com/office/drawing/2014/chart" uri="{C3380CC4-5D6E-409C-BE32-E72D297353CC}">
-              <c16:uniqueId val="{00000008-90C5-4543-BA1F-742F3744330F}"/>
-            </c:ext>
-          </c:extLst>
         </c:ser>
         <c:dLbls>
           <c:showLegendKey val="0"/>
@@ -2521,19 +2359,18 @@
           <a:latin typeface="+mn-lt"/>
         </a:defRPr>
       </a:pPr>
-      <a:endParaRPr lang="de-DE"/>
     </a:p>
   </c:txPr>
-  <c:externalData r:id="rId3">
+  <c:externalData r:id="rId1">
     <c:autoUpdate val="0"/>
   </c:externalData>
 </c:chartSpace>
 </file>
 
 <file path=ppt/charts/chart13.xml><?xml version="1.0" encoding="utf-8"?>
-<c:chartSpace xmlns:c="http://schemas.openxmlformats.org/drawingml/2006/chart" xmlns:a="http://schemas.openxmlformats.org/drawingml/2006/main" xmlns:r="http://schemas.openxmlformats.org/officeDocument/2006/relationships" xmlns:c16r2="http://schemas.microsoft.com/office/drawing/2015/06/chart">
+<c:chartSpace xmlns:c="http://schemas.openxmlformats.org/drawingml/2006/chart" xmlns:a="http://schemas.openxmlformats.org/drawingml/2006/main" xmlns:r="http://schemas.openxmlformats.org/officeDocument/2006/relationships">
   <c:date1904 val="0"/>
-  <c:lang val="de-DE"/>
+  <c:lang val="zh-CN"/>
   <c:roundedCorners val="0"/>
   <mc:AlternateContent xmlns:mc="http://schemas.openxmlformats.org/markup-compatibility/2006">
     <mc:Choice xmlns:c14="http://schemas.microsoft.com/office/drawing/2007/8/2/chart" Requires="c14">
@@ -2552,9 +2389,9 @@
           <c:xMode val="edge"/>
           <c:yMode val="edge"/>
           <c:x val="0.2"/>
-          <c:y val="8.2175664772186893E-2"/>
-          <c:w val="0.68802807279416001"/>
-          <c:h val="0.87020648967551595"/>
+          <c:y val="0.0821756647721869"/>
+          <c:w val="0.68802807279416"/>
+          <c:h val="0.870206489675516"/>
         </c:manualLayout>
       </c:layout>
       <c:doughnutChart>
@@ -2581,6 +2418,7 @@
               <a:noFill/>
             </a:ln>
           </c:spPr>
+          <c:explosion val="0"/>
           <c:dPt>
             <c:idx val="0"/>
             <c:bubble3D val="0"/>
@@ -2599,11 +2437,6 @@
                 </a:outerShdw>
               </a:effectLst>
             </c:spPr>
-            <c:extLst>
-              <c:ext xmlns:c16="http://schemas.microsoft.com/office/drawing/2014/chart" uri="{C3380CC4-5D6E-409C-BE32-E72D297353CC}">
-                <c16:uniqueId val="{00000001-8057-47E8-A90A-257A2BC3B17F}"/>
-              </c:ext>
-            </c:extLst>
           </c:dPt>
           <c:dPt>
             <c:idx val="1"/>
@@ -2625,11 +2458,6 @@
               </a:ln>
               <a:effectLst/>
             </c:spPr>
-            <c:extLst>
-              <c:ext xmlns:c16="http://schemas.microsoft.com/office/drawing/2014/chart" uri="{C3380CC4-5D6E-409C-BE32-E72D297353CC}">
-                <c16:uniqueId val="{00000003-8057-47E8-A90A-257A2BC3B17F}"/>
-              </c:ext>
-            </c:extLst>
           </c:dPt>
           <c:dPt>
             <c:idx val="2"/>
@@ -2643,11 +2471,6 @@
               </a:ln>
               <a:effectLst/>
             </c:spPr>
-            <c:extLst>
-              <c:ext xmlns:c16="http://schemas.microsoft.com/office/drawing/2014/chart" uri="{C3380CC4-5D6E-409C-BE32-E72D297353CC}">
-                <c16:uniqueId val="{00000005-8057-47E8-A90A-257A2BC3B17F}"/>
-              </c:ext>
-            </c:extLst>
           </c:dPt>
           <c:dPt>
             <c:idx val="3"/>
@@ -2661,12 +2484,10 @@
               </a:ln>
               <a:effectLst/>
             </c:spPr>
-            <c:extLst>
-              <c:ext xmlns:c16="http://schemas.microsoft.com/office/drawing/2014/chart" uri="{C3380CC4-5D6E-409C-BE32-E72D297353CC}">
-                <c16:uniqueId val="{00000007-8057-47E8-A90A-257A2BC3B17F}"/>
-              </c:ext>
-            </c:extLst>
           </c:dPt>
+          <c:dLbls>
+            <c:delete val="1"/>
+          </c:dLbls>
           <c:cat>
             <c:strRef>
               <c:f>Sheet1!$A$2:$A$5</c:f>
@@ -2696,11 +2517,6 @@
               </c:numCache>
             </c:numRef>
           </c:val>
-          <c:extLst>
-            <c:ext xmlns:c16="http://schemas.microsoft.com/office/drawing/2014/chart" uri="{C3380CC4-5D6E-409C-BE32-E72D297353CC}">
-              <c16:uniqueId val="{00000008-8057-47E8-A90A-257A2BC3B17F}"/>
-            </c:ext>
-          </c:extLst>
         </c:ser>
         <c:dLbls>
           <c:showLegendKey val="0"/>
@@ -2742,19 +2558,18 @@
           <a:latin typeface="+mn-lt"/>
         </a:defRPr>
       </a:pPr>
-      <a:endParaRPr lang="de-DE"/>
     </a:p>
   </c:txPr>
-  <c:externalData r:id="rId3">
+  <c:externalData r:id="rId1">
     <c:autoUpdate val="0"/>
   </c:externalData>
 </c:chartSpace>
 </file>
 
 <file path=ppt/charts/chart14.xml><?xml version="1.0" encoding="utf-8"?>
-<c:chartSpace xmlns:c="http://schemas.openxmlformats.org/drawingml/2006/chart" xmlns:a="http://schemas.openxmlformats.org/drawingml/2006/main" xmlns:r="http://schemas.openxmlformats.org/officeDocument/2006/relationships" xmlns:c16r2="http://schemas.microsoft.com/office/drawing/2015/06/chart">
+<c:chartSpace xmlns:c="http://schemas.openxmlformats.org/drawingml/2006/chart" xmlns:a="http://schemas.openxmlformats.org/drawingml/2006/main" xmlns:r="http://schemas.openxmlformats.org/officeDocument/2006/relationships">
   <c:date1904 val="0"/>
-  <c:lang val="de-DE"/>
+  <c:lang val="zh-CN"/>
   <c:roundedCorners val="0"/>
   <mc:AlternateContent xmlns:mc="http://schemas.openxmlformats.org/markup-compatibility/2006">
     <mc:Choice xmlns:c14="http://schemas.microsoft.com/office/drawing/2007/8/2/chart" Requires="c14">
@@ -2824,10 +2639,25 @@
               </a:rPr>
               <a:t> Superpixel</a:t>
             </a:r>
+            <a:endParaRPr lang="de-DE" sz="1600" b="1" dirty="0">
+              <a:solidFill>
+                <a:schemeClr val="tx1"/>
+              </a:solidFill>
+            </a:endParaRPr>
           </a:p>
           <a:p>
             <a:pPr>
-              <a:defRPr/>
+              <a:defRPr lang="en-US" sz="1440" b="0" i="0" u="none" strike="noStrike" kern="1200" spc="0" baseline="0">
+                <a:solidFill>
+                  <a:schemeClr val="tx1">
+                    <a:lumMod val="65000"/>
+                    <a:lumOff val="35000"/>
+                  </a:schemeClr>
+                </a:solidFill>
+                <a:latin typeface="+mn-lt"/>
+                <a:ea typeface="+mn-ea"/>
+                <a:cs typeface="+mn-cs"/>
+              </a:defRPr>
             </a:pPr>
             <a:r>
               <a:rPr lang="de-DE" sz="1600" b="1" dirty="0" err="1">
@@ -2881,8 +2711,8 @@
         <c:manualLayout>
           <c:xMode val="edge"/>
           <c:yMode val="edge"/>
-          <c:x val="0.23299721089894901"/>
-          <c:y val="1.6535758577924799E-2"/>
+          <c:x val="0.232997210898949"/>
+          <c:y val="0.0165357585779248"/>
         </c:manualLayout>
       </c:layout>
       <c:overlay val="0"/>
@@ -2893,26 +2723,6 @@
         </a:ln>
         <a:effectLst/>
       </c:spPr>
-      <c:txPr>
-        <a:bodyPr rot="0" spcFirstLastPara="1" vertOverflow="ellipsis" vert="horz" wrap="square" anchor="ctr" anchorCtr="1"/>
-        <a:lstStyle/>
-        <a:p>
-          <a:pPr>
-            <a:defRPr lang="en-US" sz="1440" b="0" i="0" u="none" strike="noStrike" kern="1200" spc="0" baseline="0">
-              <a:solidFill>
-                <a:schemeClr val="tx1">
-                  <a:lumMod val="65000"/>
-                  <a:lumOff val="35000"/>
-                </a:schemeClr>
-              </a:solidFill>
-              <a:latin typeface="+mn-lt"/>
-              <a:ea typeface="+mn-ea"/>
-              <a:cs typeface="+mn-cs"/>
-            </a:defRPr>
-          </a:pPr>
-          <a:endParaRPr lang="de-DE"/>
-        </a:p>
-      </c:txPr>
     </c:title>
     <c:autoTitleDeleted val="0"/>
     <c:plotArea>
@@ -2946,6 +2756,9 @@
           <c:marker>
             <c:symbol val="none"/>
           </c:marker>
+          <c:dLbls>
+            <c:delete val="1"/>
+          </c:dLbls>
           <c:cat>
             <c:numRef>
               <c:f>Sheet1!$A$2:$A$42</c:f>
@@ -3085,16 +2898,16 @@
                 <c:formatCode>General</c:formatCode>
                 <c:ptCount val="41"/>
                 <c:pt idx="0">
-                  <c:v>0.50421905517578103</c:v>
+                  <c:v>0.504219055175781</c:v>
                 </c:pt>
                 <c:pt idx="1">
-                  <c:v>0.27973505854606601</c:v>
+                  <c:v>0.279735058546066</c:v>
                 </c:pt>
                 <c:pt idx="2">
-                  <c:v>0.26693132519721902</c:v>
+                  <c:v>0.266931325197219</c:v>
                 </c:pt>
                 <c:pt idx="3">
-                  <c:v>0.21496424078941301</c:v>
+                  <c:v>0.214964240789413</c:v>
                 </c:pt>
                 <c:pt idx="4">
                   <c:v>0.193553686141967</c:v>
@@ -3103,31 +2916,31 @@
                   <c:v>0.218414276838302</c:v>
                 </c:pt>
                 <c:pt idx="6">
-                  <c:v>0.22673957049846599</c:v>
+                  <c:v>0.226739570498466</c:v>
                 </c:pt>
                 <c:pt idx="7">
-                  <c:v>0.20241037011146501</c:v>
+                  <c:v>0.202410370111465</c:v>
                 </c:pt>
                 <c:pt idx="8">
-                  <c:v>0.19002437591552701</c:v>
+                  <c:v>0.190024375915527</c:v>
                 </c:pt>
                 <c:pt idx="9">
                   <c:v>0.156396463513374</c:v>
                 </c:pt>
                 <c:pt idx="10">
-                  <c:v>0.15519618988037101</c:v>
+                  <c:v>0.155196189880371</c:v>
                 </c:pt>
                 <c:pt idx="11">
                   <c:v>0.179761007428169</c:v>
                 </c:pt>
                 <c:pt idx="12">
-                  <c:v>0.17790727317333199</c:v>
+                  <c:v>0.177907273173332</c:v>
                 </c:pt>
                 <c:pt idx="13">
                   <c:v>0.106906652450561</c:v>
                 </c:pt>
                 <c:pt idx="14">
-                  <c:v>0.12688834965229001</c:v>
+                  <c:v>0.12688834965229</c:v>
                 </c:pt>
                 <c:pt idx="15">
                   <c:v>0.163748353719711</c:v>
@@ -3136,7 +2949,7 @@
                   <c:v>0.123531013727188</c:v>
                 </c:pt>
                 <c:pt idx="17">
-                  <c:v>0.13374727964401201</c:v>
+                  <c:v>0.133747279644012</c:v>
                 </c:pt>
                 <c:pt idx="18">
                   <c:v>0.120334401726722</c:v>
@@ -3148,7 +2961,7 @@
                   <c:v>0.149118512868881</c:v>
                 </c:pt>
                 <c:pt idx="21">
-                  <c:v>9.6429333090782096E-2</c:v>
+                  <c:v>0.0964293330907821</c:v>
                 </c:pt>
                 <c:pt idx="22">
                   <c:v>0.122254811227321</c:v>
@@ -3157,10 +2970,10 @@
                   <c:v>0.124715767800807</c:v>
                 </c:pt>
                 <c:pt idx="24">
-                  <c:v>0.12475641816854401</c:v>
+                  <c:v>0.124756418168544</c:v>
                 </c:pt>
                 <c:pt idx="25">
-                  <c:v>0.14893303811550099</c:v>
+                  <c:v>0.148933038115501</c:v>
                 </c:pt>
                 <c:pt idx="26">
                   <c:v>0.125493839383125</c:v>
@@ -3169,7 +2982,7 @@
                   <c:v>0.119067765772342</c:v>
                 </c:pt>
                 <c:pt idx="28">
-                  <c:v>0.13459737598895999</c:v>
+                  <c:v>0.13459737598896</c:v>
                 </c:pt>
                 <c:pt idx="29">
                   <c:v>0.116551786661148</c:v>
@@ -3181,25 +2994,25 @@
                   <c:v>0.113363228738307</c:v>
                 </c:pt>
                 <c:pt idx="32">
-                  <c:v>0.13681152462959201</c:v>
+                  <c:v>0.136811524629592</c:v>
                 </c:pt>
                 <c:pt idx="33">
                   <c:v>0.102510310709476</c:v>
                 </c:pt>
                 <c:pt idx="34">
-                  <c:v>0.12496797740459401</c:v>
+                  <c:v>0.124967977404594</c:v>
                 </c:pt>
                 <c:pt idx="35">
-                  <c:v>9.0531982481479603E-2</c:v>
+                  <c:v>0.0905319824814796</c:v>
                 </c:pt>
                 <c:pt idx="36">
-                  <c:v>0.16412867605686099</c:v>
+                  <c:v>0.164128676056861</c:v>
                 </c:pt>
                 <c:pt idx="37">
                   <c:v>0.112606756389141</c:v>
                 </c:pt>
                 <c:pt idx="38">
-                  <c:v>8.5395283997058799E-2</c:v>
+                  <c:v>0.0853952839970588</c:v>
                 </c:pt>
                 <c:pt idx="39">
                   <c:v>0.101319782435894</c:v>
@@ -3211,11 +3024,6 @@
             </c:numRef>
           </c:val>
           <c:smooth val="0"/>
-          <c:extLst>
-            <c:ext xmlns:c16="http://schemas.microsoft.com/office/drawing/2014/chart" uri="{C3380CC4-5D6E-409C-BE32-E72D297353CC}">
-              <c16:uniqueId val="{00000000-7771-439A-98DC-8D36A62ED8F7}"/>
-            </c:ext>
-          </c:extLst>
         </c:ser>
         <c:ser>
           <c:idx val="1"/>
@@ -3243,6 +3051,9 @@
           <c:marker>
             <c:symbol val="none"/>
           </c:marker>
+          <c:dLbls>
+            <c:delete val="1"/>
+          </c:dLbls>
           <c:cat>
             <c:numRef>
               <c:f>Sheet1!$A$2:$A$42</c:f>
@@ -3385,37 +3196,37 @@
                   <c:v>0.5</c:v>
                 </c:pt>
                 <c:pt idx="1">
-                  <c:v>0.48514020400000002</c:v>
+                  <c:v>0.485140204</c:v>
                 </c:pt>
                 <c:pt idx="2">
-                  <c:v>0.30879336600000001</c:v>
+                  <c:v>0.308793366</c:v>
                 </c:pt>
                 <c:pt idx="3">
                   <c:v>0.283008337</c:v>
                 </c:pt>
                 <c:pt idx="4">
-                  <c:v>0.22908099000000001</c:v>
+                  <c:v>0.22908099</c:v>
                 </c:pt>
                 <c:pt idx="5">
                   <c:v>0.249800205</c:v>
                 </c:pt>
                 <c:pt idx="6">
-                  <c:v>0.23440016799999999</c:v>
+                  <c:v>0.234400168</c:v>
                 </c:pt>
                 <c:pt idx="7">
-                  <c:v>0.21629567399999999</c:v>
+                  <c:v>0.216295674</c:v>
                 </c:pt>
                 <c:pt idx="8">
-                  <c:v>0.17478042799999999</c:v>
+                  <c:v>0.174780428</c:v>
                 </c:pt>
                 <c:pt idx="9">
-                  <c:v>0.18617898199999999</c:v>
+                  <c:v>0.186178982</c:v>
                 </c:pt>
                 <c:pt idx="10">
-                  <c:v>0.15673311100000001</c:v>
+                  <c:v>0.156733111</c:v>
                 </c:pt>
                 <c:pt idx="11">
-                  <c:v>0.15441474299999999</c:v>
+                  <c:v>0.154414743</c:v>
                 </c:pt>
                 <c:pt idx="12">
                   <c:v>0.200422972</c:v>
@@ -3424,7 +3235,7 @@
                   <c:v>0.169640824</c:v>
                 </c:pt>
                 <c:pt idx="14">
-                  <c:v>0.13102778800000001</c:v>
+                  <c:v>0.131027788</c:v>
                 </c:pt>
                 <c:pt idx="15">
                   <c:v>0.162688255</c:v>
@@ -3436,10 +3247,10 @@
                   <c:v>0.13913855</c:v>
                 </c:pt>
                 <c:pt idx="18">
-                  <c:v>0.14639727799999999</c:v>
+                  <c:v>0.146397278</c:v>
                 </c:pt>
                 <c:pt idx="19">
-                  <c:v>0.14003016099999999</c:v>
+                  <c:v>0.140030161</c:v>
                 </c:pt>
                 <c:pt idx="20">
                   <c:v>0.123258285</c:v>
@@ -3451,17 +3262,12 @@
                   <c:v>0.113131918</c:v>
                 </c:pt>
                 <c:pt idx="23">
-                  <c:v>0.11827557499999999</c:v>
+                  <c:v>0.118275575</c:v>
                 </c:pt>
               </c:numCache>
             </c:numRef>
           </c:val>
           <c:smooth val="0"/>
-          <c:extLst>
-            <c:ext xmlns:c16="http://schemas.microsoft.com/office/drawing/2014/chart" uri="{C3380CC4-5D6E-409C-BE32-E72D297353CC}">
-              <c16:uniqueId val="{00000001-7771-439A-98DC-8D36A62ED8F7}"/>
-            </c:ext>
-          </c:extLst>
         </c:ser>
         <c:dLbls>
           <c:showLegendKey val="0"/>
@@ -3471,6 +3277,7 @@
           <c:showPercent val="0"/>
           <c:showBubbleSize val="0"/>
         </c:dLbls>
+        <c:marker val="0"/>
         <c:smooth val="0"/>
         <c:axId val="781831517"/>
         <c:axId val="405180283"/>
@@ -3505,9 +3312,11 @@
                   <a:rPr lang="de-DE"/>
                   <a:t>steps</a:t>
                 </a:r>
+                <a:endParaRPr lang="de-DE"/>
               </a:p>
             </c:rich>
           </c:tx>
+          <c:layout/>
           <c:overlay val="0"/>
           <c:spPr>
             <a:noFill/>
@@ -3516,26 +3325,6 @@
             </a:ln>
             <a:effectLst/>
           </c:spPr>
-          <c:txPr>
-            <a:bodyPr rot="0" spcFirstLastPara="1" vertOverflow="ellipsis" vert="horz" wrap="square" anchor="ctr" anchorCtr="1"/>
-            <a:lstStyle/>
-            <a:p>
-              <a:pPr>
-                <a:defRPr lang="en-US" sz="1200" b="0" i="0" u="none" strike="noStrike" kern="1200" baseline="0">
-                  <a:solidFill>
-                    <a:schemeClr val="tx1">
-                      <a:lumMod val="65000"/>
-                      <a:lumOff val="35000"/>
-                    </a:schemeClr>
-                  </a:solidFill>
-                  <a:latin typeface="+mn-lt"/>
-                  <a:ea typeface="+mn-ea"/>
-                  <a:cs typeface="+mn-cs"/>
-                </a:defRPr>
-              </a:pPr>
-              <a:endParaRPr lang="de-DE"/>
-            </a:p>
-          </c:txPr>
         </c:title>
         <c:numFmt formatCode="General" sourceLinked="0"/>
         <c:majorTickMark val="none"/>
@@ -3571,7 +3360,6 @@
                 <a:cs typeface="+mn-cs"/>
               </a:defRPr>
             </a:pPr>
-            <a:endParaRPr lang="de-DE"/>
           </a:p>
         </c:txPr>
         <c:crossAx val="405180283"/>
@@ -3625,9 +3413,11 @@
                   <a:rPr lang="de-DE"/>
                   <a:t>absl.error</a:t>
                 </a:r>
+                <a:endParaRPr lang="de-DE"/>
               </a:p>
             </c:rich>
           </c:tx>
+          <c:layout/>
           <c:overlay val="0"/>
           <c:spPr>
             <a:noFill/>
@@ -3636,26 +3426,6 @@
             </a:ln>
             <a:effectLst/>
           </c:spPr>
-          <c:txPr>
-            <a:bodyPr rot="-5400000" spcFirstLastPara="1" vertOverflow="ellipsis" vert="horz" wrap="square" anchor="ctr" anchorCtr="1"/>
-            <a:lstStyle/>
-            <a:p>
-              <a:pPr>
-                <a:defRPr lang="en-US" sz="1200" b="0" i="0" u="none" strike="noStrike" kern="1200" baseline="0">
-                  <a:solidFill>
-                    <a:schemeClr val="tx1">
-                      <a:lumMod val="65000"/>
-                      <a:lumOff val="35000"/>
-                    </a:schemeClr>
-                  </a:solidFill>
-                  <a:latin typeface="+mn-lt"/>
-                  <a:ea typeface="+mn-ea"/>
-                  <a:cs typeface="+mn-cs"/>
-                </a:defRPr>
-              </a:pPr>
-              <a:endParaRPr lang="de-DE"/>
-            </a:p>
-          </c:txPr>
         </c:title>
         <c:numFmt formatCode="General" sourceLinked="1"/>
         <c:majorTickMark val="none"/>
@@ -3685,7 +3455,6 @@
                 <a:cs typeface="+mn-cs"/>
               </a:defRPr>
             </a:pPr>
-            <a:endParaRPr lang="de-DE"/>
           </a:p>
         </c:txPr>
         <c:crossAx val="781831517"/>
@@ -3702,6 +3471,7 @@
     </c:plotArea>
     <c:legend>
       <c:legendPos val="b"/>
+      <c:layout/>
       <c:overlay val="0"/>
       <c:spPr>
         <a:noFill/>
@@ -3727,7 +3497,6 @@
               <a:cs typeface="+mn-cs"/>
             </a:defRPr>
           </a:pPr>
-          <a:endParaRPr lang="de-DE"/>
         </a:p>
       </c:txPr>
     </c:legend>
@@ -3749,19 +3518,18 @@
       <a:pPr>
         <a:defRPr lang="en-US" sz="1200"/>
       </a:pPr>
-      <a:endParaRPr lang="de-DE"/>
     </a:p>
   </c:txPr>
-  <c:externalData r:id="rId3">
+  <c:externalData r:id="rId1">
     <c:autoUpdate val="0"/>
   </c:externalData>
 </c:chartSpace>
 </file>
 
 <file path=ppt/charts/chart2.xml><?xml version="1.0" encoding="utf-8"?>
-<c:chartSpace xmlns:c="http://schemas.openxmlformats.org/drawingml/2006/chart" xmlns:a="http://schemas.openxmlformats.org/drawingml/2006/main" xmlns:r="http://schemas.openxmlformats.org/officeDocument/2006/relationships" xmlns:c16r2="http://schemas.microsoft.com/office/drawing/2015/06/chart">
+<c:chartSpace xmlns:c="http://schemas.openxmlformats.org/drawingml/2006/chart" xmlns:a="http://schemas.openxmlformats.org/drawingml/2006/main" xmlns:r="http://schemas.openxmlformats.org/officeDocument/2006/relationships">
   <c:date1904 val="0"/>
-  <c:lang val="de-DE"/>
+  <c:lang val="zh-CN"/>
   <c:roundedCorners val="0"/>
   <mc:AlternateContent xmlns:mc="http://schemas.openxmlformats.org/markup-compatibility/2006">
     <mc:Choice xmlns:c14="http://schemas.microsoft.com/office/drawing/2007/8/2/chart" Requires="c14">
@@ -3821,13 +3589,21 @@
               </a:rPr>
               <a:t> as Input</a:t>
             </a:r>
+            <a:endParaRPr lang="en-US" sz="1600" b="1" dirty="0">
+              <a:solidFill>
+                <a:schemeClr val="tx1"/>
+              </a:solidFill>
+            </a:endParaRPr>
           </a:p>
           <a:p>
             <a:pPr>
-              <a:defRPr sz="1800" b="1">
+              <a:defRPr lang="en-US" sz="1800" b="1" i="0" u="none" strike="noStrike" kern="1200" spc="0" baseline="0">
                 <a:solidFill>
                   <a:schemeClr val="tx1"/>
                 </a:solidFill>
+                <a:latin typeface="+mn-lt"/>
+                <a:ea typeface="+mn-ea"/>
+                <a:cs typeface="+mn-cs"/>
               </a:defRPr>
             </a:pPr>
             <a:r>
@@ -3838,9 +3614,15 @@
               </a:rPr>
               <a:t>evaluated on abs. error</a:t>
             </a:r>
+            <a:endParaRPr lang="en-US" sz="1600" b="1" dirty="0">
+              <a:solidFill>
+                <a:schemeClr val="tx1"/>
+              </a:solidFill>
+            </a:endParaRPr>
           </a:p>
         </c:rich>
       </c:tx>
+      <c:layout/>
       <c:overlay val="0"/>
       <c:spPr>
         <a:noFill/>
@@ -3849,23 +3631,6 @@
         </a:ln>
         <a:effectLst/>
       </c:spPr>
-      <c:txPr>
-        <a:bodyPr rot="0" spcFirstLastPara="1" vertOverflow="ellipsis" vert="horz" wrap="square" anchor="ctr" anchorCtr="1"/>
-        <a:lstStyle/>
-        <a:p>
-          <a:pPr>
-            <a:defRPr lang="en-US" sz="1800" b="1" i="0" u="none" strike="noStrike" kern="1200" spc="0" baseline="0">
-              <a:solidFill>
-                <a:schemeClr val="tx1"/>
-              </a:solidFill>
-              <a:latin typeface="+mn-lt"/>
-              <a:ea typeface="+mn-ea"/>
-              <a:cs typeface="+mn-cs"/>
-            </a:defRPr>
-          </a:pPr>
-          <a:endParaRPr lang="de-DE"/>
-        </a:p>
-      </c:txPr>
     </c:title>
     <c:autoTitleDeleted val="0"/>
     <c:plotArea>
@@ -3899,6 +3664,9 @@
           <c:marker>
             <c:symbol val="none"/>
           </c:marker>
+          <c:dLbls>
+            <c:delete val="1"/>
+          </c:dLbls>
           <c:cat>
             <c:numRef>
               <c:f>Sheet1!$A$2:$A$42</c:f>
@@ -4038,16 +3806,16 @@
                 <c:formatCode>General</c:formatCode>
                 <c:ptCount val="41"/>
                 <c:pt idx="0">
-                  <c:v>0.50421905517578103</c:v>
+                  <c:v>0.504219055175781</c:v>
                 </c:pt>
                 <c:pt idx="1">
-                  <c:v>0.27973505854606601</c:v>
+                  <c:v>0.279735058546066</c:v>
                 </c:pt>
                 <c:pt idx="2">
-                  <c:v>0.26693132519721902</c:v>
+                  <c:v>0.266931325197219</c:v>
                 </c:pt>
                 <c:pt idx="3">
-                  <c:v>0.21496424078941301</c:v>
+                  <c:v>0.214964240789413</c:v>
                 </c:pt>
                 <c:pt idx="4">
                   <c:v>0.193553686141967</c:v>
@@ -4056,31 +3824,31 @@
                   <c:v>0.218414276838302</c:v>
                 </c:pt>
                 <c:pt idx="6">
-                  <c:v>0.22673957049846599</c:v>
+                  <c:v>0.226739570498466</c:v>
                 </c:pt>
                 <c:pt idx="7">
-                  <c:v>0.20241037011146501</c:v>
+                  <c:v>0.202410370111465</c:v>
                 </c:pt>
                 <c:pt idx="8">
-                  <c:v>0.19002437591552701</c:v>
+                  <c:v>0.190024375915527</c:v>
                 </c:pt>
                 <c:pt idx="9">
                   <c:v>0.156396463513374</c:v>
                 </c:pt>
                 <c:pt idx="10">
-                  <c:v>0.15519618988037101</c:v>
+                  <c:v>0.155196189880371</c:v>
                 </c:pt>
                 <c:pt idx="11">
                   <c:v>0.179761007428169</c:v>
                 </c:pt>
                 <c:pt idx="12">
-                  <c:v>0.17790727317333199</c:v>
+                  <c:v>0.177907273173332</c:v>
                 </c:pt>
                 <c:pt idx="13">
                   <c:v>0.106906652450561</c:v>
                 </c:pt>
                 <c:pt idx="14">
-                  <c:v>0.12688834965229001</c:v>
+                  <c:v>0.12688834965229</c:v>
                 </c:pt>
                 <c:pt idx="15">
                   <c:v>0.163748353719711</c:v>
@@ -4089,7 +3857,7 @@
                   <c:v>0.123531013727188</c:v>
                 </c:pt>
                 <c:pt idx="17">
-                  <c:v>0.13374727964401201</c:v>
+                  <c:v>0.133747279644012</c:v>
                 </c:pt>
                 <c:pt idx="18">
                   <c:v>0.120334401726722</c:v>
@@ -4101,7 +3869,7 @@
                   <c:v>0.149118512868881</c:v>
                 </c:pt>
                 <c:pt idx="21">
-                  <c:v>9.6429333090782096E-2</c:v>
+                  <c:v>0.0964293330907821</c:v>
                 </c:pt>
                 <c:pt idx="22">
                   <c:v>0.122254811227321</c:v>
@@ -4110,10 +3878,10 @@
                   <c:v>0.124715767800807</c:v>
                 </c:pt>
                 <c:pt idx="24">
-                  <c:v>0.12475641816854401</c:v>
+                  <c:v>0.124756418168544</c:v>
                 </c:pt>
                 <c:pt idx="25">
-                  <c:v>0.14893303811550099</c:v>
+                  <c:v>0.148933038115501</c:v>
                 </c:pt>
                 <c:pt idx="26">
                   <c:v>0.125493839383125</c:v>
@@ -4122,7 +3890,7 @@
                   <c:v>0.119067765772342</c:v>
                 </c:pt>
                 <c:pt idx="28">
-                  <c:v>0.13459737598895999</c:v>
+                  <c:v>0.13459737598896</c:v>
                 </c:pt>
                 <c:pt idx="29">
                   <c:v>0.116551786661148</c:v>
@@ -4134,25 +3902,25 @@
                   <c:v>0.113363228738307</c:v>
                 </c:pt>
                 <c:pt idx="32">
-                  <c:v>0.13681152462959201</c:v>
+                  <c:v>0.136811524629592</c:v>
                 </c:pt>
                 <c:pt idx="33">
                   <c:v>0.102510310709476</c:v>
                 </c:pt>
                 <c:pt idx="34">
-                  <c:v>0.12496797740459401</c:v>
+                  <c:v>0.124967977404594</c:v>
                 </c:pt>
                 <c:pt idx="35">
-                  <c:v>9.0531982481479603E-2</c:v>
+                  <c:v>0.0905319824814796</c:v>
                 </c:pt>
                 <c:pt idx="36">
-                  <c:v>0.16412867605686099</c:v>
+                  <c:v>0.164128676056861</c:v>
                 </c:pt>
                 <c:pt idx="37">
                   <c:v>0.112606756389141</c:v>
                 </c:pt>
                 <c:pt idx="38">
-                  <c:v>8.5395283997058799E-2</c:v>
+                  <c:v>0.0853952839970588</c:v>
                 </c:pt>
                 <c:pt idx="39">
                   <c:v>0.101319782435894</c:v>
@@ -4164,11 +3932,6 @@
             </c:numRef>
           </c:val>
           <c:smooth val="0"/>
-          <c:extLst>
-            <c:ext xmlns:c16="http://schemas.microsoft.com/office/drawing/2014/chart" uri="{C3380CC4-5D6E-409C-BE32-E72D297353CC}">
-              <c16:uniqueId val="{00000000-7D4F-47C5-B45D-A1E64C9A9834}"/>
-            </c:ext>
-          </c:extLst>
         </c:ser>
         <c:ser>
           <c:idx val="1"/>
@@ -4196,6 +3959,9 @@
           <c:marker>
             <c:symbol val="none"/>
           </c:marker>
+          <c:dLbls>
+            <c:delete val="1"/>
+          </c:dLbls>
           <c:cat>
             <c:numRef>
               <c:f>Sheet1!$A$2:$A$42</c:f>
@@ -4335,31 +4101,31 @@
                 <c:formatCode>General</c:formatCode>
                 <c:ptCount val="41"/>
                 <c:pt idx="0">
-                  <c:v>0.47223389148712103</c:v>
+                  <c:v>0.472233891487121</c:v>
                 </c:pt>
                 <c:pt idx="1">
-                  <c:v>0.46389198303222601</c:v>
+                  <c:v>0.463891983032226</c:v>
                 </c:pt>
                 <c:pt idx="2">
-                  <c:v>0.40340524911880399</c:v>
+                  <c:v>0.403405249118804</c:v>
                 </c:pt>
                 <c:pt idx="3">
-                  <c:v>0.22160154581069899</c:v>
+                  <c:v>0.221601545810699</c:v>
                 </c:pt>
                 <c:pt idx="4">
-                  <c:v>0.24435447156429199</c:v>
+                  <c:v>0.244354471564292</c:v>
                 </c:pt>
                 <c:pt idx="5">
-                  <c:v>0.22687627375125799</c:v>
+                  <c:v>0.226876273751258</c:v>
                 </c:pt>
                 <c:pt idx="6">
-                  <c:v>0.18750590085983199</c:v>
+                  <c:v>0.187505900859832</c:v>
                 </c:pt>
                 <c:pt idx="7">
                   <c:v>0.231648445129394</c:v>
                 </c:pt>
                 <c:pt idx="8">
-                  <c:v>0.34906259179115201</c:v>
+                  <c:v>0.349062591791152</c:v>
                 </c:pt>
                 <c:pt idx="9">
                   <c:v>0.155327469110488</c:v>
@@ -4371,22 +4137,22 @@
                   <c:v>0.172545760869979</c:v>
                 </c:pt>
                 <c:pt idx="12">
-                  <c:v>0.19915454089641499</c:v>
+                  <c:v>0.199154540896415</c:v>
                 </c:pt>
                 <c:pt idx="13">
                   <c:v>0.150299206376075</c:v>
                 </c:pt>
                 <c:pt idx="14">
-                  <c:v>0.12700884044170299</c:v>
+                  <c:v>0.127008840441703</c:v>
                 </c:pt>
                 <c:pt idx="15">
-                  <c:v>0.13419649004936199</c:v>
+                  <c:v>0.134196490049362</c:v>
                 </c:pt>
                 <c:pt idx="16">
-                  <c:v>0.10517203807830799</c:v>
+                  <c:v>0.105172038078308</c:v>
                 </c:pt>
                 <c:pt idx="17">
-                  <c:v>0.13699702918529499</c:v>
+                  <c:v>0.136997029185295</c:v>
                 </c:pt>
                 <c:pt idx="18">
                   <c:v>0.130150571465492</c:v>
@@ -4395,22 +4161,22 @@
                   <c:v>0.122179642319679</c:v>
                 </c:pt>
                 <c:pt idx="20">
-                  <c:v>0.15090848505496901</c:v>
+                  <c:v>0.150908485054969</c:v>
                 </c:pt>
                 <c:pt idx="21">
-                  <c:v>0.12077350169420201</c:v>
+                  <c:v>0.120773501694202</c:v>
                 </c:pt>
                 <c:pt idx="22">
-                  <c:v>0.17680895328521701</c:v>
+                  <c:v>0.176808953285217</c:v>
                 </c:pt>
                 <c:pt idx="23">
                   <c:v>0.107833251357078</c:v>
                 </c:pt>
                 <c:pt idx="24">
-                  <c:v>0.17650087177753401</c:v>
+                  <c:v>0.176500871777534</c:v>
                 </c:pt>
                 <c:pt idx="25">
-                  <c:v>0.13472874462604501</c:v>
+                  <c:v>0.134728744626045</c:v>
                 </c:pt>
                 <c:pt idx="26">
                   <c:v>0.139597922563552</c:v>
@@ -4428,31 +4194,31 @@
                   <c:v>0.13952013850212</c:v>
                 </c:pt>
                 <c:pt idx="31">
-                  <c:v>0.11551681905984799</c:v>
+                  <c:v>0.115516819059848</c:v>
                 </c:pt>
                 <c:pt idx="32">
-                  <c:v>0.18214568495750399</c:v>
+                  <c:v>0.182145684957504</c:v>
                 </c:pt>
                 <c:pt idx="33">
-                  <c:v>0.11812119185924499</c:v>
+                  <c:v>0.118121191859245</c:v>
                 </c:pt>
                 <c:pt idx="34">
-                  <c:v>0.13949294388294201</c:v>
+                  <c:v>0.139492943882942</c:v>
                 </c:pt>
                 <c:pt idx="35">
-                  <c:v>0.19462622702121701</c:v>
+                  <c:v>0.194626227021217</c:v>
                 </c:pt>
                 <c:pt idx="36">
-                  <c:v>0.10164837539196001</c:v>
+                  <c:v>0.10164837539196</c:v>
                 </c:pt>
                 <c:pt idx="37">
-                  <c:v>9.4312325119972201E-2</c:v>
+                  <c:v>0.0943123251199722</c:v>
                 </c:pt>
                 <c:pt idx="38">
-                  <c:v>0.15558190643787301</c:v>
+                  <c:v>0.155581906437873</c:v>
                 </c:pt>
                 <c:pt idx="39">
-                  <c:v>9.7099363803863498E-2</c:v>
+                  <c:v>0.0970993638038635</c:v>
                 </c:pt>
                 <c:pt idx="40">
                   <c:v>0.119330026209354</c:v>
@@ -4461,11 +4227,6 @@
             </c:numRef>
           </c:val>
           <c:smooth val="0"/>
-          <c:extLst>
-            <c:ext xmlns:c16="http://schemas.microsoft.com/office/drawing/2014/chart" uri="{C3380CC4-5D6E-409C-BE32-E72D297353CC}">
-              <c16:uniqueId val="{00000001-7D4F-47C5-B45D-A1E64C9A9834}"/>
-            </c:ext>
-          </c:extLst>
         </c:ser>
         <c:dLbls>
           <c:showLegendKey val="0"/>
@@ -4475,6 +4236,7 @@
           <c:showPercent val="0"/>
           <c:showBubbleSize val="0"/>
         </c:dLbls>
+        <c:marker val="0"/>
         <c:smooth val="0"/>
         <c:axId val="781831517"/>
         <c:axId val="405180283"/>
@@ -4509,9 +4271,11 @@
                   <a:rPr lang="de-DE"/>
                   <a:t>steps</a:t>
                 </a:r>
+                <a:endParaRPr lang="de-DE"/>
               </a:p>
             </c:rich>
           </c:tx>
+          <c:layout/>
           <c:overlay val="0"/>
           <c:spPr>
             <a:noFill/>
@@ -4520,26 +4284,6 @@
             </a:ln>
             <a:effectLst/>
           </c:spPr>
-          <c:txPr>
-            <a:bodyPr rot="0" spcFirstLastPara="1" vertOverflow="ellipsis" vert="horz" wrap="square" anchor="ctr" anchorCtr="1"/>
-            <a:lstStyle/>
-            <a:p>
-              <a:pPr>
-                <a:defRPr lang="en-US" sz="1200" b="0" i="0" u="none" strike="noStrike" kern="1200" baseline="0">
-                  <a:solidFill>
-                    <a:schemeClr val="tx1">
-                      <a:lumMod val="65000"/>
-                      <a:lumOff val="35000"/>
-                    </a:schemeClr>
-                  </a:solidFill>
-                  <a:latin typeface="+mn-lt"/>
-                  <a:ea typeface="+mn-ea"/>
-                  <a:cs typeface="+mn-cs"/>
-                </a:defRPr>
-              </a:pPr>
-              <a:endParaRPr lang="de-DE"/>
-            </a:p>
-          </c:txPr>
         </c:title>
         <c:numFmt formatCode="General" sourceLinked="0"/>
         <c:majorTickMark val="none"/>
@@ -4575,7 +4319,6 @@
                 <a:cs typeface="+mn-cs"/>
               </a:defRPr>
             </a:pPr>
-            <a:endParaRPr lang="de-DE"/>
           </a:p>
         </c:txPr>
         <c:crossAx val="405180283"/>
@@ -4629,9 +4372,11 @@
                   <a:rPr lang="de-DE"/>
                   <a:t>absl.error</a:t>
                 </a:r>
+                <a:endParaRPr lang="de-DE"/>
               </a:p>
             </c:rich>
           </c:tx>
+          <c:layout/>
           <c:overlay val="0"/>
           <c:spPr>
             <a:noFill/>
@@ -4640,26 +4385,6 @@
             </a:ln>
             <a:effectLst/>
           </c:spPr>
-          <c:txPr>
-            <a:bodyPr rot="-5400000" spcFirstLastPara="1" vertOverflow="ellipsis" vert="horz" wrap="square" anchor="ctr" anchorCtr="1"/>
-            <a:lstStyle/>
-            <a:p>
-              <a:pPr>
-                <a:defRPr lang="en-US" sz="1200" b="0" i="0" u="none" strike="noStrike" kern="1200" baseline="0">
-                  <a:solidFill>
-                    <a:schemeClr val="tx1">
-                      <a:lumMod val="65000"/>
-                      <a:lumOff val="35000"/>
-                    </a:schemeClr>
-                  </a:solidFill>
-                  <a:latin typeface="+mn-lt"/>
-                  <a:ea typeface="+mn-ea"/>
-                  <a:cs typeface="+mn-cs"/>
-                </a:defRPr>
-              </a:pPr>
-              <a:endParaRPr lang="de-DE"/>
-            </a:p>
-          </c:txPr>
         </c:title>
         <c:numFmt formatCode="General" sourceLinked="1"/>
         <c:majorTickMark val="none"/>
@@ -4689,7 +4414,6 @@
                 <a:cs typeface="+mn-cs"/>
               </a:defRPr>
             </a:pPr>
-            <a:endParaRPr lang="de-DE"/>
           </a:p>
         </c:txPr>
         <c:crossAx val="781831517"/>
@@ -4706,6 +4430,7 @@
     </c:plotArea>
     <c:legend>
       <c:legendPos val="b"/>
+      <c:layout/>
       <c:overlay val="0"/>
       <c:spPr>
         <a:noFill/>
@@ -4731,7 +4456,6 @@
               <a:cs typeface="+mn-cs"/>
             </a:defRPr>
           </a:pPr>
-          <a:endParaRPr lang="de-DE"/>
         </a:p>
       </c:txPr>
     </c:legend>
@@ -4753,19 +4477,18 @@
       <a:pPr>
         <a:defRPr lang="en-US" sz="1200"/>
       </a:pPr>
-      <a:endParaRPr lang="de-DE"/>
     </a:p>
   </c:txPr>
-  <c:externalData r:id="rId3">
+  <c:externalData r:id="rId1">
     <c:autoUpdate val="0"/>
   </c:externalData>
 </c:chartSpace>
 </file>
 
 <file path=ppt/charts/chart3.xml><?xml version="1.0" encoding="utf-8"?>
-<c:chartSpace xmlns:c="http://schemas.openxmlformats.org/drawingml/2006/chart" xmlns:a="http://schemas.openxmlformats.org/drawingml/2006/main" xmlns:r="http://schemas.openxmlformats.org/officeDocument/2006/relationships" xmlns:c16r2="http://schemas.microsoft.com/office/drawing/2015/06/chart">
+<c:chartSpace xmlns:c="http://schemas.openxmlformats.org/drawingml/2006/chart" xmlns:a="http://schemas.openxmlformats.org/drawingml/2006/main" xmlns:r="http://schemas.openxmlformats.org/officeDocument/2006/relationships">
   <c:date1904 val="0"/>
-  <c:lang val="de-DE"/>
+  <c:lang val="zh-CN"/>
   <c:roundedCorners val="0"/>
   <mc:AlternateContent xmlns:mc="http://schemas.openxmlformats.org/markup-compatibility/2006">
     <mc:Choice xmlns:c14="http://schemas.microsoft.com/office/drawing/2007/8/2/chart" Requires="c14">
@@ -4783,10 +4506,10 @@
           <c:layoutTarget val="inner"/>
           <c:xMode val="edge"/>
           <c:yMode val="edge"/>
-          <c:x val="0.18452937094483948"/>
-          <c:y val="0.17037438958220294"/>
-          <c:w val="0.68802807279416001"/>
-          <c:h val="0.87020648967551595"/>
+          <c:x val="0.184529370944839"/>
+          <c:y val="0.170374389582203"/>
+          <c:w val="0.68802807279416"/>
+          <c:h val="0.870206489675516"/>
         </c:manualLayout>
       </c:layout>
       <c:doughnutChart>
@@ -4813,6 +4536,7 @@
               <a:noFill/>
             </a:ln>
           </c:spPr>
+          <c:explosion val="0"/>
           <c:dPt>
             <c:idx val="0"/>
             <c:bubble3D val="0"/>
@@ -4831,11 +4555,6 @@
                 </a:outerShdw>
               </a:effectLst>
             </c:spPr>
-            <c:extLst>
-              <c:ext xmlns:c16="http://schemas.microsoft.com/office/drawing/2014/chart" uri="{C3380CC4-5D6E-409C-BE32-E72D297353CC}">
-                <c16:uniqueId val="{00000001-B12D-4F31-B9F4-EEB0959919F8}"/>
-              </c:ext>
-            </c:extLst>
           </c:dPt>
           <c:dPt>
             <c:idx val="1"/>
@@ -4857,11 +4576,6 @@
               </a:ln>
               <a:effectLst/>
             </c:spPr>
-            <c:extLst>
-              <c:ext xmlns:c16="http://schemas.microsoft.com/office/drawing/2014/chart" uri="{C3380CC4-5D6E-409C-BE32-E72D297353CC}">
-                <c16:uniqueId val="{00000003-B12D-4F31-B9F4-EEB0959919F8}"/>
-              </c:ext>
-            </c:extLst>
           </c:dPt>
           <c:dPt>
             <c:idx val="2"/>
@@ -4875,11 +4589,6 @@
               </a:ln>
               <a:effectLst/>
             </c:spPr>
-            <c:extLst>
-              <c:ext xmlns:c16="http://schemas.microsoft.com/office/drawing/2014/chart" uri="{C3380CC4-5D6E-409C-BE32-E72D297353CC}">
-                <c16:uniqueId val="{00000005-B12D-4F31-B9F4-EEB0959919F8}"/>
-              </c:ext>
-            </c:extLst>
           </c:dPt>
           <c:dPt>
             <c:idx val="3"/>
@@ -4893,12 +4602,10 @@
               </a:ln>
               <a:effectLst/>
             </c:spPr>
-            <c:extLst>
-              <c:ext xmlns:c16="http://schemas.microsoft.com/office/drawing/2014/chart" uri="{C3380CC4-5D6E-409C-BE32-E72D297353CC}">
-                <c16:uniqueId val="{00000007-B12D-4F31-B9F4-EEB0959919F8}"/>
-              </c:ext>
-            </c:extLst>
           </c:dPt>
+          <c:dLbls>
+            <c:delete val="1"/>
+          </c:dLbls>
           <c:cat>
             <c:strRef>
               <c:f>Sheet1!$A$2:$A$5</c:f>
@@ -4920,19 +4627,14 @@
                 <c:formatCode>General</c:formatCode>
                 <c:ptCount val="4"/>
                 <c:pt idx="0">
-                  <c:v>93.043478260869563</c:v>
+                  <c:v>93.0434782608696</c:v>
                 </c:pt>
                 <c:pt idx="1">
-                  <c:v>6.9565217391304373</c:v>
+                  <c:v>6.95652173913044</c:v>
                 </c:pt>
               </c:numCache>
             </c:numRef>
           </c:val>
-          <c:extLst>
-            <c:ext xmlns:c16="http://schemas.microsoft.com/office/drawing/2014/chart" uri="{C3380CC4-5D6E-409C-BE32-E72D297353CC}">
-              <c16:uniqueId val="{00000008-B12D-4F31-B9F4-EEB0959919F8}"/>
-            </c:ext>
-          </c:extLst>
         </c:ser>
         <c:dLbls>
           <c:showLegendKey val="0"/>
@@ -4974,19 +4676,18 @@
           <a:latin typeface="+mn-lt"/>
         </a:defRPr>
       </a:pPr>
-      <a:endParaRPr lang="de-DE"/>
     </a:p>
   </c:txPr>
-  <c:externalData r:id="rId3">
+  <c:externalData r:id="rId1">
     <c:autoUpdate val="0"/>
   </c:externalData>
 </c:chartSpace>
 </file>
 
 <file path=ppt/charts/chart4.xml><?xml version="1.0" encoding="utf-8"?>
-<c:chartSpace xmlns:c="http://schemas.openxmlformats.org/drawingml/2006/chart" xmlns:a="http://schemas.openxmlformats.org/drawingml/2006/main" xmlns:r="http://schemas.openxmlformats.org/officeDocument/2006/relationships" xmlns:c16r2="http://schemas.microsoft.com/office/drawing/2015/06/chart">
+<c:chartSpace xmlns:c="http://schemas.openxmlformats.org/drawingml/2006/chart" xmlns:a="http://schemas.openxmlformats.org/drawingml/2006/main" xmlns:r="http://schemas.openxmlformats.org/officeDocument/2006/relationships">
   <c:date1904 val="0"/>
-  <c:lang val="de-DE"/>
+  <c:lang val="zh-CN"/>
   <c:roundedCorners val="0"/>
   <mc:AlternateContent xmlns:mc="http://schemas.openxmlformats.org/markup-compatibility/2006">
     <mc:Choice xmlns:c14="http://schemas.microsoft.com/office/drawing/2007/8/2/chart" Requires="c14">
@@ -5024,10 +4725,25 @@
               </a:rPr>
               <a:t>Baseline vs. Normal 2 Depth Block</a:t>
             </a:r>
+            <a:endParaRPr lang="en-US" sz="1600" b="1" dirty="0">
+              <a:solidFill>
+                <a:schemeClr val="tx1"/>
+              </a:solidFill>
+            </a:endParaRPr>
           </a:p>
           <a:p>
             <a:pPr>
-              <a:defRPr/>
+              <a:defRPr lang="en-US" sz="1440" b="0" i="0" u="none" strike="noStrike" kern="1200" spc="0" baseline="0">
+                <a:solidFill>
+                  <a:schemeClr val="tx1">
+                    <a:lumMod val="65000"/>
+                    <a:lumOff val="35000"/>
+                  </a:schemeClr>
+                </a:solidFill>
+                <a:latin typeface="+mn-lt"/>
+                <a:ea typeface="+mn-ea"/>
+                <a:cs typeface="+mn-cs"/>
+              </a:defRPr>
             </a:pPr>
             <a:r>
               <a:rPr lang="en-US" sz="1600" b="1" dirty="0">
@@ -5037,6 +4753,11 @@
               </a:rPr>
               <a:t>evaluated on abs. error</a:t>
             </a:r>
+            <a:endParaRPr lang="en-US" sz="1600" b="1" dirty="0">
+              <a:solidFill>
+                <a:schemeClr val="tx1"/>
+              </a:solidFill>
+            </a:endParaRPr>
           </a:p>
         </c:rich>
       </c:tx>
@@ -5044,8 +4765,8 @@
         <c:manualLayout>
           <c:xMode val="edge"/>
           <c:yMode val="edge"/>
-          <c:x val="0.23299721089894901"/>
-          <c:y val="1.6535758577924799E-2"/>
+          <c:x val="0.232997210898949"/>
+          <c:y val="0.0165357585779248"/>
         </c:manualLayout>
       </c:layout>
       <c:overlay val="0"/>
@@ -5056,26 +4777,6 @@
         </a:ln>
         <a:effectLst/>
       </c:spPr>
-      <c:txPr>
-        <a:bodyPr rot="0" spcFirstLastPara="1" vertOverflow="ellipsis" vert="horz" wrap="square" anchor="ctr" anchorCtr="1"/>
-        <a:lstStyle/>
-        <a:p>
-          <a:pPr>
-            <a:defRPr lang="en-US" sz="1440" b="0" i="0" u="none" strike="noStrike" kern="1200" spc="0" baseline="0">
-              <a:solidFill>
-                <a:schemeClr val="tx1">
-                  <a:lumMod val="65000"/>
-                  <a:lumOff val="35000"/>
-                </a:schemeClr>
-              </a:solidFill>
-              <a:latin typeface="+mn-lt"/>
-              <a:ea typeface="+mn-ea"/>
-              <a:cs typeface="+mn-cs"/>
-            </a:defRPr>
-          </a:pPr>
-          <a:endParaRPr lang="de-DE"/>
-        </a:p>
-      </c:txPr>
     </c:title>
     <c:autoTitleDeleted val="0"/>
     <c:plotArea>
@@ -5109,6 +4810,9 @@
           <c:marker>
             <c:symbol val="none"/>
           </c:marker>
+          <c:dLbls>
+            <c:delete val="1"/>
+          </c:dLbls>
           <c:cat>
             <c:numRef>
               <c:f>Sheet1!$A$2:$A$42</c:f>
@@ -5248,16 +4952,16 @@
                 <c:formatCode>General</c:formatCode>
                 <c:ptCount val="41"/>
                 <c:pt idx="0">
-                  <c:v>0.50421905517578103</c:v>
+                  <c:v>0.504219055175781</c:v>
                 </c:pt>
                 <c:pt idx="1">
-                  <c:v>0.27973505854606601</c:v>
+                  <c:v>0.279735058546066</c:v>
                 </c:pt>
                 <c:pt idx="2">
-                  <c:v>0.26693132519721902</c:v>
+                  <c:v>0.266931325197219</c:v>
                 </c:pt>
                 <c:pt idx="3">
-                  <c:v>0.21496424078941301</c:v>
+                  <c:v>0.214964240789413</c:v>
                 </c:pt>
                 <c:pt idx="4">
                   <c:v>0.193553686141967</c:v>
@@ -5266,31 +4970,31 @@
                   <c:v>0.218414276838302</c:v>
                 </c:pt>
                 <c:pt idx="6">
-                  <c:v>0.22673957049846599</c:v>
+                  <c:v>0.226739570498466</c:v>
                 </c:pt>
                 <c:pt idx="7">
-                  <c:v>0.20241037011146501</c:v>
+                  <c:v>0.202410370111465</c:v>
                 </c:pt>
                 <c:pt idx="8">
-                  <c:v>0.19002437591552701</c:v>
+                  <c:v>0.190024375915527</c:v>
                 </c:pt>
                 <c:pt idx="9">
                   <c:v>0.156396463513374</c:v>
                 </c:pt>
                 <c:pt idx="10">
-                  <c:v>0.15519618988037101</c:v>
+                  <c:v>0.155196189880371</c:v>
                 </c:pt>
                 <c:pt idx="11">
                   <c:v>0.179761007428169</c:v>
                 </c:pt>
                 <c:pt idx="12">
-                  <c:v>0.17790727317333199</c:v>
+                  <c:v>0.177907273173332</c:v>
                 </c:pt>
                 <c:pt idx="13">
                   <c:v>0.106906652450561</c:v>
                 </c:pt>
                 <c:pt idx="14">
-                  <c:v>0.12688834965229001</c:v>
+                  <c:v>0.12688834965229</c:v>
                 </c:pt>
                 <c:pt idx="15">
                   <c:v>0.163748353719711</c:v>
@@ -5299,7 +5003,7 @@
                   <c:v>0.123531013727188</c:v>
                 </c:pt>
                 <c:pt idx="17">
-                  <c:v>0.13374727964401201</c:v>
+                  <c:v>0.133747279644012</c:v>
                 </c:pt>
                 <c:pt idx="18">
                   <c:v>0.120334401726722</c:v>
@@ -5311,7 +5015,7 @@
                   <c:v>0.149118512868881</c:v>
                 </c:pt>
                 <c:pt idx="21">
-                  <c:v>9.6429333090782096E-2</c:v>
+                  <c:v>0.0964293330907821</c:v>
                 </c:pt>
                 <c:pt idx="22">
                   <c:v>0.122254811227321</c:v>
@@ -5320,10 +5024,10 @@
                   <c:v>0.124715767800807</c:v>
                 </c:pt>
                 <c:pt idx="24">
-                  <c:v>0.12475641816854401</c:v>
+                  <c:v>0.124756418168544</c:v>
                 </c:pt>
                 <c:pt idx="25">
-                  <c:v>0.14893303811550099</c:v>
+                  <c:v>0.148933038115501</c:v>
                 </c:pt>
                 <c:pt idx="26">
                   <c:v>0.125493839383125</c:v>
@@ -5332,7 +5036,7 @@
                   <c:v>0.119067765772342</c:v>
                 </c:pt>
                 <c:pt idx="28">
-                  <c:v>0.13459737598895999</c:v>
+                  <c:v>0.13459737598896</c:v>
                 </c:pt>
                 <c:pt idx="29">
                   <c:v>0.116551786661148</c:v>
@@ -5344,25 +5048,25 @@
                   <c:v>0.113363228738307</c:v>
                 </c:pt>
                 <c:pt idx="32">
-                  <c:v>0.13681152462959201</c:v>
+                  <c:v>0.136811524629592</c:v>
                 </c:pt>
                 <c:pt idx="33">
                   <c:v>0.102510310709476</c:v>
                 </c:pt>
                 <c:pt idx="34">
-                  <c:v>0.12496797740459401</c:v>
+                  <c:v>0.124967977404594</c:v>
                 </c:pt>
                 <c:pt idx="35">
-                  <c:v>9.0531982481479603E-2</c:v>
+                  <c:v>0.0905319824814796</c:v>
                 </c:pt>
                 <c:pt idx="36">
-                  <c:v>0.16412867605686099</c:v>
+                  <c:v>0.164128676056861</c:v>
                 </c:pt>
                 <c:pt idx="37">
                   <c:v>0.112606756389141</c:v>
                 </c:pt>
                 <c:pt idx="38">
-                  <c:v>8.5395283997058799E-2</c:v>
+                  <c:v>0.0853952839970588</c:v>
                 </c:pt>
                 <c:pt idx="39">
                   <c:v>0.101319782435894</c:v>
@@ -5374,11 +5078,6 @@
             </c:numRef>
           </c:val>
           <c:smooth val="0"/>
-          <c:extLst>
-            <c:ext xmlns:c16="http://schemas.microsoft.com/office/drawing/2014/chart" uri="{C3380CC4-5D6E-409C-BE32-E72D297353CC}">
-              <c16:uniqueId val="{00000001-D558-44D6-8B7E-F53DD29C8330}"/>
-            </c:ext>
-          </c:extLst>
         </c:ser>
         <c:ser>
           <c:idx val="0"/>
@@ -5392,7 +5091,6 @@
                   <c:v>n2d</c:v>
                 </c:pt>
               </c:strCache>
-              <c:extLst xmlns:c15="http://schemas.microsoft.com/office/drawing/2012/chart"/>
             </c:strRef>
           </c:tx>
           <c:spPr>
@@ -5407,6 +5105,9 @@
           <c:marker>
             <c:symbol val="none"/>
           </c:marker>
+          <c:dLbls>
+            <c:delete val="1"/>
+          </c:dLbls>
           <c:cat>
             <c:numRef>
               <c:f>Sheet1!$A$2:$A$42</c:f>
@@ -5537,7 +5238,6 @@
                   <c:v>66000</c:v>
                 </c:pt>
               </c:numCache>
-              <c:extLst xmlns:c15="http://schemas.microsoft.com/office/drawing/2012/chart"/>
             </c:numRef>
           </c:cat>
           <c:val>
@@ -5547,31 +5247,31 @@
                 <c:formatCode>General</c:formatCode>
                 <c:ptCount val="42"/>
                 <c:pt idx="0">
-                  <c:v>0.57689535599999997</c:v>
+                  <c:v>0.576895356</c:v>
                 </c:pt>
                 <c:pt idx="1">
-                  <c:v>0.48931765599999999</c:v>
+                  <c:v>0.489317656</c:v>
                 </c:pt>
                 <c:pt idx="2">
-                  <c:v>0.31860515499999997</c:v>
+                  <c:v>0.318605155</c:v>
                 </c:pt>
                 <c:pt idx="3">
-                  <c:v>0.32892399999999999</c:v>
+                  <c:v>0.328924</c:v>
                 </c:pt>
                 <c:pt idx="4">
-                  <c:v>0.29442015300000002</c:v>
+                  <c:v>0.294420153</c:v>
                 </c:pt>
                 <c:pt idx="5">
                   <c:v>0.207552239</c:v>
                 </c:pt>
                 <c:pt idx="6">
-                  <c:v>0.18962287899999999</c:v>
+                  <c:v>0.189622879</c:v>
                 </c:pt>
                 <c:pt idx="7">
-                  <c:v>0.19836990500000001</c:v>
+                  <c:v>0.198369905</c:v>
                 </c:pt>
                 <c:pt idx="8">
-                  <c:v>0.20310270799999999</c:v>
+                  <c:v>0.203102708</c:v>
                 </c:pt>
                 <c:pt idx="9">
                   <c:v>0.18318145</c:v>
@@ -5580,40 +5280,40 @@
                   <c:v>0.20487985</c:v>
                 </c:pt>
                 <c:pt idx="11">
-                  <c:v>0.14267401399999999</c:v>
+                  <c:v>0.142674014</c:v>
                 </c:pt>
                 <c:pt idx="12">
                   <c:v>0.158023357</c:v>
                 </c:pt>
                 <c:pt idx="13">
-                  <c:v>0.15469944499999999</c:v>
+                  <c:v>0.154699445</c:v>
                 </c:pt>
                 <c:pt idx="14">
-                  <c:v>0.15268886100000001</c:v>
+                  <c:v>0.152688861</c:v>
                 </c:pt>
                 <c:pt idx="15">
                   <c:v>0.178713709</c:v>
                 </c:pt>
                 <c:pt idx="16">
-                  <c:v>0.12688972100000001</c:v>
+                  <c:v>0.126889721</c:v>
                 </c:pt>
                 <c:pt idx="17">
-                  <c:v>0.14411991800000001</c:v>
+                  <c:v>0.144119918</c:v>
                 </c:pt>
                 <c:pt idx="18">
                   <c:v>0.123914205</c:v>
                 </c:pt>
                 <c:pt idx="19">
-                  <c:v>0.16409362899999999</c:v>
+                  <c:v>0.164093629</c:v>
                 </c:pt>
                 <c:pt idx="20">
-                  <c:v>0.13432076600000001</c:v>
+                  <c:v>0.134320766</c:v>
                 </c:pt>
                 <c:pt idx="21">
-                  <c:v>0.12488730300000001</c:v>
+                  <c:v>0.124887303</c:v>
                 </c:pt>
                 <c:pt idx="22">
-                  <c:v>8.9449926999999999E-2</c:v>
+                  <c:v>0.089449927</c:v>
                 </c:pt>
                 <c:pt idx="23">
                   <c:v>0.127776101</c:v>
@@ -5622,16 +5322,16 @@
                   <c:v>0.105835393</c:v>
                 </c:pt>
                 <c:pt idx="25">
-                  <c:v>0.12067230800000001</c:v>
+                  <c:v>0.120672308</c:v>
                 </c:pt>
                 <c:pt idx="26">
-                  <c:v>0.12614898399999999</c:v>
+                  <c:v>0.126148984</c:v>
                 </c:pt>
                 <c:pt idx="27">
-                  <c:v>0.15038147599999999</c:v>
+                  <c:v>0.150381476</c:v>
                 </c:pt>
                 <c:pt idx="28">
-                  <c:v>0.17786341899999999</c:v>
+                  <c:v>0.177863419</c:v>
                 </c:pt>
                 <c:pt idx="29">
                   <c:v>0.109328777</c:v>
@@ -5643,45 +5343,39 @@
                   <c:v>0.154054418</c:v>
                 </c:pt>
                 <c:pt idx="32">
-                  <c:v>9.8725474999999993E-2</c:v>
+                  <c:v>0.098725475</c:v>
                 </c:pt>
                 <c:pt idx="33">
-                  <c:v>0.15455464999999999</c:v>
+                  <c:v>0.15455465</c:v>
                 </c:pt>
                 <c:pt idx="34">
-                  <c:v>0.12820978499999999</c:v>
+                  <c:v>0.128209785</c:v>
                 </c:pt>
                 <c:pt idx="35">
-                  <c:v>0.10354985999999999</c:v>
+                  <c:v>0.10354986</c:v>
                 </c:pt>
                 <c:pt idx="36">
                   <c:v>0.118980505</c:v>
                 </c:pt>
                 <c:pt idx="37">
-                  <c:v>8.6118585999999997E-2</c:v>
+                  <c:v>0.086118586</c:v>
                 </c:pt>
                 <c:pt idx="38">
-                  <c:v>0.14843371499999999</c:v>
+                  <c:v>0.148433715</c:v>
                 </c:pt>
                 <c:pt idx="39">
-                  <c:v>0.12012378899999999</c:v>
+                  <c:v>0.120123789</c:v>
                 </c:pt>
                 <c:pt idx="40">
                   <c:v>0.112599939</c:v>
                 </c:pt>
                 <c:pt idx="41">
-                  <c:v>0.11588428200000001</c:v>
+                  <c:v>0.115884282</c:v>
                 </c:pt>
               </c:numCache>
-              <c:extLst xmlns:c15="http://schemas.microsoft.com/office/drawing/2012/chart"/>
             </c:numRef>
           </c:val>
           <c:smooth val="0"/>
-          <c:extLst xmlns:c15="http://schemas.microsoft.com/office/drawing/2012/chart">
-            <c:ext xmlns:c16="http://schemas.microsoft.com/office/drawing/2014/chart" uri="{C3380CC4-5D6E-409C-BE32-E72D297353CC}">
-              <c16:uniqueId val="{00000000-D558-44D6-8B7E-F53DD29C8330}"/>
-            </c:ext>
-          </c:extLst>
         </c:ser>
         <c:dLbls>
           <c:showLegendKey val="0"/>
@@ -5691,6 +5385,7 @@
           <c:showPercent val="0"/>
           <c:showBubbleSize val="0"/>
         </c:dLbls>
+        <c:marker val="0"/>
         <c:smooth val="0"/>
         <c:axId val="781831517"/>
         <c:axId val="405180283"/>
@@ -5729,10 +5424,16 @@
                 <c:marker>
                   <c:symbol val="none"/>
                 </c:marker>
+                <c:dLbls>
+                  <c:delete val="1"/>
+                </c:dLbls>
                 <c:cat>
                   <c:numRef>
                     <c:extLst>
                       <c:ext uri="{02D57815-91ED-43cb-92C2-25804820EDAC}">
+                        <c15:fullRef>
+                          <c15:sqref/>
+                        </c15:fullRef>
                         <c15:formulaRef>
                           <c15:sqref>Sheet1!$A$2:$A$42</c15:sqref>
                         </c15:formulaRef>
@@ -5880,28 +5581,28 @@
                       <c:formatCode>General</c:formatCode>
                       <c:ptCount val="41"/>
                       <c:pt idx="0">
-                        <c:v>0.47223389100000002</c:v>
+                        <c:v>0.472233891</c:v>
                       </c:pt>
                       <c:pt idx="1">
-                        <c:v>0.46389198300000001</c:v>
+                        <c:v>0.463891983</c:v>
                       </c:pt>
                       <c:pt idx="2">
-                        <c:v>0.40340524900000002</c:v>
+                        <c:v>0.403405249</c:v>
                       </c:pt>
                       <c:pt idx="3">
-                        <c:v>0.22160154600000001</c:v>
+                        <c:v>0.221601546</c:v>
                       </c:pt>
                       <c:pt idx="4">
-                        <c:v>0.24435447199999999</c:v>
+                        <c:v>0.244354472</c:v>
                       </c:pt>
                       <c:pt idx="5">
-                        <c:v>0.22687627399999999</c:v>
+                        <c:v>0.226876274</c:v>
                       </c:pt>
                       <c:pt idx="6">
                         <c:v>0.187505901</c:v>
                       </c:pt>
                       <c:pt idx="7">
-                        <c:v>0.23164844500000001</c:v>
+                        <c:v>0.231648445</c:v>
                       </c:pt>
                       <c:pt idx="8">
                         <c:v>0.349062592</c:v>
@@ -5910,19 +5611,19 @@
                         <c:v>0.155327469</c:v>
                       </c:pt>
                       <c:pt idx="10">
-                        <c:v>0.15425170999999999</c:v>
+                        <c:v>0.15425171</c:v>
                       </c:pt>
                       <c:pt idx="11">
-                        <c:v>0.17254576099999999</c:v>
+                        <c:v>0.172545761</c:v>
                       </c:pt>
                       <c:pt idx="12">
-                        <c:v>0.19915454099999999</c:v>
+                        <c:v>0.199154541</c:v>
                       </c:pt>
                       <c:pt idx="13">
-                        <c:v>0.15029920599999999</c:v>
+                        <c:v>0.150299206</c:v>
                       </c:pt>
                       <c:pt idx="14">
-                        <c:v>0.12700884000000001</c:v>
+                        <c:v>0.12700884</c:v>
                       </c:pt>
                       <c:pt idx="15">
                         <c:v>0.13419649</c:v>
@@ -5931,22 +5632,22 @@
                         <c:v>0.105172038</c:v>
                       </c:pt>
                       <c:pt idx="17">
-                        <c:v>0.13699702899999999</c:v>
+                        <c:v>0.136997029</c:v>
                       </c:pt>
                       <c:pt idx="18">
-                        <c:v>0.13015057099999999</c:v>
+                        <c:v>0.130150571</c:v>
                       </c:pt>
                       <c:pt idx="19">
                         <c:v>0.122179642</c:v>
                       </c:pt>
                       <c:pt idx="20">
-                        <c:v>0.15090848500000001</c:v>
+                        <c:v>0.150908485</c:v>
                       </c:pt>
                       <c:pt idx="21">
                         <c:v>0.120773502</c:v>
                       </c:pt>
                       <c:pt idx="22">
-                        <c:v>0.17680895299999999</c:v>
+                        <c:v>0.176808953</c:v>
                       </c:pt>
                       <c:pt idx="23">
                         <c:v>0.107833251</c:v>
@@ -5955,13 +5656,13 @@
                         <c:v>0.176500872</c:v>
                       </c:pt>
                       <c:pt idx="25">
-                        <c:v>0.13472874500000001</c:v>
+                        <c:v>0.134728745</c:v>
                       </c:pt>
                       <c:pt idx="26">
-                        <c:v>0.13959792300000001</c:v>
+                        <c:v>0.139597923</c:v>
                       </c:pt>
                       <c:pt idx="27">
-                        <c:v>0.10306589300000001</c:v>
+                        <c:v>0.103065893</c:v>
                       </c:pt>
                       <c:pt idx="28">
                         <c:v>0.126335159</c:v>
@@ -5970,10 +5671,10 @@
                         <c:v>0.101555832</c:v>
                       </c:pt>
                       <c:pt idx="30">
-                        <c:v>0.13952013899999999</c:v>
+                        <c:v>0.139520139</c:v>
                       </c:pt>
                       <c:pt idx="31">
-                        <c:v>0.11551681900000001</c:v>
+                        <c:v>0.115516819</c:v>
                       </c:pt>
                       <c:pt idx="32">
                         <c:v>0.182145685</c:v>
@@ -5982,35 +5683,30 @@
                         <c:v>0.118121192</c:v>
                       </c:pt>
                       <c:pt idx="34">
-                        <c:v>0.13949294400000001</c:v>
+                        <c:v>0.139492944</c:v>
                       </c:pt>
                       <c:pt idx="35">
-                        <c:v>0.19462622700000001</c:v>
+                        <c:v>0.194626227</c:v>
                       </c:pt>
                       <c:pt idx="36">
                         <c:v>0.101648375</c:v>
                       </c:pt>
                       <c:pt idx="37">
-                        <c:v>9.4312325000000002E-2</c:v>
+                        <c:v>0.094312325</c:v>
                       </c:pt>
                       <c:pt idx="38">
-                        <c:v>0.15558190599999999</c:v>
+                        <c:v>0.155581906</c:v>
                       </c:pt>
                       <c:pt idx="39">
-                        <c:v>9.7099363999999994E-2</c:v>
+                        <c:v>0.097099364</c:v>
                       </c:pt>
                       <c:pt idx="40">
-                        <c:v>0.11933002600000001</c:v>
+                        <c:v>0.119330026</c:v>
                       </c:pt>
                     </c:numCache>
                   </c:numRef>
                 </c:val>
                 <c:smooth val="0"/>
-                <c:extLst>
-                  <c:ext xmlns:c16="http://schemas.microsoft.com/office/drawing/2014/chart" uri="{C3380CC4-5D6E-409C-BE32-E72D297353CC}">
-                    <c16:uniqueId val="{00000002-D558-44D6-8B7E-F53DD29C8330}"/>
-                  </c:ext>
-                </c:extLst>
               </c15:ser>
             </c15:filteredLineSeries>
           </c:ext>
@@ -6046,9 +5742,11 @@
                   <a:rPr lang="de-DE"/>
                   <a:t>steps</a:t>
                 </a:r>
+                <a:endParaRPr lang="de-DE"/>
               </a:p>
             </c:rich>
           </c:tx>
+          <c:layout/>
           <c:overlay val="0"/>
           <c:spPr>
             <a:noFill/>
@@ -6057,26 +5755,6 @@
             </a:ln>
             <a:effectLst/>
           </c:spPr>
-          <c:txPr>
-            <a:bodyPr rot="0" spcFirstLastPara="1" vertOverflow="ellipsis" vert="horz" wrap="square" anchor="ctr" anchorCtr="1"/>
-            <a:lstStyle/>
-            <a:p>
-              <a:pPr>
-                <a:defRPr lang="en-US" sz="1200" b="0" i="0" u="none" strike="noStrike" kern="1200" baseline="0">
-                  <a:solidFill>
-                    <a:schemeClr val="tx1">
-                      <a:lumMod val="65000"/>
-                      <a:lumOff val="35000"/>
-                    </a:schemeClr>
-                  </a:solidFill>
-                  <a:latin typeface="+mn-lt"/>
-                  <a:ea typeface="+mn-ea"/>
-                  <a:cs typeface="+mn-cs"/>
-                </a:defRPr>
-              </a:pPr>
-              <a:endParaRPr lang="de-DE"/>
-            </a:p>
-          </c:txPr>
         </c:title>
         <c:numFmt formatCode="General" sourceLinked="0"/>
         <c:majorTickMark val="none"/>
@@ -6112,7 +5790,6 @@
                 <a:cs typeface="+mn-cs"/>
               </a:defRPr>
             </a:pPr>
-            <a:endParaRPr lang="de-DE"/>
           </a:p>
         </c:txPr>
         <c:crossAx val="405180283"/>
@@ -6165,9 +5842,11 @@
                   <a:rPr lang="de-DE"/>
                   <a:t>absl.error</a:t>
                 </a:r>
+                <a:endParaRPr lang="de-DE"/>
               </a:p>
             </c:rich>
           </c:tx>
+          <c:layout/>
           <c:overlay val="0"/>
           <c:spPr>
             <a:noFill/>
@@ -6176,26 +5855,6 @@
             </a:ln>
             <a:effectLst/>
           </c:spPr>
-          <c:txPr>
-            <a:bodyPr rot="-5400000" spcFirstLastPara="1" vertOverflow="ellipsis" vert="horz" wrap="square" anchor="ctr" anchorCtr="1"/>
-            <a:lstStyle/>
-            <a:p>
-              <a:pPr>
-                <a:defRPr lang="en-US" sz="1200" b="0" i="0" u="none" strike="noStrike" kern="1200" baseline="0">
-                  <a:solidFill>
-                    <a:schemeClr val="tx1">
-                      <a:lumMod val="65000"/>
-                      <a:lumOff val="35000"/>
-                    </a:schemeClr>
-                  </a:solidFill>
-                  <a:latin typeface="+mn-lt"/>
-                  <a:ea typeface="+mn-ea"/>
-                  <a:cs typeface="+mn-cs"/>
-                </a:defRPr>
-              </a:pPr>
-              <a:endParaRPr lang="de-DE"/>
-            </a:p>
-          </c:txPr>
         </c:title>
         <c:numFmt formatCode="General" sourceLinked="1"/>
         <c:majorTickMark val="none"/>
@@ -6225,7 +5884,6 @@
                 <a:cs typeface="+mn-cs"/>
               </a:defRPr>
             </a:pPr>
-            <a:endParaRPr lang="de-DE"/>
           </a:p>
         </c:txPr>
         <c:crossAx val="781831517"/>
@@ -6242,6 +5900,7 @@
     </c:plotArea>
     <c:legend>
       <c:legendPos val="b"/>
+      <c:layout/>
       <c:overlay val="0"/>
       <c:spPr>
         <a:noFill/>
@@ -6267,7 +5926,6 @@
               <a:cs typeface="+mn-cs"/>
             </a:defRPr>
           </a:pPr>
-          <a:endParaRPr lang="de-DE"/>
         </a:p>
       </c:txPr>
     </c:legend>
@@ -6289,19 +5947,18 @@
       <a:pPr>
         <a:defRPr lang="en-US" sz="1200"/>
       </a:pPr>
-      <a:endParaRPr lang="de-DE"/>
     </a:p>
   </c:txPr>
-  <c:externalData r:id="rId3">
+  <c:externalData r:id="rId1">
     <c:autoUpdate val="0"/>
   </c:externalData>
 </c:chartSpace>
 </file>
 
 <file path=ppt/charts/chart5.xml><?xml version="1.0" encoding="utf-8"?>
-<c:chartSpace xmlns:c="http://schemas.openxmlformats.org/drawingml/2006/chart" xmlns:a="http://schemas.openxmlformats.org/drawingml/2006/main" xmlns:r="http://schemas.openxmlformats.org/officeDocument/2006/relationships" xmlns:c16r2="http://schemas.microsoft.com/office/drawing/2015/06/chart">
+<c:chartSpace xmlns:c="http://schemas.openxmlformats.org/drawingml/2006/chart" xmlns:a="http://schemas.openxmlformats.org/drawingml/2006/main" xmlns:r="http://schemas.openxmlformats.org/officeDocument/2006/relationships">
   <c:date1904 val="0"/>
-  <c:lang val="de-DE"/>
+  <c:lang val="zh-CN"/>
   <c:roundedCorners val="0"/>
   <mc:AlternateContent xmlns:mc="http://schemas.openxmlformats.org/markup-compatibility/2006">
     <mc:Choice xmlns:c14="http://schemas.microsoft.com/office/drawing/2007/8/2/chart" Requires="c14">
@@ -6320,9 +5977,9 @@
           <c:xMode val="edge"/>
           <c:yMode val="edge"/>
           <c:x val="0.2"/>
-          <c:y val="8.2175664772186893E-2"/>
-          <c:w val="0.68802807279416001"/>
-          <c:h val="0.87020648967551595"/>
+          <c:y val="0.0821756647721869"/>
+          <c:w val="0.68802807279416"/>
+          <c:h val="0.870206489675516"/>
         </c:manualLayout>
       </c:layout>
       <c:doughnutChart>
@@ -6349,6 +6006,7 @@
               <a:noFill/>
             </a:ln>
           </c:spPr>
+          <c:explosion val="0"/>
           <c:dPt>
             <c:idx val="0"/>
             <c:bubble3D val="0"/>
@@ -6367,11 +6025,6 @@
                 </a:outerShdw>
               </a:effectLst>
             </c:spPr>
-            <c:extLst>
-              <c:ext xmlns:c16="http://schemas.microsoft.com/office/drawing/2014/chart" uri="{C3380CC4-5D6E-409C-BE32-E72D297353CC}">
-                <c16:uniqueId val="{00000001-1F3E-425A-9E4E-85E2E546145D}"/>
-              </c:ext>
-            </c:extLst>
           </c:dPt>
           <c:dPt>
             <c:idx val="1"/>
@@ -6393,11 +6046,6 @@
               </a:ln>
               <a:effectLst/>
             </c:spPr>
-            <c:extLst>
-              <c:ext xmlns:c16="http://schemas.microsoft.com/office/drawing/2014/chart" uri="{C3380CC4-5D6E-409C-BE32-E72D297353CC}">
-                <c16:uniqueId val="{00000003-1F3E-425A-9E4E-85E2E546145D}"/>
-              </c:ext>
-            </c:extLst>
           </c:dPt>
           <c:dPt>
             <c:idx val="2"/>
@@ -6411,11 +6059,6 @@
               </a:ln>
               <a:effectLst/>
             </c:spPr>
-            <c:extLst>
-              <c:ext xmlns:c16="http://schemas.microsoft.com/office/drawing/2014/chart" uri="{C3380CC4-5D6E-409C-BE32-E72D297353CC}">
-                <c16:uniqueId val="{00000005-1F3E-425A-9E4E-85E2E546145D}"/>
-              </c:ext>
-            </c:extLst>
           </c:dPt>
           <c:dPt>
             <c:idx val="3"/>
@@ -6429,12 +6072,10 @@
               </a:ln>
               <a:effectLst/>
             </c:spPr>
-            <c:extLst>
-              <c:ext xmlns:c16="http://schemas.microsoft.com/office/drawing/2014/chart" uri="{C3380CC4-5D6E-409C-BE32-E72D297353CC}">
-                <c16:uniqueId val="{00000007-1F3E-425A-9E4E-85E2E546145D}"/>
-              </c:ext>
-            </c:extLst>
           </c:dPt>
+          <c:dLbls>
+            <c:delete val="1"/>
+          </c:dLbls>
           <c:cat>
             <c:strRef>
               <c:f>Sheet1!$A$2:$A$5</c:f>
@@ -6456,19 +6097,14 @@
                 <c:formatCode>General</c:formatCode>
                 <c:ptCount val="4"/>
                 <c:pt idx="0">
-                  <c:v>76.52173913043481</c:v>
+                  <c:v>76.5217391304348</c:v>
                 </c:pt>
                 <c:pt idx="1">
-                  <c:v>23.47826086956519</c:v>
+                  <c:v>23.4782608695652</c:v>
                 </c:pt>
               </c:numCache>
             </c:numRef>
           </c:val>
-          <c:extLst>
-            <c:ext xmlns:c16="http://schemas.microsoft.com/office/drawing/2014/chart" uri="{C3380CC4-5D6E-409C-BE32-E72D297353CC}">
-              <c16:uniqueId val="{00000008-1F3E-425A-9E4E-85E2E546145D}"/>
-            </c:ext>
-          </c:extLst>
         </c:ser>
         <c:dLbls>
           <c:showLegendKey val="0"/>
@@ -6510,19 +6146,18 @@
           <a:latin typeface="+mn-lt"/>
         </a:defRPr>
       </a:pPr>
-      <a:endParaRPr lang="de-DE"/>
     </a:p>
   </c:txPr>
-  <c:externalData r:id="rId3">
+  <c:externalData r:id="rId1">
     <c:autoUpdate val="0"/>
   </c:externalData>
 </c:chartSpace>
 </file>
 
 <file path=ppt/charts/chart6.xml><?xml version="1.0" encoding="utf-8"?>
-<c:chartSpace xmlns:c="http://schemas.openxmlformats.org/drawingml/2006/chart" xmlns:a="http://schemas.openxmlformats.org/drawingml/2006/main" xmlns:r="http://schemas.openxmlformats.org/officeDocument/2006/relationships" xmlns:c16r2="http://schemas.microsoft.com/office/drawing/2015/06/chart">
+<c:chartSpace xmlns:c="http://schemas.openxmlformats.org/drawingml/2006/chart" xmlns:a="http://schemas.openxmlformats.org/drawingml/2006/main" xmlns:r="http://schemas.openxmlformats.org/officeDocument/2006/relationships">
   <c:date1904 val="0"/>
-  <c:lang val="de-DE"/>
+  <c:lang val="zh-CN"/>
   <c:roundedCorners val="0"/>
   <mc:AlternateContent xmlns:mc="http://schemas.openxmlformats.org/markup-compatibility/2006">
     <mc:Choice xmlns:c14="http://schemas.microsoft.com/office/drawing/2007/8/2/chart" Requires="c14">
@@ -6560,10 +6195,25 @@
               </a:rPr>
               <a:t>Baseline vs. Superpixel &amp; RGB + Normal 2 Depth Block</a:t>
             </a:r>
+            <a:endParaRPr lang="de-DE" sz="1600" b="1" dirty="0">
+              <a:solidFill>
+                <a:schemeClr val="tx1"/>
+              </a:solidFill>
+            </a:endParaRPr>
           </a:p>
           <a:p>
             <a:pPr>
-              <a:defRPr/>
+              <a:defRPr lang="en-US" sz="1440" b="0" i="0" u="none" strike="noStrike" kern="1200" spc="0" baseline="0">
+                <a:solidFill>
+                  <a:schemeClr val="tx1">
+                    <a:lumMod val="65000"/>
+                    <a:lumOff val="35000"/>
+                  </a:schemeClr>
+                </a:solidFill>
+                <a:latin typeface="+mn-lt"/>
+                <a:ea typeface="+mn-ea"/>
+                <a:cs typeface="+mn-cs"/>
+              </a:defRPr>
             </a:pPr>
             <a:r>
               <a:rPr lang="de-DE" sz="1600" b="1" dirty="0" err="1">
@@ -6601,8 +6251,8 @@
         <c:manualLayout>
           <c:xMode val="edge"/>
           <c:yMode val="edge"/>
-          <c:x val="0.14074232997210898"/>
-          <c:y val="2.4803637866887142E-2"/>
+          <c:x val="0.140742329972109"/>
+          <c:y val="0.0248036378668871"/>
         </c:manualLayout>
       </c:layout>
       <c:overlay val="0"/>
@@ -6613,26 +6263,6 @@
         </a:ln>
         <a:effectLst/>
       </c:spPr>
-      <c:txPr>
-        <a:bodyPr rot="0" spcFirstLastPara="1" vertOverflow="ellipsis" vert="horz" wrap="square" anchor="ctr" anchorCtr="1"/>
-        <a:lstStyle/>
-        <a:p>
-          <a:pPr>
-            <a:defRPr lang="en-US" sz="1440" b="0" i="0" u="none" strike="noStrike" kern="1200" spc="0" baseline="0">
-              <a:solidFill>
-                <a:schemeClr val="tx1">
-                  <a:lumMod val="65000"/>
-                  <a:lumOff val="35000"/>
-                </a:schemeClr>
-              </a:solidFill>
-              <a:latin typeface="+mn-lt"/>
-              <a:ea typeface="+mn-ea"/>
-              <a:cs typeface="+mn-cs"/>
-            </a:defRPr>
-          </a:pPr>
-          <a:endParaRPr lang="de-DE"/>
-        </a:p>
-      </c:txPr>
     </c:title>
     <c:autoTitleDeleted val="0"/>
     <c:plotArea>
@@ -6666,6 +6296,9 @@
           <c:marker>
             <c:symbol val="none"/>
           </c:marker>
+          <c:dLbls>
+            <c:delete val="1"/>
+          </c:dLbls>
           <c:cat>
             <c:numRef>
               <c:f>Sheet1!$A$2:$A$42</c:f>
@@ -6805,16 +6438,16 @@
                 <c:formatCode>General</c:formatCode>
                 <c:ptCount val="41"/>
                 <c:pt idx="0">
-                  <c:v>0.50421905517578103</c:v>
+                  <c:v>0.504219055175781</c:v>
                 </c:pt>
                 <c:pt idx="1">
-                  <c:v>0.27973505854606601</c:v>
+                  <c:v>0.279735058546066</c:v>
                 </c:pt>
                 <c:pt idx="2">
-                  <c:v>0.26693132519721902</c:v>
+                  <c:v>0.266931325197219</c:v>
                 </c:pt>
                 <c:pt idx="3">
-                  <c:v>0.21496424078941301</c:v>
+                  <c:v>0.214964240789413</c:v>
                 </c:pt>
                 <c:pt idx="4">
                   <c:v>0.193553686141967</c:v>
@@ -6823,31 +6456,31 @@
                   <c:v>0.218414276838302</c:v>
                 </c:pt>
                 <c:pt idx="6">
-                  <c:v>0.22673957049846599</c:v>
+                  <c:v>0.226739570498466</c:v>
                 </c:pt>
                 <c:pt idx="7">
-                  <c:v>0.20241037011146501</c:v>
+                  <c:v>0.202410370111465</c:v>
                 </c:pt>
                 <c:pt idx="8">
-                  <c:v>0.19002437591552701</c:v>
+                  <c:v>0.190024375915527</c:v>
                 </c:pt>
                 <c:pt idx="9">
                   <c:v>0.156396463513374</c:v>
                 </c:pt>
                 <c:pt idx="10">
-                  <c:v>0.15519618988037101</c:v>
+                  <c:v>0.155196189880371</c:v>
                 </c:pt>
                 <c:pt idx="11">
                   <c:v>0.179761007428169</c:v>
                 </c:pt>
                 <c:pt idx="12">
-                  <c:v>0.17790727317333199</c:v>
+                  <c:v>0.177907273173332</c:v>
                 </c:pt>
                 <c:pt idx="13">
                   <c:v>0.106906652450561</c:v>
                 </c:pt>
                 <c:pt idx="14">
-                  <c:v>0.12688834965229001</c:v>
+                  <c:v>0.12688834965229</c:v>
                 </c:pt>
                 <c:pt idx="15">
                   <c:v>0.163748353719711</c:v>
@@ -6856,7 +6489,7 @@
                   <c:v>0.123531013727188</c:v>
                 </c:pt>
                 <c:pt idx="17">
-                  <c:v>0.13374727964401201</c:v>
+                  <c:v>0.133747279644012</c:v>
                 </c:pt>
                 <c:pt idx="18">
                   <c:v>0.120334401726722</c:v>
@@ -6868,7 +6501,7 @@
                   <c:v>0.149118512868881</c:v>
                 </c:pt>
                 <c:pt idx="21">
-                  <c:v>9.6429333090782096E-2</c:v>
+                  <c:v>0.0964293330907821</c:v>
                 </c:pt>
                 <c:pt idx="22">
                   <c:v>0.122254811227321</c:v>
@@ -6877,10 +6510,10 @@
                   <c:v>0.124715767800807</c:v>
                 </c:pt>
                 <c:pt idx="24">
-                  <c:v>0.12475641816854401</c:v>
+                  <c:v>0.124756418168544</c:v>
                 </c:pt>
                 <c:pt idx="25">
-                  <c:v>0.14893303811550099</c:v>
+                  <c:v>0.148933038115501</c:v>
                 </c:pt>
                 <c:pt idx="26">
                   <c:v>0.125493839383125</c:v>
@@ -6889,7 +6522,7 @@
                   <c:v>0.119067765772342</c:v>
                 </c:pt>
                 <c:pt idx="28">
-                  <c:v>0.13459737598895999</c:v>
+                  <c:v>0.13459737598896</c:v>
                 </c:pt>
                 <c:pt idx="29">
                   <c:v>0.116551786661148</c:v>
@@ -6901,25 +6534,25 @@
                   <c:v>0.113363228738307</c:v>
                 </c:pt>
                 <c:pt idx="32">
-                  <c:v>0.13681152462959201</c:v>
+                  <c:v>0.136811524629592</c:v>
                 </c:pt>
                 <c:pt idx="33">
                   <c:v>0.102510310709476</c:v>
                 </c:pt>
                 <c:pt idx="34">
-                  <c:v>0.12496797740459401</c:v>
+                  <c:v>0.124967977404594</c:v>
                 </c:pt>
                 <c:pt idx="35">
-                  <c:v>9.0531982481479603E-2</c:v>
+                  <c:v>0.0905319824814796</c:v>
                 </c:pt>
                 <c:pt idx="36">
-                  <c:v>0.16412867605686099</c:v>
+                  <c:v>0.164128676056861</c:v>
                 </c:pt>
                 <c:pt idx="37">
                   <c:v>0.112606756389141</c:v>
                 </c:pt>
                 <c:pt idx="38">
-                  <c:v>8.5395283997058799E-2</c:v>
+                  <c:v>0.0853952839970588</c:v>
                 </c:pt>
                 <c:pt idx="39">
                   <c:v>0.101319782435894</c:v>
@@ -6931,11 +6564,6 @@
             </c:numRef>
           </c:val>
           <c:smooth val="0"/>
-          <c:extLst>
-            <c:ext xmlns:c16="http://schemas.microsoft.com/office/drawing/2014/chart" uri="{C3380CC4-5D6E-409C-BE32-E72D297353CC}">
-              <c16:uniqueId val="{00000000-6CFC-454C-A822-2D355C8C7378}"/>
-            </c:ext>
-          </c:extLst>
         </c:ser>
         <c:ser>
           <c:idx val="2"/>
@@ -6963,6 +6591,9 @@
           <c:marker>
             <c:symbol val="none"/>
           </c:marker>
+          <c:dLbls>
+            <c:delete val="1"/>
+          </c:dLbls>
           <c:val>
             <c:numRef>
               <c:f>Sheet1!$D$2:$D$42</c:f>
@@ -6970,25 +6601,25 @@
                 <c:formatCode>General</c:formatCode>
                 <c:ptCount val="41"/>
                 <c:pt idx="0">
-                  <c:v>0.46130993999999997</c:v>
+                  <c:v>0.46130994</c:v>
                 </c:pt>
                 <c:pt idx="1">
                   <c:v>0.336830199</c:v>
                 </c:pt>
                 <c:pt idx="2">
-                  <c:v>0.27849391099999998</c:v>
+                  <c:v>0.278493911</c:v>
                 </c:pt>
                 <c:pt idx="3">
-                  <c:v>0.34432449900000001</c:v>
+                  <c:v>0.344324499</c:v>
                 </c:pt>
                 <c:pt idx="4">
                   <c:v>0.286384374</c:v>
                 </c:pt>
                 <c:pt idx="5">
-                  <c:v>0.26559448200000002</c:v>
+                  <c:v>0.265594482</c:v>
                 </c:pt>
                 <c:pt idx="6">
-                  <c:v>0.28511145700000001</c:v>
+                  <c:v>0.285111457</c:v>
                 </c:pt>
                 <c:pt idx="7">
                   <c:v>0.218185142</c:v>
@@ -6997,40 +6628,40 @@
                   <c:v>0.209914088</c:v>
                 </c:pt>
                 <c:pt idx="9">
-                  <c:v>0.21191964999999999</c:v>
+                  <c:v>0.21191965</c:v>
                 </c:pt>
                 <c:pt idx="10">
-                  <c:v>0.16920496500000001</c:v>
+                  <c:v>0.169204965</c:v>
                 </c:pt>
                 <c:pt idx="11">
                   <c:v>0.179976523</c:v>
                 </c:pt>
                 <c:pt idx="12">
-                  <c:v>0.14106063499999999</c:v>
+                  <c:v>0.141060635</c:v>
                 </c:pt>
                 <c:pt idx="13">
-                  <c:v>0.19865016599999999</c:v>
+                  <c:v>0.198650166</c:v>
                 </c:pt>
                 <c:pt idx="14">
-                  <c:v>0.17005926399999999</c:v>
+                  <c:v>0.170059264</c:v>
                 </c:pt>
                 <c:pt idx="15">
-                  <c:v>0.19856929800000001</c:v>
+                  <c:v>0.198569298</c:v>
                 </c:pt>
                 <c:pt idx="16">
-                  <c:v>0.15827640900000001</c:v>
+                  <c:v>0.158276409</c:v>
                 </c:pt>
                 <c:pt idx="17">
-                  <c:v>0.16071498400000001</c:v>
+                  <c:v>0.160714984</c:v>
                 </c:pt>
                 <c:pt idx="18">
-                  <c:v>0.15018869900000001</c:v>
+                  <c:v>0.150188699</c:v>
                 </c:pt>
                 <c:pt idx="19">
-                  <c:v>0.12530565299999999</c:v>
+                  <c:v>0.125305653</c:v>
                 </c:pt>
                 <c:pt idx="20">
-                  <c:v>0.14508043200000001</c:v>
+                  <c:v>0.145080432</c:v>
                 </c:pt>
                 <c:pt idx="21">
                   <c:v>0.159240618</c:v>
@@ -7042,22 +6673,22 @@
                   <c:v>0.137347043</c:v>
                 </c:pt>
                 <c:pt idx="24">
-                  <c:v>0.12259572000000001</c:v>
+                  <c:v>0.12259572</c:v>
                 </c:pt>
                 <c:pt idx="25">
-                  <c:v>0.15721078199999999</c:v>
+                  <c:v>0.157210782</c:v>
                 </c:pt>
                 <c:pt idx="26">
                   <c:v>0.136419713</c:v>
                 </c:pt>
                 <c:pt idx="27">
-                  <c:v>0.14192579699999999</c:v>
+                  <c:v>0.141925797</c:v>
                 </c:pt>
                 <c:pt idx="28">
-                  <c:v>0.14041937900000001</c:v>
+                  <c:v>0.140419379</c:v>
                 </c:pt>
                 <c:pt idx="29">
-                  <c:v>0.11466396600000001</c:v>
+                  <c:v>0.114663966</c:v>
                 </c:pt>
                 <c:pt idx="30">
                   <c:v>0.111045539</c:v>
@@ -7066,19 +6697,19 @@
                   <c:v>0.12309064</c:v>
                 </c:pt>
                 <c:pt idx="32">
-                  <c:v>9.9771231000000002E-2</c:v>
+                  <c:v>0.099771231</c:v>
                 </c:pt>
                 <c:pt idx="33">
                   <c:v>0.122934721</c:v>
                 </c:pt>
                 <c:pt idx="34">
-                  <c:v>0.13305434599999999</c:v>
+                  <c:v>0.133054346</c:v>
                 </c:pt>
                 <c:pt idx="35">
                   <c:v>0.113849863</c:v>
                 </c:pt>
                 <c:pt idx="36">
-                  <c:v>0.10494168099999999</c:v>
+                  <c:v>0.104941681</c:v>
                 </c:pt>
                 <c:pt idx="37">
                   <c:v>0.171374097</c:v>
@@ -7090,17 +6721,12 @@
                   <c:v>0.14783594</c:v>
                 </c:pt>
                 <c:pt idx="40">
-                  <c:v>9.8216346999999996E-2</c:v>
+                  <c:v>0.098216347</c:v>
                 </c:pt>
               </c:numCache>
             </c:numRef>
           </c:val>
           <c:smooth val="0"/>
-          <c:extLst>
-            <c:ext xmlns:c16="http://schemas.microsoft.com/office/drawing/2014/chart" uri="{C3380CC4-5D6E-409C-BE32-E72D297353CC}">
-              <c16:uniqueId val="{00000000-FB8A-47BB-B63B-8A7F44AEB002}"/>
-            </c:ext>
-          </c:extLst>
         </c:ser>
         <c:dLbls>
           <c:showLegendKey val="0"/>
@@ -7110,6 +6736,7 @@
           <c:showPercent val="0"/>
           <c:showBubbleSize val="0"/>
         </c:dLbls>
+        <c:marker val="0"/>
         <c:smooth val="0"/>
         <c:axId val="781831517"/>
         <c:axId val="405180283"/>
@@ -7148,10 +6775,16 @@
                 <c:marker>
                   <c:symbol val="none"/>
                 </c:marker>
+                <c:dLbls>
+                  <c:delete val="1"/>
+                </c:dLbls>
                 <c:cat>
                   <c:numRef>
                     <c:extLst>
                       <c:ext uri="{02D57815-91ED-43cb-92C2-25804820EDAC}">
+                        <c15:fullRef>
+                          <c15:sqref/>
+                        </c15:fullRef>
                         <c15:formulaRef>
                           <c15:sqref>Sheet1!$A$2:$A$42</c15:sqref>
                         </c15:formulaRef>
@@ -7299,31 +6932,31 @@
                       <c:formatCode>General</c:formatCode>
                       <c:ptCount val="41"/>
                       <c:pt idx="0">
-                        <c:v>0.47223389148712103</c:v>
+                        <c:v>0.472233891487121</c:v>
                       </c:pt>
                       <c:pt idx="1">
-                        <c:v>0.46389198303222601</c:v>
+                        <c:v>0.463891983032226</c:v>
                       </c:pt>
                       <c:pt idx="2">
-                        <c:v>0.40340524911880399</c:v>
+                        <c:v>0.403405249118804</c:v>
                       </c:pt>
                       <c:pt idx="3">
-                        <c:v>0.22160154581069899</c:v>
+                        <c:v>0.221601545810699</c:v>
                       </c:pt>
                       <c:pt idx="4">
-                        <c:v>0.24435447156429199</c:v>
+                        <c:v>0.244354471564292</c:v>
                       </c:pt>
                       <c:pt idx="5">
-                        <c:v>0.22687627375125799</c:v>
+                        <c:v>0.226876273751258</c:v>
                       </c:pt>
                       <c:pt idx="6">
-                        <c:v>0.18750590085983199</c:v>
+                        <c:v>0.187505900859832</c:v>
                       </c:pt>
                       <c:pt idx="7">
                         <c:v>0.231648445129394</c:v>
                       </c:pt>
                       <c:pt idx="8">
-                        <c:v>0.34906259179115201</c:v>
+                        <c:v>0.349062591791152</c:v>
                       </c:pt>
                       <c:pt idx="9">
                         <c:v>0.155327469110488</c:v>
@@ -7335,22 +6968,22 @@
                         <c:v>0.172545760869979</c:v>
                       </c:pt>
                       <c:pt idx="12">
-                        <c:v>0.19915454089641499</c:v>
+                        <c:v>0.199154540896415</c:v>
                       </c:pt>
                       <c:pt idx="13">
                         <c:v>0.150299206376075</c:v>
                       </c:pt>
                       <c:pt idx="14">
-                        <c:v>0.12700884044170299</c:v>
+                        <c:v>0.127008840441703</c:v>
                       </c:pt>
                       <c:pt idx="15">
-                        <c:v>0.13419649004936199</c:v>
+                        <c:v>0.134196490049362</c:v>
                       </c:pt>
                       <c:pt idx="16">
-                        <c:v>0.10517203807830799</c:v>
+                        <c:v>0.105172038078308</c:v>
                       </c:pt>
                       <c:pt idx="17">
-                        <c:v>0.13699702918529499</c:v>
+                        <c:v>0.136997029185295</c:v>
                       </c:pt>
                       <c:pt idx="18">
                         <c:v>0.130150571465492</c:v>
@@ -7359,22 +6992,22 @@
                         <c:v>0.122179642319679</c:v>
                       </c:pt>
                       <c:pt idx="20">
-                        <c:v>0.15090848505496901</c:v>
+                        <c:v>0.150908485054969</c:v>
                       </c:pt>
                       <c:pt idx="21">
-                        <c:v>0.12077350169420201</c:v>
+                        <c:v>0.120773501694202</c:v>
                       </c:pt>
                       <c:pt idx="22">
-                        <c:v>0.17680895328521701</c:v>
+                        <c:v>0.176808953285217</c:v>
                       </c:pt>
                       <c:pt idx="23">
                         <c:v>0.107833251357078</c:v>
                       </c:pt>
                       <c:pt idx="24">
-                        <c:v>0.17650087177753401</c:v>
+                        <c:v>0.176500871777534</c:v>
                       </c:pt>
                       <c:pt idx="25">
-                        <c:v>0.13472874462604501</c:v>
+                        <c:v>0.134728744626045</c:v>
                       </c:pt>
                       <c:pt idx="26">
                         <c:v>0.139597922563552</c:v>
@@ -7392,31 +7025,31 @@
                         <c:v>0.13952013850212</c:v>
                       </c:pt>
                       <c:pt idx="31">
-                        <c:v>0.11551681905984799</c:v>
+                        <c:v>0.115516819059848</c:v>
                       </c:pt>
                       <c:pt idx="32">
-                        <c:v>0.18214568495750399</c:v>
+                        <c:v>0.182145684957504</c:v>
                       </c:pt>
                       <c:pt idx="33">
-                        <c:v>0.11812119185924499</c:v>
+                        <c:v>0.118121191859245</c:v>
                       </c:pt>
                       <c:pt idx="34">
-                        <c:v>0.13949294388294201</c:v>
+                        <c:v>0.139492943882942</c:v>
                       </c:pt>
                       <c:pt idx="35">
-                        <c:v>0.19462622702121701</c:v>
+                        <c:v>0.194626227021217</c:v>
                       </c:pt>
                       <c:pt idx="36">
-                        <c:v>0.10164837539196001</c:v>
+                        <c:v>0.10164837539196</c:v>
                       </c:pt>
                       <c:pt idx="37">
-                        <c:v>9.4312325119972201E-2</c:v>
+                        <c:v>0.0943123251199722</c:v>
                       </c:pt>
                       <c:pt idx="38">
-                        <c:v>0.15558190643787301</c:v>
+                        <c:v>0.155581906437873</c:v>
                       </c:pt>
                       <c:pt idx="39">
-                        <c:v>9.7099363803863498E-2</c:v>
+                        <c:v>0.0970993638038635</c:v>
                       </c:pt>
                       <c:pt idx="40">
                         <c:v>0.119330026209354</c:v>
@@ -7425,11 +7058,6 @@
                   </c:numRef>
                 </c:val>
                 <c:smooth val="0"/>
-                <c:extLst>
-                  <c:ext xmlns:c16="http://schemas.microsoft.com/office/drawing/2014/chart" uri="{C3380CC4-5D6E-409C-BE32-E72D297353CC}">
-                    <c16:uniqueId val="{00000001-6CFC-454C-A822-2D355C8C7378}"/>
-                  </c:ext>
-                </c:extLst>
               </c15:ser>
             </c15:filteredLineSeries>
           </c:ext>
@@ -7465,9 +7093,11 @@
                   <a:rPr lang="de-DE"/>
                   <a:t>steps</a:t>
                 </a:r>
+                <a:endParaRPr lang="de-DE"/>
               </a:p>
             </c:rich>
           </c:tx>
+          <c:layout/>
           <c:overlay val="0"/>
           <c:spPr>
             <a:noFill/>
@@ -7476,26 +7106,6 @@
             </a:ln>
             <a:effectLst/>
           </c:spPr>
-          <c:txPr>
-            <a:bodyPr rot="0" spcFirstLastPara="1" vertOverflow="ellipsis" vert="horz" wrap="square" anchor="ctr" anchorCtr="1"/>
-            <a:lstStyle/>
-            <a:p>
-              <a:pPr>
-                <a:defRPr lang="en-US" sz="1200" b="0" i="0" u="none" strike="noStrike" kern="1200" baseline="0">
-                  <a:solidFill>
-                    <a:schemeClr val="tx1">
-                      <a:lumMod val="65000"/>
-                      <a:lumOff val="35000"/>
-                    </a:schemeClr>
-                  </a:solidFill>
-                  <a:latin typeface="+mn-lt"/>
-                  <a:ea typeface="+mn-ea"/>
-                  <a:cs typeface="+mn-cs"/>
-                </a:defRPr>
-              </a:pPr>
-              <a:endParaRPr lang="de-DE"/>
-            </a:p>
-          </c:txPr>
         </c:title>
         <c:numFmt formatCode="General" sourceLinked="0"/>
         <c:majorTickMark val="none"/>
@@ -7531,7 +7141,6 @@
                 <a:cs typeface="+mn-cs"/>
               </a:defRPr>
             </a:pPr>
-            <a:endParaRPr lang="de-DE"/>
           </a:p>
         </c:txPr>
         <c:crossAx val="405180283"/>
@@ -7585,9 +7194,11 @@
                   <a:rPr lang="de-DE"/>
                   <a:t>absl.error</a:t>
                 </a:r>
+                <a:endParaRPr lang="de-DE"/>
               </a:p>
             </c:rich>
           </c:tx>
+          <c:layout/>
           <c:overlay val="0"/>
           <c:spPr>
             <a:noFill/>
@@ -7596,26 +7207,6 @@
             </a:ln>
             <a:effectLst/>
           </c:spPr>
-          <c:txPr>
-            <a:bodyPr rot="-5400000" spcFirstLastPara="1" vertOverflow="ellipsis" vert="horz" wrap="square" anchor="ctr" anchorCtr="1"/>
-            <a:lstStyle/>
-            <a:p>
-              <a:pPr>
-                <a:defRPr lang="en-US" sz="1200" b="0" i="0" u="none" strike="noStrike" kern="1200" baseline="0">
-                  <a:solidFill>
-                    <a:schemeClr val="tx1">
-                      <a:lumMod val="65000"/>
-                      <a:lumOff val="35000"/>
-                    </a:schemeClr>
-                  </a:solidFill>
-                  <a:latin typeface="+mn-lt"/>
-                  <a:ea typeface="+mn-ea"/>
-                  <a:cs typeface="+mn-cs"/>
-                </a:defRPr>
-              </a:pPr>
-              <a:endParaRPr lang="de-DE"/>
-            </a:p>
-          </c:txPr>
         </c:title>
         <c:numFmt formatCode="General" sourceLinked="1"/>
         <c:majorTickMark val="none"/>
@@ -7645,7 +7236,6 @@
                 <a:cs typeface="+mn-cs"/>
               </a:defRPr>
             </a:pPr>
-            <a:endParaRPr lang="de-DE"/>
           </a:p>
         </c:txPr>
         <c:crossAx val="781831517"/>
@@ -7662,6 +7252,7 @@
     </c:plotArea>
     <c:legend>
       <c:legendPos val="b"/>
+      <c:layout/>
       <c:overlay val="0"/>
       <c:spPr>
         <a:noFill/>
@@ -7687,7 +7278,6 @@
               <a:cs typeface="+mn-cs"/>
             </a:defRPr>
           </a:pPr>
-          <a:endParaRPr lang="de-DE"/>
         </a:p>
       </c:txPr>
     </c:legend>
@@ -7709,19 +7299,18 @@
       <a:pPr>
         <a:defRPr lang="en-US" sz="1200"/>
       </a:pPr>
-      <a:endParaRPr lang="de-DE"/>
     </a:p>
   </c:txPr>
-  <c:externalData r:id="rId3">
+  <c:externalData r:id="rId1">
     <c:autoUpdate val="0"/>
   </c:externalData>
 </c:chartSpace>
 </file>
 
 <file path=ppt/charts/chart7.xml><?xml version="1.0" encoding="utf-8"?>
-<c:chartSpace xmlns:c="http://schemas.openxmlformats.org/drawingml/2006/chart" xmlns:a="http://schemas.openxmlformats.org/drawingml/2006/main" xmlns:r="http://schemas.openxmlformats.org/officeDocument/2006/relationships" xmlns:c16r2="http://schemas.microsoft.com/office/drawing/2015/06/chart">
+<c:chartSpace xmlns:c="http://schemas.openxmlformats.org/drawingml/2006/chart" xmlns:a="http://schemas.openxmlformats.org/drawingml/2006/main" xmlns:r="http://schemas.openxmlformats.org/officeDocument/2006/relationships">
   <c:date1904 val="0"/>
-  <c:lang val="de-DE"/>
+  <c:lang val="zh-CN"/>
   <c:roundedCorners val="0"/>
   <mc:AlternateContent xmlns:mc="http://schemas.openxmlformats.org/markup-compatibility/2006">
     <mc:Choice xmlns:c14="http://schemas.microsoft.com/office/drawing/2007/8/2/chart" Requires="c14">
@@ -7740,9 +7329,9 @@
           <c:xMode val="edge"/>
           <c:yMode val="edge"/>
           <c:x val="0.2"/>
-          <c:y val="8.2175664772186893E-2"/>
-          <c:w val="0.68802807279416001"/>
-          <c:h val="0.87020648967551595"/>
+          <c:y val="0.0821756647721869"/>
+          <c:w val="0.68802807279416"/>
+          <c:h val="0.870206489675516"/>
         </c:manualLayout>
       </c:layout>
       <c:doughnutChart>
@@ -7769,6 +7358,7 @@
               <a:noFill/>
             </a:ln>
           </c:spPr>
+          <c:explosion val="0"/>
           <c:dPt>
             <c:idx val="0"/>
             <c:bubble3D val="0"/>
@@ -7787,11 +7377,6 @@
                 </a:outerShdw>
               </a:effectLst>
             </c:spPr>
-            <c:extLst>
-              <c:ext xmlns:c16="http://schemas.microsoft.com/office/drawing/2014/chart" uri="{C3380CC4-5D6E-409C-BE32-E72D297353CC}">
-                <c16:uniqueId val="{00000001-B85B-4585-A5CF-235344C6F31A}"/>
-              </c:ext>
-            </c:extLst>
           </c:dPt>
           <c:dPt>
             <c:idx val="1"/>
@@ -7813,11 +7398,6 @@
               </a:ln>
               <a:effectLst/>
             </c:spPr>
-            <c:extLst>
-              <c:ext xmlns:c16="http://schemas.microsoft.com/office/drawing/2014/chart" uri="{C3380CC4-5D6E-409C-BE32-E72D297353CC}">
-                <c16:uniqueId val="{00000003-B85B-4585-A5CF-235344C6F31A}"/>
-              </c:ext>
-            </c:extLst>
           </c:dPt>
           <c:dPt>
             <c:idx val="2"/>
@@ -7831,11 +7411,6 @@
               </a:ln>
               <a:effectLst/>
             </c:spPr>
-            <c:extLst>
-              <c:ext xmlns:c16="http://schemas.microsoft.com/office/drawing/2014/chart" uri="{C3380CC4-5D6E-409C-BE32-E72D297353CC}">
-                <c16:uniqueId val="{00000005-B85B-4585-A5CF-235344C6F31A}"/>
-              </c:ext>
-            </c:extLst>
           </c:dPt>
           <c:dPt>
             <c:idx val="3"/>
@@ -7849,12 +7424,10 @@
               </a:ln>
               <a:effectLst/>
             </c:spPr>
-            <c:extLst>
-              <c:ext xmlns:c16="http://schemas.microsoft.com/office/drawing/2014/chart" uri="{C3380CC4-5D6E-409C-BE32-E72D297353CC}">
-                <c16:uniqueId val="{00000007-B85B-4585-A5CF-235344C6F31A}"/>
-              </c:ext>
-            </c:extLst>
           </c:dPt>
+          <c:dLbls>
+            <c:delete val="1"/>
+          </c:dLbls>
           <c:cat>
             <c:strRef>
               <c:f>Sheet1!$A$2:$A$5</c:f>
@@ -7876,19 +7449,14 @@
                 <c:formatCode>General</c:formatCode>
                 <c:ptCount val="4"/>
                 <c:pt idx="0">
-                  <c:v>-185.21739130434781</c:v>
+                  <c:v>-185.217391304348</c:v>
                 </c:pt>
                 <c:pt idx="1">
-                  <c:v>285.21739130434781</c:v>
+                  <c:v>285.217391304348</c:v>
                 </c:pt>
               </c:numCache>
             </c:numRef>
           </c:val>
-          <c:extLst>
-            <c:ext xmlns:c16="http://schemas.microsoft.com/office/drawing/2014/chart" uri="{C3380CC4-5D6E-409C-BE32-E72D297353CC}">
-              <c16:uniqueId val="{00000008-B85B-4585-A5CF-235344C6F31A}"/>
-            </c:ext>
-          </c:extLst>
         </c:ser>
         <c:dLbls>
           <c:showLegendKey val="0"/>
@@ -7930,19 +7498,18 @@
           <a:latin typeface="+mn-lt"/>
         </a:defRPr>
       </a:pPr>
-      <a:endParaRPr lang="de-DE"/>
     </a:p>
   </c:txPr>
-  <c:externalData r:id="rId3">
+  <c:externalData r:id="rId1">
     <c:autoUpdate val="0"/>
   </c:externalData>
 </c:chartSpace>
 </file>
 
 <file path=ppt/charts/chart8.xml><?xml version="1.0" encoding="utf-8"?>
-<c:chartSpace xmlns:c="http://schemas.openxmlformats.org/drawingml/2006/chart" xmlns:a="http://schemas.openxmlformats.org/drawingml/2006/main" xmlns:r="http://schemas.openxmlformats.org/officeDocument/2006/relationships" xmlns:c16r2="http://schemas.microsoft.com/office/drawing/2015/06/chart">
+<c:chartSpace xmlns:c="http://schemas.openxmlformats.org/drawingml/2006/chart" xmlns:a="http://schemas.openxmlformats.org/drawingml/2006/main" xmlns:r="http://schemas.openxmlformats.org/officeDocument/2006/relationships">
   <c:date1904 val="0"/>
-  <c:lang val="de-DE"/>
+  <c:lang val="zh-CN"/>
   <c:roundedCorners val="0"/>
   <mc:AlternateContent xmlns:mc="http://schemas.openxmlformats.org/markup-compatibility/2006">
     <mc:Choice xmlns:c14="http://schemas.microsoft.com/office/drawing/2007/8/2/chart" Requires="c14">
@@ -7980,10 +7547,25 @@
               </a:rPr>
               <a:t>Baseline vs. Binary Superpixel Loss</a:t>
             </a:r>
+            <a:endParaRPr lang="de-DE" sz="1600" b="1" dirty="0">
+              <a:solidFill>
+                <a:schemeClr val="tx1"/>
+              </a:solidFill>
+            </a:endParaRPr>
           </a:p>
           <a:p>
             <a:pPr>
-              <a:defRPr/>
+              <a:defRPr lang="en-US" sz="1440" b="0" i="0" u="none" strike="noStrike" kern="1200" spc="0" baseline="0">
+                <a:solidFill>
+                  <a:schemeClr val="tx1">
+                    <a:lumMod val="65000"/>
+                    <a:lumOff val="35000"/>
+                  </a:schemeClr>
+                </a:solidFill>
+                <a:latin typeface="+mn-lt"/>
+                <a:ea typeface="+mn-ea"/>
+                <a:cs typeface="+mn-cs"/>
+              </a:defRPr>
             </a:pPr>
             <a:r>
               <a:rPr lang="de-DE" sz="1600" b="1" dirty="0" err="1">
@@ -8021,8 +7603,8 @@
         <c:manualLayout>
           <c:xMode val="edge"/>
           <c:yMode val="edge"/>
-          <c:x val="0.23299721089894901"/>
-          <c:y val="1.6535758577924799E-2"/>
+          <c:x val="0.232997210898949"/>
+          <c:y val="0.0165357585779248"/>
         </c:manualLayout>
       </c:layout>
       <c:overlay val="0"/>
@@ -8033,26 +7615,6 @@
         </a:ln>
         <a:effectLst/>
       </c:spPr>
-      <c:txPr>
-        <a:bodyPr rot="0" spcFirstLastPara="1" vertOverflow="ellipsis" vert="horz" wrap="square" anchor="ctr" anchorCtr="1"/>
-        <a:lstStyle/>
-        <a:p>
-          <a:pPr>
-            <a:defRPr lang="en-US" sz="1440" b="0" i="0" u="none" strike="noStrike" kern="1200" spc="0" baseline="0">
-              <a:solidFill>
-                <a:schemeClr val="tx1">
-                  <a:lumMod val="65000"/>
-                  <a:lumOff val="35000"/>
-                </a:schemeClr>
-              </a:solidFill>
-              <a:latin typeface="+mn-lt"/>
-              <a:ea typeface="+mn-ea"/>
-              <a:cs typeface="+mn-cs"/>
-            </a:defRPr>
-          </a:pPr>
-          <a:endParaRPr lang="de-DE"/>
-        </a:p>
-      </c:txPr>
     </c:title>
     <c:autoTitleDeleted val="0"/>
     <c:plotArea>
@@ -8086,6 +7648,9 @@
           <c:marker>
             <c:symbol val="none"/>
           </c:marker>
+          <c:dLbls>
+            <c:delete val="1"/>
+          </c:dLbls>
           <c:cat>
             <c:numRef>
               <c:f>Sheet1!$A$2:$A$42</c:f>
@@ -8225,16 +7790,16 @@
                 <c:formatCode>General</c:formatCode>
                 <c:ptCount val="41"/>
                 <c:pt idx="0">
-                  <c:v>0.50421905517578103</c:v>
+                  <c:v>0.504219055175781</c:v>
                 </c:pt>
                 <c:pt idx="1">
-                  <c:v>0.27973505854606601</c:v>
+                  <c:v>0.279735058546066</c:v>
                 </c:pt>
                 <c:pt idx="2">
-                  <c:v>0.26693132519721902</c:v>
+                  <c:v>0.266931325197219</c:v>
                 </c:pt>
                 <c:pt idx="3">
-                  <c:v>0.21496424078941301</c:v>
+                  <c:v>0.214964240789413</c:v>
                 </c:pt>
                 <c:pt idx="4">
                   <c:v>0.193553686141967</c:v>
@@ -8243,31 +7808,31 @@
                   <c:v>0.218414276838302</c:v>
                 </c:pt>
                 <c:pt idx="6">
-                  <c:v>0.22673957049846599</c:v>
+                  <c:v>0.226739570498466</c:v>
                 </c:pt>
                 <c:pt idx="7">
-                  <c:v>0.20241037011146501</c:v>
+                  <c:v>0.202410370111465</c:v>
                 </c:pt>
                 <c:pt idx="8">
-                  <c:v>0.19002437591552701</c:v>
+                  <c:v>0.190024375915527</c:v>
                 </c:pt>
                 <c:pt idx="9">
                   <c:v>0.156396463513374</c:v>
                 </c:pt>
                 <c:pt idx="10">
-                  <c:v>0.15519618988037101</c:v>
+                  <c:v>0.155196189880371</c:v>
                 </c:pt>
                 <c:pt idx="11">
                   <c:v>0.179761007428169</c:v>
                 </c:pt>
                 <c:pt idx="12">
-                  <c:v>0.17790727317333199</c:v>
+                  <c:v>0.177907273173332</c:v>
                 </c:pt>
                 <c:pt idx="13">
                   <c:v>0.106906652450561</c:v>
                 </c:pt>
                 <c:pt idx="14">
-                  <c:v>0.12688834965229001</c:v>
+                  <c:v>0.12688834965229</c:v>
                 </c:pt>
                 <c:pt idx="15">
                   <c:v>0.163748353719711</c:v>
@@ -8276,7 +7841,7 @@
                   <c:v>0.123531013727188</c:v>
                 </c:pt>
                 <c:pt idx="17">
-                  <c:v>0.13374727964401201</c:v>
+                  <c:v>0.133747279644012</c:v>
                 </c:pt>
                 <c:pt idx="18">
                   <c:v>0.120334401726722</c:v>
@@ -8288,7 +7853,7 @@
                   <c:v>0.149118512868881</c:v>
                 </c:pt>
                 <c:pt idx="21">
-                  <c:v>9.6429333090782096E-2</c:v>
+                  <c:v>0.0964293330907821</c:v>
                 </c:pt>
                 <c:pt idx="22">
                   <c:v>0.122254811227321</c:v>
@@ -8297,10 +7862,10 @@
                   <c:v>0.124715767800807</c:v>
                 </c:pt>
                 <c:pt idx="24">
-                  <c:v>0.12475641816854401</c:v>
+                  <c:v>0.124756418168544</c:v>
                 </c:pt>
                 <c:pt idx="25">
-                  <c:v>0.14893303811550099</c:v>
+                  <c:v>0.148933038115501</c:v>
                 </c:pt>
                 <c:pt idx="26">
                   <c:v>0.125493839383125</c:v>
@@ -8309,7 +7874,7 @@
                   <c:v>0.119067765772342</c:v>
                 </c:pt>
                 <c:pt idx="28">
-                  <c:v>0.13459737598895999</c:v>
+                  <c:v>0.13459737598896</c:v>
                 </c:pt>
                 <c:pt idx="29">
                   <c:v>0.116551786661148</c:v>
@@ -8321,25 +7886,25 @@
                   <c:v>0.113363228738307</c:v>
                 </c:pt>
                 <c:pt idx="32">
-                  <c:v>0.13681152462959201</c:v>
+                  <c:v>0.136811524629592</c:v>
                 </c:pt>
                 <c:pt idx="33">
                   <c:v>0.102510310709476</c:v>
                 </c:pt>
                 <c:pt idx="34">
-                  <c:v>0.12496797740459401</c:v>
+                  <c:v>0.124967977404594</c:v>
                 </c:pt>
                 <c:pt idx="35">
-                  <c:v>9.0531982481479603E-2</c:v>
+                  <c:v>0.0905319824814796</c:v>
                 </c:pt>
                 <c:pt idx="36">
-                  <c:v>0.16412867605686099</c:v>
+                  <c:v>0.164128676056861</c:v>
                 </c:pt>
                 <c:pt idx="37">
                   <c:v>0.112606756389141</c:v>
                 </c:pt>
                 <c:pt idx="38">
-                  <c:v>8.5395283997058799E-2</c:v>
+                  <c:v>0.0853952839970588</c:v>
                 </c:pt>
                 <c:pt idx="39">
                   <c:v>0.101319782435894</c:v>
@@ -8351,11 +7916,6 @@
             </c:numRef>
           </c:val>
           <c:smooth val="0"/>
-          <c:extLst>
-            <c:ext xmlns:c16="http://schemas.microsoft.com/office/drawing/2014/chart" uri="{C3380CC4-5D6E-409C-BE32-E72D297353CC}">
-              <c16:uniqueId val="{00000000-9C82-4ADD-B1F0-DD270CDD78D3}"/>
-            </c:ext>
-          </c:extLst>
         </c:ser>
         <c:ser>
           <c:idx val="2"/>
@@ -8383,6 +7943,9 @@
           <c:marker>
             <c:symbol val="none"/>
           </c:marker>
+          <c:dLbls>
+            <c:delete val="1"/>
+          </c:dLbls>
           <c:val>
             <c:numRef>
               <c:f>Sheet1!$D$2:$D$42</c:f>
@@ -8396,131 +7959,126 @@
                   <c:v>0.484019488</c:v>
                 </c:pt>
                 <c:pt idx="2">
-                  <c:v>0.50797617399999995</c:v>
+                  <c:v>0.507976174</c:v>
                 </c:pt>
                 <c:pt idx="3">
-                  <c:v>0.46623739600000003</c:v>
+                  <c:v>0.466237396</c:v>
                 </c:pt>
                 <c:pt idx="4">
                   <c:v>0.496011704</c:v>
                 </c:pt>
                 <c:pt idx="5">
-                  <c:v>0.48237627700000002</c:v>
+                  <c:v>0.482376277</c:v>
                 </c:pt>
                 <c:pt idx="6">
                   <c:v>0.51641196</c:v>
                 </c:pt>
                 <c:pt idx="7">
-                  <c:v>0.41244640900000001</c:v>
+                  <c:v>0.412446409</c:v>
                 </c:pt>
                 <c:pt idx="8">
-                  <c:v>0.52230125699999996</c:v>
+                  <c:v>0.522301257</c:v>
                 </c:pt>
                 <c:pt idx="9">
-                  <c:v>0.48863536099999999</c:v>
+                  <c:v>0.488635361</c:v>
                 </c:pt>
                 <c:pt idx="10">
-                  <c:v>0.50563347300000006</c:v>
+                  <c:v>0.505633473</c:v>
                 </c:pt>
                 <c:pt idx="11">
-                  <c:v>0.47155994200000001</c:v>
+                  <c:v>0.471559942</c:v>
                 </c:pt>
                 <c:pt idx="12">
-                  <c:v>0.48665824499999999</c:v>
+                  <c:v>0.486658245</c:v>
                 </c:pt>
                 <c:pt idx="13">
-                  <c:v>0.47833293700000001</c:v>
+                  <c:v>0.478332937</c:v>
                 </c:pt>
                 <c:pt idx="14">
-                  <c:v>0.44948554000000002</c:v>
+                  <c:v>0.44948554</c:v>
                 </c:pt>
                 <c:pt idx="15">
-                  <c:v>0.53507918099999996</c:v>
+                  <c:v>0.535079181</c:v>
                 </c:pt>
                 <c:pt idx="16">
-                  <c:v>0.49374526699999999</c:v>
+                  <c:v>0.493745267</c:v>
                 </c:pt>
                 <c:pt idx="17">
-                  <c:v>0.45028427199999999</c:v>
+                  <c:v>0.450284272</c:v>
                 </c:pt>
                 <c:pt idx="18">
                   <c:v>0.441565812</c:v>
                 </c:pt>
                 <c:pt idx="19">
-                  <c:v>0.46092051299999998</c:v>
+                  <c:v>0.460920513</c:v>
                 </c:pt>
                 <c:pt idx="20">
-                  <c:v>0.52408242199999999</c:v>
+                  <c:v>0.524082422</c:v>
                 </c:pt>
                 <c:pt idx="21">
-                  <c:v>0.46402579500000002</c:v>
+                  <c:v>0.464025795</c:v>
                 </c:pt>
                 <c:pt idx="22">
-                  <c:v>0.41471618399999999</c:v>
+                  <c:v>0.414716184</c:v>
                 </c:pt>
                 <c:pt idx="23">
-                  <c:v>0.49901133800000003</c:v>
+                  <c:v>0.499011338</c:v>
                 </c:pt>
                 <c:pt idx="24">
                   <c:v>0.462845385</c:v>
                 </c:pt>
                 <c:pt idx="25">
-                  <c:v>0.44828537099999999</c:v>
+                  <c:v>0.448285371</c:v>
                 </c:pt>
                 <c:pt idx="26">
-                  <c:v>0.46163371199999997</c:v>
+                  <c:v>0.461633712</c:v>
                 </c:pt>
                 <c:pt idx="27">
-                  <c:v>0.47309315200000002</c:v>
+                  <c:v>0.473093152</c:v>
                 </c:pt>
                 <c:pt idx="28">
-                  <c:v>0.44587197899999997</c:v>
+                  <c:v>0.445871979</c:v>
                 </c:pt>
                 <c:pt idx="29">
-                  <c:v>0.42157650000000002</c:v>
+                  <c:v>0.4215765</c:v>
                 </c:pt>
                 <c:pt idx="30">
-                  <c:v>0.46981951599999999</c:v>
+                  <c:v>0.469819516</c:v>
                 </c:pt>
                 <c:pt idx="31">
-                  <c:v>0.51663255699999999</c:v>
+                  <c:v>0.516632557</c:v>
                 </c:pt>
                 <c:pt idx="32">
-                  <c:v>0.46347135299999997</c:v>
+                  <c:v>0.463471353</c:v>
                 </c:pt>
                 <c:pt idx="33">
-                  <c:v>0.47525775399999998</c:v>
+                  <c:v>0.475257754</c:v>
                 </c:pt>
                 <c:pt idx="34">
-                  <c:v>0.47707611300000002</c:v>
+                  <c:v>0.477076113</c:v>
                 </c:pt>
                 <c:pt idx="35">
-                  <c:v>0.44722187499999999</c:v>
+                  <c:v>0.447221875</c:v>
                 </c:pt>
                 <c:pt idx="36">
-                  <c:v>0.43175339699999998</c:v>
+                  <c:v>0.431753397</c:v>
                 </c:pt>
                 <c:pt idx="37">
                   <c:v>0.496403486</c:v>
                 </c:pt>
                 <c:pt idx="38">
-                  <c:v>0.45316740900000002</c:v>
+                  <c:v>0.453167409</c:v>
                 </c:pt>
                 <c:pt idx="39">
-                  <c:v>0.47290295399999999</c:v>
+                  <c:v>0.472902954</c:v>
                 </c:pt>
                 <c:pt idx="40">
-                  <c:v>0.45597502600000001</c:v>
+                  <c:v>0.455975026</c:v>
                 </c:pt>
               </c:numCache>
             </c:numRef>
           </c:val>
           <c:smooth val="0"/>
-          <c:extLst>
-            <c:ext xmlns:c16="http://schemas.microsoft.com/office/drawing/2014/chart" uri="{C3380CC4-5D6E-409C-BE32-E72D297353CC}">
-              <c16:uniqueId val="{00000000-FF3D-4170-B528-64BB145DE6B3}"/>
-            </c:ext>
-          </c:extLst>
         </c:ser>
         <c:dLbls>
           <c:showLegendKey val="0"/>
@@ -8530,6 +8088,7 @@
           <c:showPercent val="0"/>
           <c:showBubbleSize val="0"/>
         </c:dLbls>
+        <c:marker val="0"/>
         <c:smooth val="0"/>
         <c:axId val="781831517"/>
         <c:axId val="405180283"/>
@@ -8568,10 +8127,16 @@
                 <c:marker>
                   <c:symbol val="none"/>
                 </c:marker>
+                <c:dLbls>
+                  <c:delete val="1"/>
+                </c:dLbls>
                 <c:cat>
                   <c:numRef>
                     <c:extLst>
                       <c:ext uri="{02D57815-91ED-43cb-92C2-25804820EDAC}">
+                        <c15:fullRef>
+                          <c15:sqref/>
+                        </c15:fullRef>
                         <c15:formulaRef>
                           <c15:sqref>Sheet1!$A$2:$A$42</c15:sqref>
                         </c15:formulaRef>
@@ -8719,31 +8284,31 @@
                       <c:formatCode>General</c:formatCode>
                       <c:ptCount val="41"/>
                       <c:pt idx="0">
-                        <c:v>0.47223389148712103</c:v>
+                        <c:v>0.472233891487121</c:v>
                       </c:pt>
                       <c:pt idx="1">
-                        <c:v>0.46389198303222601</c:v>
+                        <c:v>0.463891983032226</c:v>
                       </c:pt>
                       <c:pt idx="2">
-                        <c:v>0.40340524911880399</c:v>
+                        <c:v>0.403405249118804</c:v>
                       </c:pt>
                       <c:pt idx="3">
-                        <c:v>0.22160154581069899</c:v>
+                        <c:v>0.221601545810699</c:v>
                       </c:pt>
                       <c:pt idx="4">
-                        <c:v>0.24435447156429199</c:v>
+                        <c:v>0.244354471564292</c:v>
                       </c:pt>
                       <c:pt idx="5">
-                        <c:v>0.22687627375125799</c:v>
+                        <c:v>0.226876273751258</c:v>
                       </c:pt>
                       <c:pt idx="6">
-                        <c:v>0.18750590085983199</c:v>
+                        <c:v>0.187505900859832</c:v>
                       </c:pt>
                       <c:pt idx="7">
                         <c:v>0.231648445129394</c:v>
                       </c:pt>
                       <c:pt idx="8">
-                        <c:v>0.34906259179115201</c:v>
+                        <c:v>0.349062591791152</c:v>
                       </c:pt>
                       <c:pt idx="9">
                         <c:v>0.155327469110488</c:v>
@@ -8755,22 +8320,22 @@
                         <c:v>0.172545760869979</c:v>
                       </c:pt>
                       <c:pt idx="12">
-                        <c:v>0.19915454089641499</c:v>
+                        <c:v>0.199154540896415</c:v>
                       </c:pt>
                       <c:pt idx="13">
                         <c:v>0.150299206376075</c:v>
                       </c:pt>
                       <c:pt idx="14">
-                        <c:v>0.12700884044170299</c:v>
+                        <c:v>0.127008840441703</c:v>
                       </c:pt>
                       <c:pt idx="15">
-                        <c:v>0.13419649004936199</c:v>
+                        <c:v>0.134196490049362</c:v>
                       </c:pt>
                       <c:pt idx="16">
-                        <c:v>0.10517203807830799</c:v>
+                        <c:v>0.105172038078308</c:v>
                       </c:pt>
                       <c:pt idx="17">
-                        <c:v>0.13699702918529499</c:v>
+                        <c:v>0.136997029185295</c:v>
                       </c:pt>
                       <c:pt idx="18">
                         <c:v>0.130150571465492</c:v>
@@ -8779,22 +8344,22 @@
                         <c:v>0.122179642319679</c:v>
                       </c:pt>
                       <c:pt idx="20">
-                        <c:v>0.15090848505496901</c:v>
+                        <c:v>0.150908485054969</c:v>
                       </c:pt>
                       <c:pt idx="21">
-                        <c:v>0.12077350169420201</c:v>
+                        <c:v>0.120773501694202</c:v>
                       </c:pt>
                       <c:pt idx="22">
-                        <c:v>0.17680895328521701</c:v>
+                        <c:v>0.176808953285217</c:v>
                       </c:pt>
                       <c:pt idx="23">
                         <c:v>0.107833251357078</c:v>
                       </c:pt>
                       <c:pt idx="24">
-                        <c:v>0.17650087177753401</c:v>
+                        <c:v>0.176500871777534</c:v>
                       </c:pt>
                       <c:pt idx="25">
-                        <c:v>0.13472874462604501</c:v>
+                        <c:v>0.134728744626045</c:v>
                       </c:pt>
                       <c:pt idx="26">
                         <c:v>0.139597922563552</c:v>
@@ -8812,31 +8377,31 @@
                         <c:v>0.13952013850212</c:v>
                       </c:pt>
                       <c:pt idx="31">
-                        <c:v>0.11551681905984799</c:v>
+                        <c:v>0.115516819059848</c:v>
                       </c:pt>
                       <c:pt idx="32">
-                        <c:v>0.18214568495750399</c:v>
+                        <c:v>0.182145684957504</c:v>
                       </c:pt>
                       <c:pt idx="33">
-                        <c:v>0.11812119185924499</c:v>
+                        <c:v>0.118121191859245</c:v>
                       </c:pt>
                       <c:pt idx="34">
-                        <c:v>0.13949294388294201</c:v>
+                        <c:v>0.139492943882942</c:v>
                       </c:pt>
                       <c:pt idx="35">
-                        <c:v>0.19462622702121701</c:v>
+                        <c:v>0.194626227021217</c:v>
                       </c:pt>
                       <c:pt idx="36">
-                        <c:v>0.10164837539196001</c:v>
+                        <c:v>0.10164837539196</c:v>
                       </c:pt>
                       <c:pt idx="37">
-                        <c:v>9.4312325119972201E-2</c:v>
+                        <c:v>0.0943123251199722</c:v>
                       </c:pt>
                       <c:pt idx="38">
-                        <c:v>0.15558190643787301</c:v>
+                        <c:v>0.155581906437873</c:v>
                       </c:pt>
                       <c:pt idx="39">
-                        <c:v>9.7099363803863498E-2</c:v>
+                        <c:v>0.0970993638038635</c:v>
                       </c:pt>
                       <c:pt idx="40">
                         <c:v>0.119330026209354</c:v>
@@ -8845,11 +8410,6 @@
                   </c:numRef>
                 </c:val>
                 <c:smooth val="0"/>
-                <c:extLst>
-                  <c:ext xmlns:c16="http://schemas.microsoft.com/office/drawing/2014/chart" uri="{C3380CC4-5D6E-409C-BE32-E72D297353CC}">
-                    <c16:uniqueId val="{00000001-9C82-4ADD-B1F0-DD270CDD78D3}"/>
-                  </c:ext>
-                </c:extLst>
               </c15:ser>
             </c15:filteredLineSeries>
           </c:ext>
@@ -8885,9 +8445,11 @@
                   <a:rPr lang="de-DE"/>
                   <a:t>steps</a:t>
                 </a:r>
+                <a:endParaRPr lang="de-DE"/>
               </a:p>
             </c:rich>
           </c:tx>
+          <c:layout/>
           <c:overlay val="0"/>
           <c:spPr>
             <a:noFill/>
@@ -8896,26 +8458,6 @@
             </a:ln>
             <a:effectLst/>
           </c:spPr>
-          <c:txPr>
-            <a:bodyPr rot="0" spcFirstLastPara="1" vertOverflow="ellipsis" vert="horz" wrap="square" anchor="ctr" anchorCtr="1"/>
-            <a:lstStyle/>
-            <a:p>
-              <a:pPr>
-                <a:defRPr lang="en-US" sz="1200" b="0" i="0" u="none" strike="noStrike" kern="1200" baseline="0">
-                  <a:solidFill>
-                    <a:schemeClr val="tx1">
-                      <a:lumMod val="65000"/>
-                      <a:lumOff val="35000"/>
-                    </a:schemeClr>
-                  </a:solidFill>
-                  <a:latin typeface="+mn-lt"/>
-                  <a:ea typeface="+mn-ea"/>
-                  <a:cs typeface="+mn-cs"/>
-                </a:defRPr>
-              </a:pPr>
-              <a:endParaRPr lang="de-DE"/>
-            </a:p>
-          </c:txPr>
         </c:title>
         <c:numFmt formatCode="General" sourceLinked="0"/>
         <c:majorTickMark val="none"/>
@@ -8951,7 +8493,6 @@
                 <a:cs typeface="+mn-cs"/>
               </a:defRPr>
             </a:pPr>
-            <a:endParaRPr lang="de-DE"/>
           </a:p>
         </c:txPr>
         <c:crossAx val="405180283"/>
@@ -9005,9 +8546,11 @@
                   <a:rPr lang="de-DE"/>
                   <a:t>absl.error</a:t>
                 </a:r>
+                <a:endParaRPr lang="de-DE"/>
               </a:p>
             </c:rich>
           </c:tx>
+          <c:layout/>
           <c:overlay val="0"/>
           <c:spPr>
             <a:noFill/>
@@ -9016,26 +8559,6 @@
             </a:ln>
             <a:effectLst/>
           </c:spPr>
-          <c:txPr>
-            <a:bodyPr rot="-5400000" spcFirstLastPara="1" vertOverflow="ellipsis" vert="horz" wrap="square" anchor="ctr" anchorCtr="1"/>
-            <a:lstStyle/>
-            <a:p>
-              <a:pPr>
-                <a:defRPr lang="en-US" sz="1200" b="0" i="0" u="none" strike="noStrike" kern="1200" baseline="0">
-                  <a:solidFill>
-                    <a:schemeClr val="tx1">
-                      <a:lumMod val="65000"/>
-                      <a:lumOff val="35000"/>
-                    </a:schemeClr>
-                  </a:solidFill>
-                  <a:latin typeface="+mn-lt"/>
-                  <a:ea typeface="+mn-ea"/>
-                  <a:cs typeface="+mn-cs"/>
-                </a:defRPr>
-              </a:pPr>
-              <a:endParaRPr lang="de-DE"/>
-            </a:p>
-          </c:txPr>
         </c:title>
         <c:numFmt formatCode="General" sourceLinked="1"/>
         <c:majorTickMark val="none"/>
@@ -9065,7 +8588,6 @@
                 <a:cs typeface="+mn-cs"/>
               </a:defRPr>
             </a:pPr>
-            <a:endParaRPr lang="de-DE"/>
           </a:p>
         </c:txPr>
         <c:crossAx val="781831517"/>
@@ -9082,6 +8604,7 @@
     </c:plotArea>
     <c:legend>
       <c:legendPos val="b"/>
+      <c:layout/>
       <c:overlay val="0"/>
       <c:spPr>
         <a:noFill/>
@@ -9107,7 +8630,6 @@
               <a:cs typeface="+mn-cs"/>
             </a:defRPr>
           </a:pPr>
-          <a:endParaRPr lang="de-DE"/>
         </a:p>
       </c:txPr>
     </c:legend>
@@ -9129,19 +8651,18 @@
       <a:pPr>
         <a:defRPr lang="en-US" sz="1200"/>
       </a:pPr>
-      <a:endParaRPr lang="de-DE"/>
     </a:p>
   </c:txPr>
-  <c:externalData r:id="rId3">
+  <c:externalData r:id="rId1">
     <c:autoUpdate val="0"/>
   </c:externalData>
 </c:chartSpace>
 </file>
 
 <file path=ppt/charts/chart9.xml><?xml version="1.0" encoding="utf-8"?>
-<c:chartSpace xmlns:c="http://schemas.openxmlformats.org/drawingml/2006/chart" xmlns:a="http://schemas.openxmlformats.org/drawingml/2006/main" xmlns:r="http://schemas.openxmlformats.org/officeDocument/2006/relationships" xmlns:c16r2="http://schemas.microsoft.com/office/drawing/2015/06/chart">
+<c:chartSpace xmlns:c="http://schemas.openxmlformats.org/drawingml/2006/chart" xmlns:a="http://schemas.openxmlformats.org/drawingml/2006/main" xmlns:r="http://schemas.openxmlformats.org/officeDocument/2006/relationships">
   <c:date1904 val="0"/>
-  <c:lang val="de-DE"/>
+  <c:lang val="zh-CN"/>
   <c:roundedCorners val="0"/>
   <mc:AlternateContent xmlns:mc="http://schemas.openxmlformats.org/markup-compatibility/2006">
     <mc:Choice xmlns:c14="http://schemas.microsoft.com/office/drawing/2007/8/2/chart" Requires="c14">
@@ -9160,9 +8681,9 @@
           <c:xMode val="edge"/>
           <c:yMode val="edge"/>
           <c:x val="0.2"/>
-          <c:y val="8.2175664772186893E-2"/>
-          <c:w val="0.68802807279416001"/>
-          <c:h val="0.87020648967551595"/>
+          <c:y val="0.0821756647721869"/>
+          <c:w val="0.68802807279416"/>
+          <c:h val="0.870206489675516"/>
         </c:manualLayout>
       </c:layout>
       <c:doughnutChart>
@@ -9189,6 +8710,7 @@
               <a:noFill/>
             </a:ln>
           </c:spPr>
+          <c:explosion val="0"/>
           <c:dPt>
             <c:idx val="0"/>
             <c:bubble3D val="0"/>
@@ -9207,11 +8729,6 @@
                 </a:outerShdw>
               </a:effectLst>
             </c:spPr>
-            <c:extLst>
-              <c:ext xmlns:c16="http://schemas.microsoft.com/office/drawing/2014/chart" uri="{C3380CC4-5D6E-409C-BE32-E72D297353CC}">
-                <c16:uniqueId val="{00000001-2D05-48BF-9883-B478DABBB1F4}"/>
-              </c:ext>
-            </c:extLst>
           </c:dPt>
           <c:dPt>
             <c:idx val="1"/>
@@ -9233,11 +8750,6 @@
               </a:ln>
               <a:effectLst/>
             </c:spPr>
-            <c:extLst>
-              <c:ext xmlns:c16="http://schemas.microsoft.com/office/drawing/2014/chart" uri="{C3380CC4-5D6E-409C-BE32-E72D297353CC}">
-                <c16:uniqueId val="{00000003-2D05-48BF-9883-B478DABBB1F4}"/>
-              </c:ext>
-            </c:extLst>
           </c:dPt>
           <c:dPt>
             <c:idx val="2"/>
@@ -9251,11 +8763,6 @@
               </a:ln>
               <a:effectLst/>
             </c:spPr>
-            <c:extLst>
-              <c:ext xmlns:c16="http://schemas.microsoft.com/office/drawing/2014/chart" uri="{C3380CC4-5D6E-409C-BE32-E72D297353CC}">
-                <c16:uniqueId val="{00000005-2D05-48BF-9883-B478DABBB1F4}"/>
-              </c:ext>
-            </c:extLst>
           </c:dPt>
           <c:dPt>
             <c:idx val="3"/>
@@ -9269,12 +8776,10 @@
               </a:ln>
               <a:effectLst/>
             </c:spPr>
-            <c:extLst>
-              <c:ext xmlns:c16="http://schemas.microsoft.com/office/drawing/2014/chart" uri="{C3380CC4-5D6E-409C-BE32-E72D297353CC}">
-                <c16:uniqueId val="{00000007-2D05-48BF-9883-B478DABBB1F4}"/>
-              </c:ext>
-            </c:extLst>
           </c:dPt>
+          <c:dLbls>
+            <c:delete val="1"/>
+          </c:dLbls>
           <c:cat>
             <c:strRef>
               <c:f>Sheet1!$A$2:$A$5</c:f>
@@ -9304,11 +8809,6 @@
               </c:numCache>
             </c:numRef>
           </c:val>
-          <c:extLst>
-            <c:ext xmlns:c16="http://schemas.microsoft.com/office/drawing/2014/chart" uri="{C3380CC4-5D6E-409C-BE32-E72D297353CC}">
-              <c16:uniqueId val="{00000008-2D05-48BF-9883-B478DABBB1F4}"/>
-            </c:ext>
-          </c:extLst>
         </c:ser>
         <c:dLbls>
           <c:showLegendKey val="0"/>
@@ -9350,10 +8850,9 @@
           <a:latin typeface="+mn-lt"/>
         </a:defRPr>
       </a:pPr>
-      <a:endParaRPr lang="de-DE"/>
     </a:p>
   </c:txPr>
-  <c:externalData r:id="rId3">
+  <c:externalData r:id="rId1">
     <c:autoUpdate val="0"/>
   </c:externalData>
 </c:chartSpace>
@@ -17247,7 +16746,6 @@
           <a:p>
             <a:fld id="{A32DC80D-291A-4ABB-A78B-0417274A267C}" type="datetime4">
               <a:rPr lang="de-DE"/>
-              <a:t>11. Februar 2020</a:t>
             </a:fld>
             <a:endParaRPr lang="de-DE"/>
           </a:p>
@@ -17292,6 +16790,7 @@
               <a:rPr lang="de-DE"/>
               <a:t>|  </a:t>
             </a:r>
+            <a:endParaRPr lang="de-DE"/>
           </a:p>
         </p:txBody>
       </p:sp>
@@ -17336,7 +16835,6 @@
             </a:r>
             <a:fld id="{C7CC2173-B0D1-45F1-9D54-E33B7353DA19}" type="slidenum">
               <a:rPr lang="de-DE"/>
-              <a:t>‹Nr.›</a:t>
             </a:fld>
             <a:endParaRPr lang="de-DE"/>
           </a:p>
@@ -17351,7 +16849,7 @@
           <p:nvPr/>
         </p:nvPicPr>
         <p:blipFill>
-          <a:blip r:embed="rId2" cstate="print"/>
+          <a:blip r:embed="rId1" cstate="print"/>
           <a:srcRect/>
           <a:stretch>
             <a:fillRect/>
@@ -17540,7 +17038,7 @@
           <p:nvPr/>
         </p:nvPicPr>
         <p:blipFill>
-          <a:blip r:embed="rId2"/>
+          <a:blip r:embed="rId1"/>
           <a:srcRect/>
           <a:stretch>
             <a:fillRect/>
@@ -17597,7 +17095,6 @@
           <a:p>
             <a:fld id="{065B079B-E513-489A-8A1B-D7C78493EA86}" type="datetime4">
               <a:rPr lang="de-DE"/>
-              <a:t>11. Februar 2020</a:t>
             </a:fld>
             <a:endParaRPr lang="de-DE"/>
           </a:p>
@@ -17665,6 +17162,7 @@
               <a:rPr lang="de-DE"/>
               <a:t>Textmasterformate durch Klicken bearbeiten</a:t>
             </a:r>
+            <a:endParaRPr lang="de-DE"/>
           </a:p>
           <a:p>
             <a:pPr lvl="1"/>
@@ -17672,6 +17170,7 @@
               <a:rPr lang="de-DE"/>
               <a:t>Zweite Ebene</a:t>
             </a:r>
+            <a:endParaRPr lang="de-DE"/>
           </a:p>
           <a:p>
             <a:pPr lvl="2"/>
@@ -17679,6 +17178,7 @@
               <a:rPr lang="de-DE"/>
               <a:t>Dritte Ebene</a:t>
             </a:r>
+            <a:endParaRPr lang="de-DE"/>
           </a:p>
           <a:p>
             <a:pPr lvl="3"/>
@@ -17686,6 +17186,7 @@
               <a:rPr lang="de-DE"/>
               <a:t>Vierte Ebene</a:t>
             </a:r>
+            <a:endParaRPr lang="de-DE"/>
           </a:p>
           <a:p>
             <a:pPr lvl="4"/>
@@ -17693,6 +17194,7 @@
               <a:rPr lang="de-DE"/>
               <a:t>Fünfte Ebene</a:t>
             </a:r>
+            <a:endParaRPr lang="de-DE"/>
           </a:p>
         </p:txBody>
       </p:sp>
@@ -17738,6 +17240,7 @@
               <a:rPr lang="de-DE"/>
               <a:t>|  </a:t>
             </a:r>
+            <a:endParaRPr lang="de-DE"/>
           </a:p>
         </p:txBody>
       </p:sp>
@@ -17785,7 +17288,6 @@
             </a:r>
             <a:fld id="{C36AA9A4-5D0B-4134-89A6-D8B9DAA4F25C}" type="slidenum">
               <a:rPr lang="de-DE"/>
-              <a:t>‹Nr.›</a:t>
             </a:fld>
             <a:endParaRPr lang="de-DE"/>
           </a:p>
@@ -18124,7 +17626,7 @@
 </file>
 
 <file path=ppt/slideLayouts/slideLayout1.xml><?xml version="1.0" encoding="utf-8"?>
-<p:sldLayout xmlns:a="http://schemas.openxmlformats.org/drawingml/2006/main" xmlns:r="http://schemas.openxmlformats.org/officeDocument/2006/relationships" xmlns:p="http://schemas.openxmlformats.org/presentationml/2006/main" showMasterSp="0" preserve="1" userDrawn="1">
+<p:sldLayout xmlns:a="http://schemas.openxmlformats.org/drawingml/2006/main" xmlns:r="http://schemas.openxmlformats.org/officeDocument/2006/relationships" xmlns:p="http://schemas.openxmlformats.org/presentationml/2006/main" preserve="1" showMasterSp="0" userDrawn="1">
   <p:cSld name="Titelfolie">
     <p:spTree>
       <p:nvGrpSpPr>
@@ -18211,6 +17713,7 @@
               <a:rPr lang="de-DE" dirty="0"/>
               <a:t>Formatvorlage des Untertitelmasters durch Klicken bearbeiten</a:t>
             </a:r>
+            <a:endParaRPr lang="de-DE" dirty="0"/>
           </a:p>
         </p:txBody>
       </p:sp>
@@ -18403,6 +17906,7 @@
               <a:rPr lang="de-DE" dirty="0"/>
               <a:t>Titelmasterformat durch Klicken bearbeiten</a:t>
             </a:r>
+            <a:endParaRPr lang="de-DE" dirty="0"/>
           </a:p>
         </p:txBody>
       </p:sp>
@@ -18460,7 +17964,6 @@
                 <a:ea typeface="+mn-ea"/>
                 <a:cs typeface="Tahoma" panose="020B0804030504040204" pitchFamily="34" charset="0"/>
               </a:rPr>
-              <a:t>11.02.2020</a:t>
             </a:fld>
             <a:r>
               <a:rPr kumimoji="0" lang="de-DE" sz="1000" b="0" i="0" u="none" strike="noStrike" kern="1200" cap="none" spc="0" normalizeH="0" baseline="0" noProof="0" dirty="0">
@@ -18593,7 +18096,6 @@
                 <a:cs typeface="Tahoma" panose="020B0804030504040204" pitchFamily="34" charset="0"/>
                 <a:sym typeface="+mn-ea"/>
               </a:rPr>
-              <a:t>‹Nr.›</a:t>
             </a:fld>
             <a:endParaRPr kumimoji="0" lang="de-DE" sz="1000" b="0" i="0" u="none" strike="noStrike" kern="1200" cap="none" spc="0" normalizeH="0" baseline="0" noProof="0" dirty="0">
               <a:ln>
@@ -18712,6 +18214,7 @@
               <a:rPr lang="de-DE"/>
               <a:t>Titelmasterformat durch Klicken bearbeiten</a:t>
             </a:r>
+            <a:endParaRPr lang="de-DE"/>
           </a:p>
         </p:txBody>
       </p:sp>
@@ -18740,6 +18243,7 @@
               <a:rPr lang="de-DE" dirty="0"/>
               <a:t>Textmasterformate durch Klicken bearbeiten</a:t>
             </a:r>
+            <a:endParaRPr lang="de-DE" dirty="0"/>
           </a:p>
           <a:p>
             <a:pPr lvl="1"/>
@@ -18747,6 +18251,7 @@
               <a:rPr lang="de-DE" dirty="0"/>
               <a:t>Zweite Ebene</a:t>
             </a:r>
+            <a:endParaRPr lang="de-DE" dirty="0"/>
           </a:p>
           <a:p>
             <a:pPr lvl="2"/>
@@ -18754,6 +18259,7 @@
               <a:rPr lang="de-DE" dirty="0"/>
               <a:t>Dritte Ebene</a:t>
             </a:r>
+            <a:endParaRPr lang="de-DE" dirty="0"/>
           </a:p>
           <a:p>
             <a:pPr lvl="3"/>
@@ -18761,6 +18267,7 @@
               <a:rPr lang="de-DE" dirty="0"/>
               <a:t>Vierte Ebene</a:t>
             </a:r>
+            <a:endParaRPr lang="de-DE" dirty="0"/>
           </a:p>
           <a:p>
             <a:pPr lvl="4"/>
@@ -18768,6 +18275,7 @@
               <a:rPr lang="de-DE" dirty="0"/>
               <a:t>Fünfte Ebene</a:t>
             </a:r>
+            <a:endParaRPr lang="de-DE" dirty="0"/>
           </a:p>
         </p:txBody>
       </p:sp>
@@ -18824,6 +18332,7 @@
               <a:rPr lang="de-DE" dirty="0"/>
               <a:t>Titelmasterformat durch Klicken bearbeiten</a:t>
             </a:r>
+            <a:endParaRPr lang="de-DE" dirty="0"/>
           </a:p>
         </p:txBody>
       </p:sp>
@@ -18889,6 +18398,7 @@
               <a:rPr lang="de-DE"/>
               <a:t>Textmasterformate durch Klicken bearbeiten</a:t>
             </a:r>
+            <a:endParaRPr lang="de-DE"/>
           </a:p>
         </p:txBody>
       </p:sp>
@@ -18936,6 +18446,7 @@
               <a:rPr lang="de-DE"/>
               <a:t>Titelmasterformat durch Klicken bearbeiten</a:t>
             </a:r>
+            <a:endParaRPr lang="de-DE"/>
           </a:p>
         </p:txBody>
       </p:sp>
@@ -18992,6 +18503,7 @@
               <a:rPr lang="de-DE" dirty="0"/>
               <a:t>Textmasterformate durch Klicken bearbeiten</a:t>
             </a:r>
+            <a:endParaRPr lang="de-DE" dirty="0"/>
           </a:p>
           <a:p>
             <a:pPr lvl="1"/>
@@ -18999,6 +18511,7 @@
               <a:rPr lang="de-DE" dirty="0"/>
               <a:t>Zweite Ebene</a:t>
             </a:r>
+            <a:endParaRPr lang="de-DE" dirty="0"/>
           </a:p>
           <a:p>
             <a:pPr lvl="2"/>
@@ -19006,6 +18519,7 @@
               <a:rPr lang="de-DE" dirty="0"/>
               <a:t>Dritte Ebene</a:t>
             </a:r>
+            <a:endParaRPr lang="de-DE" dirty="0"/>
           </a:p>
           <a:p>
             <a:pPr lvl="3"/>
@@ -19013,6 +18527,7 @@
               <a:rPr lang="de-DE" dirty="0"/>
               <a:t>Vierte Ebene</a:t>
             </a:r>
+            <a:endParaRPr lang="de-DE" dirty="0"/>
           </a:p>
           <a:p>
             <a:pPr lvl="4"/>
@@ -19020,6 +18535,7 @@
               <a:rPr lang="de-DE" dirty="0"/>
               <a:t>Fünfte Ebene</a:t>
             </a:r>
+            <a:endParaRPr lang="de-DE" dirty="0"/>
           </a:p>
         </p:txBody>
       </p:sp>
@@ -19076,6 +18592,7 @@
               <a:rPr lang="de-DE" dirty="0"/>
               <a:t>Textmasterformate durch Klicken bearbeiten</a:t>
             </a:r>
+            <a:endParaRPr lang="de-DE" dirty="0"/>
           </a:p>
           <a:p>
             <a:pPr lvl="1"/>
@@ -19083,6 +18600,7 @@
               <a:rPr lang="de-DE" dirty="0"/>
               <a:t>Zweite Ebene</a:t>
             </a:r>
+            <a:endParaRPr lang="de-DE" dirty="0"/>
           </a:p>
           <a:p>
             <a:pPr lvl="2"/>
@@ -19090,6 +18608,7 @@
               <a:rPr lang="de-DE" dirty="0"/>
               <a:t>Dritte Ebene</a:t>
             </a:r>
+            <a:endParaRPr lang="de-DE" dirty="0"/>
           </a:p>
           <a:p>
             <a:pPr lvl="3"/>
@@ -19097,6 +18616,7 @@
               <a:rPr lang="de-DE" dirty="0"/>
               <a:t>Vierte Ebene</a:t>
             </a:r>
+            <a:endParaRPr lang="de-DE" dirty="0"/>
           </a:p>
           <a:p>
             <a:pPr lvl="4"/>
@@ -19104,6 +18624,7 @@
               <a:rPr lang="de-DE" dirty="0"/>
               <a:t>Fünfte Ebene</a:t>
             </a:r>
+            <a:endParaRPr lang="de-DE" dirty="0"/>
           </a:p>
         </p:txBody>
       </p:sp>
@@ -19151,6 +18672,7 @@
               <a:rPr lang="de-DE" dirty="0"/>
               <a:t>Titelmasterformat durch Klicken bearbeiten</a:t>
             </a:r>
+            <a:endParaRPr lang="de-DE" dirty="0"/>
           </a:p>
         </p:txBody>
       </p:sp>
@@ -19257,6 +18779,7 @@
               <a:rPr lang="de-DE" dirty="0"/>
               <a:t>Textmasterformate durch Klicken bearbeiten</a:t>
             </a:r>
+            <a:endParaRPr lang="de-DE" dirty="0"/>
           </a:p>
           <a:p>
             <a:pPr lvl="1"/>
@@ -19264,6 +18787,7 @@
               <a:rPr lang="de-DE" dirty="0"/>
               <a:t>Zweite Ebene</a:t>
             </a:r>
+            <a:endParaRPr lang="de-DE" dirty="0"/>
           </a:p>
           <a:p>
             <a:pPr lvl="2"/>
@@ -19271,6 +18795,7 @@
               <a:rPr lang="de-DE" dirty="0"/>
               <a:t>Dritte Ebene</a:t>
             </a:r>
+            <a:endParaRPr lang="de-DE" dirty="0"/>
           </a:p>
           <a:p>
             <a:pPr lvl="3"/>
@@ -19278,6 +18803,7 @@
               <a:rPr lang="de-DE" dirty="0"/>
               <a:t>Vierte Ebene</a:t>
             </a:r>
+            <a:endParaRPr lang="de-DE" dirty="0"/>
           </a:p>
           <a:p>
             <a:pPr lvl="4"/>
@@ -19285,6 +18811,7 @@
               <a:rPr lang="de-DE" dirty="0"/>
               <a:t>Fünfte Ebene</a:t>
             </a:r>
+            <a:endParaRPr lang="de-DE" dirty="0"/>
           </a:p>
         </p:txBody>
       </p:sp>
@@ -19350,6 +18877,7 @@
               <a:rPr lang="de-DE" dirty="0"/>
               <a:t>Textmasterformate durch Klicken bearbeiten</a:t>
             </a:r>
+            <a:endParaRPr lang="de-DE" dirty="0"/>
           </a:p>
         </p:txBody>
       </p:sp>
@@ -19377,6 +18905,7 @@
               <a:rPr lang="de-DE"/>
               <a:t>Titelmasterformat durch Klicken bearbeiten</a:t>
             </a:r>
+            <a:endParaRPr lang="de-DE"/>
           </a:p>
         </p:txBody>
       </p:sp>
@@ -19433,6 +18962,7 @@
               <a:rPr lang="de-DE"/>
               <a:t>Titelmasterformat durch Klicken bearbeiten</a:t>
             </a:r>
+            <a:endParaRPr lang="de-DE"/>
           </a:p>
         </p:txBody>
       </p:sp>
@@ -19497,6 +19027,7 @@
               <a:rPr lang="de-DE"/>
               <a:t>Bild durch Klicken auf Symbol hinzufügen</a:t>
             </a:r>
+            <a:endParaRPr lang="de-DE"/>
           </a:p>
         </p:txBody>
       </p:sp>
@@ -19562,6 +19093,7 @@
               <a:rPr lang="de-DE"/>
               <a:t>Textmasterformate durch Klicken bearbeiten</a:t>
             </a:r>
+            <a:endParaRPr lang="de-DE"/>
           </a:p>
         </p:txBody>
       </p:sp>
@@ -19666,6 +19198,7 @@
               <a:rPr lang="de-DE" dirty="0"/>
               <a:t>Titelmasterformat durch Klicken bearbeiten</a:t>
             </a:r>
+            <a:endParaRPr lang="de-DE" dirty="0"/>
           </a:p>
         </p:txBody>
       </p:sp>
@@ -19703,6 +19236,7 @@
               <a:rPr lang="de-DE" dirty="0"/>
               <a:t>Textmasterformate durch Klicken bearbeiten</a:t>
             </a:r>
+            <a:endParaRPr lang="de-DE" dirty="0"/>
           </a:p>
           <a:p>
             <a:pPr lvl="1"/>
@@ -19710,6 +19244,7 @@
               <a:rPr lang="de-DE" dirty="0"/>
               <a:t>Zweite Ebene</a:t>
             </a:r>
+            <a:endParaRPr lang="de-DE" dirty="0"/>
           </a:p>
           <a:p>
             <a:pPr lvl="2"/>
@@ -19717,6 +19252,7 @@
               <a:rPr lang="de-DE" dirty="0"/>
               <a:t>Dritte Ebene</a:t>
             </a:r>
+            <a:endParaRPr lang="de-DE" dirty="0"/>
           </a:p>
           <a:p>
             <a:pPr lvl="3"/>
@@ -19724,6 +19260,7 @@
               <a:rPr lang="de-DE" dirty="0"/>
               <a:t>Vierte Ebene</a:t>
             </a:r>
+            <a:endParaRPr lang="de-DE" dirty="0"/>
           </a:p>
           <a:p>
             <a:pPr lvl="4"/>
@@ -19731,6 +19268,7 @@
               <a:rPr lang="de-DE" dirty="0"/>
               <a:t>Fünfte Ebene</a:t>
             </a:r>
+            <a:endParaRPr lang="de-DE" dirty="0"/>
           </a:p>
         </p:txBody>
       </p:sp>
@@ -19778,7 +19316,7 @@
           <p:nvPr/>
         </p:nvPicPr>
         <p:blipFill>
-          <a:blip r:embed="rId10" cstate="print"/>
+          <a:blip r:embed="rId9" cstate="print"/>
           <a:srcRect r="5453"/>
           <a:stretch>
             <a:fillRect/>
@@ -19961,7 +19499,6 @@
                 <a:ea typeface="+mn-ea"/>
                 <a:cs typeface="Tahoma" panose="020B0804030504040204" pitchFamily="34" charset="0"/>
               </a:rPr>
-              <a:t>11.02.2020</a:t>
             </a:fld>
             <a:r>
               <a:rPr kumimoji="0" lang="de-DE" sz="1000" b="0" i="0" u="none" strike="noStrike" kern="1200" cap="none" spc="0" normalizeH="0" baseline="0" noProof="0" dirty="0">
@@ -20122,7 +19659,6 @@
                 <a:ea typeface="+mn-ea"/>
                 <a:cs typeface="Tahoma" panose="020B0804030504040204" pitchFamily="34" charset="0"/>
               </a:rPr>
-              <a:t>‹Nr.›</a:t>
             </a:fld>
             <a:endParaRPr kumimoji="0" lang="de-DE" sz="1000" b="0" i="0" u="none" strike="noStrike" kern="1200" cap="none" spc="0" normalizeH="0" baseline="0" noProof="0" dirty="0">
               <a:ln>
@@ -20182,7 +19718,7 @@
           <p:nvPr userDrawn="1"/>
         </p:nvPicPr>
         <p:blipFill>
-          <a:blip r:embed="rId11"/>
+          <a:blip r:embed="rId10"/>
           <a:stretch>
             <a:fillRect/>
           </a:stretch>
@@ -20749,13 +20285,7 @@
         <p:nvGraphicFramePr>
           <p:cNvPr id="7" name="Chart 4"/>
           <p:cNvGraphicFramePr/>
-          <p:nvPr>
-            <p:extLst>
-              <p:ext uri="{D42A27DB-BD31-4B8C-83A1-F6EECF244321}">
-                <p14:modId xmlns:p14="http://schemas.microsoft.com/office/powerpoint/2010/main" val="3603547303"/>
-              </p:ext>
-            </p:extLst>
-          </p:nvPr>
+          <p:nvPr/>
         </p:nvGraphicFramePr>
         <p:xfrm>
           <a:off x="247649" y="3751944"/>
@@ -20763,7 +20293,7 @@
         </p:xfrm>
         <a:graphic>
           <a:graphicData uri="http://schemas.openxmlformats.org/drawingml/2006/chart">
-            <c:chart xmlns:c="http://schemas.openxmlformats.org/drawingml/2006/chart" xmlns:r="http://schemas.openxmlformats.org/officeDocument/2006/relationships" r:id="rId2"/>
+            <c:chart xmlns:c="http://schemas.openxmlformats.org/drawingml/2006/chart" xmlns:r="http://schemas.openxmlformats.org/officeDocument/2006/relationships" r:id="rId1"/>
           </a:graphicData>
         </a:graphic>
       </p:graphicFrame>
@@ -20823,13 +20353,7 @@
         <p:nvGraphicFramePr>
           <p:cNvPr id="3" name="Chart 2"/>
           <p:cNvGraphicFramePr/>
-          <p:nvPr>
-            <p:extLst>
-              <p:ext uri="{D42A27DB-BD31-4B8C-83A1-F6EECF244321}">
-                <p14:modId xmlns:p14="http://schemas.microsoft.com/office/powerpoint/2010/main" val="375306448"/>
-              </p:ext>
-            </p:extLst>
-          </p:nvPr>
+          <p:nvPr/>
         </p:nvGraphicFramePr>
         <p:xfrm>
           <a:off x="2976879" y="1685925"/>
@@ -20837,7 +20361,7 @@
         </p:xfrm>
         <a:graphic>
           <a:graphicData uri="http://schemas.openxmlformats.org/drawingml/2006/chart">
-            <c:chart xmlns:c="http://schemas.openxmlformats.org/drawingml/2006/chart" xmlns:r="http://schemas.openxmlformats.org/officeDocument/2006/relationships" r:id="rId3"/>
+            <c:chart xmlns:c="http://schemas.openxmlformats.org/drawingml/2006/chart" xmlns:r="http://schemas.openxmlformats.org/officeDocument/2006/relationships" r:id="rId2"/>
           </a:graphicData>
         </a:graphic>
       </p:graphicFrame>
@@ -20875,6 +20399,7 @@
               <a:rPr lang="de-DE" altLang="en-US" sz="2000" b="1" dirty="0"/>
               <a:t>Abs. rel. Error</a:t>
             </a:r>
+            <a:endParaRPr lang="de-DE" altLang="en-US" sz="2000" b="1" dirty="0"/>
           </a:p>
           <a:p>
             <a:pPr>
@@ -20889,6 +20414,7 @@
               <a:rPr lang="de-DE" sz="1600" dirty="0"/>
               <a:t>Baseline: 0.115 </a:t>
             </a:r>
+            <a:endParaRPr lang="de-DE" sz="1600" dirty="0"/>
           </a:p>
           <a:p>
             <a:pPr>
@@ -20907,6 +20433,7 @@
               <a:rPr lang="de-DE" sz="1600" dirty="0"/>
               <a:t>: 0.141 </a:t>
             </a:r>
+            <a:endParaRPr lang="de-DE" sz="1600" dirty="0"/>
           </a:p>
         </p:txBody>
       </p:sp>
@@ -21126,6 +20653,11 @@
               </a:rPr>
               <a:t>%</a:t>
             </a:r>
+            <a:endParaRPr lang="en-US" sz="2800" b="1">
+              <a:latin typeface="Open Sans" charset="0"/>
+              <a:ea typeface="Open Sans" charset="0"/>
+              <a:cs typeface="Open Sans" charset="0"/>
+            </a:endParaRPr>
           </a:p>
         </p:txBody>
       </p:sp>
@@ -21580,21 +21112,9 @@
       </p:grpSp>
       <p:graphicFrame>
         <p:nvGraphicFramePr>
-          <p:cNvPr id="14" name="Chart 4">
-            <a:extLst>
-              <a:ext uri="{FF2B5EF4-FFF2-40B4-BE49-F238E27FC236}">
-                <a16:creationId xmlns:a16="http://schemas.microsoft.com/office/drawing/2014/main" id="{DFF7C238-B88B-438C-B4A6-BFBDA9BAAF83}"/>
-              </a:ext>
-            </a:extLst>
-          </p:cNvPr>
+          <p:cNvPr id="14" name="Chart 4"/>
           <p:cNvGraphicFramePr/>
-          <p:nvPr>
-            <p:extLst>
-              <p:ext uri="{D42A27DB-BD31-4B8C-83A1-F6EECF244321}">
-                <p14:modId xmlns:p14="http://schemas.microsoft.com/office/powerpoint/2010/main" val="1817325205"/>
-              </p:ext>
-            </p:extLst>
-          </p:nvPr>
+          <p:nvPr/>
         </p:nvGraphicFramePr>
         <p:xfrm>
           <a:off x="235739" y="3736417"/>
@@ -21602,7 +21122,7 @@
         </p:xfrm>
         <a:graphic>
           <a:graphicData uri="http://schemas.openxmlformats.org/drawingml/2006/chart">
-            <c:chart xmlns:c="http://schemas.openxmlformats.org/drawingml/2006/chart" xmlns:r="http://schemas.openxmlformats.org/officeDocument/2006/relationships" r:id="rId2"/>
+            <c:chart xmlns:c="http://schemas.openxmlformats.org/drawingml/2006/chart" xmlns:r="http://schemas.openxmlformats.org/officeDocument/2006/relationships" r:id="rId1"/>
           </a:graphicData>
         </a:graphic>
       </p:graphicFrame>
@@ -21868,26 +21388,19 @@
               </a:rPr>
               <a:t>%</a:t>
             </a:r>
+            <a:endParaRPr lang="en-US" sz="2800" b="1" dirty="0">
+              <a:latin typeface="Open Sans" charset="0"/>
+              <a:ea typeface="Open Sans" charset="0"/>
+              <a:cs typeface="Open Sans" charset="0"/>
+            </a:endParaRPr>
           </a:p>
         </p:txBody>
       </p:sp>
       <p:graphicFrame>
         <p:nvGraphicFramePr>
-          <p:cNvPr id="12" name="Chart 2">
-            <a:extLst>
-              <a:ext uri="{FF2B5EF4-FFF2-40B4-BE49-F238E27FC236}">
-                <a16:creationId xmlns:a16="http://schemas.microsoft.com/office/drawing/2014/main" id="{C0935869-EE56-4B6D-AE2E-911E2CD108C4}"/>
-              </a:ext>
-            </a:extLst>
-          </p:cNvPr>
+          <p:cNvPr id="12" name="Chart 2"/>
           <p:cNvGraphicFramePr/>
-          <p:nvPr>
-            <p:extLst>
-              <p:ext uri="{D42A27DB-BD31-4B8C-83A1-F6EECF244321}">
-                <p14:modId xmlns:p14="http://schemas.microsoft.com/office/powerpoint/2010/main" val="1974013692"/>
-              </p:ext>
-            </p:extLst>
-          </p:nvPr>
+          <p:nvPr/>
         </p:nvGraphicFramePr>
         <p:xfrm>
           <a:off x="2976880" y="1685925"/>
@@ -21895,19 +21408,13 @@
         </p:xfrm>
         <a:graphic>
           <a:graphicData uri="http://schemas.openxmlformats.org/drawingml/2006/chart">
-            <c:chart xmlns:c="http://schemas.openxmlformats.org/drawingml/2006/chart" xmlns:r="http://schemas.openxmlformats.org/officeDocument/2006/relationships" r:id="rId3"/>
+            <c:chart xmlns:c="http://schemas.openxmlformats.org/drawingml/2006/chart" xmlns:r="http://schemas.openxmlformats.org/officeDocument/2006/relationships" r:id="rId2"/>
           </a:graphicData>
         </a:graphic>
       </p:graphicFrame>
       <p:sp>
         <p:nvSpPr>
-          <p:cNvPr id="13" name="TextBox 18">
-            <a:extLst>
-              <a:ext uri="{FF2B5EF4-FFF2-40B4-BE49-F238E27FC236}">
-                <a16:creationId xmlns:a16="http://schemas.microsoft.com/office/drawing/2014/main" id="{7B7BFCD2-D7DE-4A61-949A-6159D32E0CF8}"/>
-              </a:ext>
-            </a:extLst>
-          </p:cNvPr>
+          <p:cNvPr id="13" name="TextBox 18"/>
           <p:cNvSpPr txBox="1"/>
           <p:nvPr/>
         </p:nvSpPr>
@@ -21939,6 +21446,7 @@
               <a:rPr lang="de-DE" altLang="en-US" sz="2000" b="1" dirty="0"/>
               <a:t>Abs. rel. Error</a:t>
             </a:r>
+            <a:endParaRPr lang="de-DE" altLang="en-US" sz="2000" b="1" dirty="0"/>
           </a:p>
           <a:p>
             <a:pPr>
@@ -21953,6 +21461,7 @@
               <a:rPr lang="de-DE" sz="1600" dirty="0"/>
               <a:t>Baseline: 0.115 </a:t>
             </a:r>
+            <a:endParaRPr lang="de-DE" sz="1600" dirty="0"/>
           </a:p>
           <a:p>
             <a:pPr>
@@ -21971,6 +21480,7 @@
               <a:rPr lang="de-DE" sz="1600" dirty="0"/>
               <a:t>: 0.123 </a:t>
             </a:r>
+            <a:endParaRPr lang="de-DE" sz="1600" dirty="0"/>
           </a:p>
         </p:txBody>
       </p:sp>
@@ -22096,7 +21606,7 @@
                         <p:par>
                           <p:cTn id="13" fill="hold">
                             <p:stCondLst>
-                              <p:cond delay="1800"/>
+                              <p:cond delay="1300"/>
                             </p:stCondLst>
                             <p:childTnLst>
                               <p:par>
@@ -22213,7 +21723,7 @@
                         <p:par>
                           <p:cTn id="21" fill="hold">
                             <p:stCondLst>
-                              <p:cond delay="3300"/>
+                              <p:cond delay="1800"/>
                             </p:stCondLst>
                             <p:childTnLst>
                               <p:par>
@@ -22427,13 +21937,7 @@
         <p:nvGraphicFramePr>
           <p:cNvPr id="7" name="Chart 4"/>
           <p:cNvGraphicFramePr/>
-          <p:nvPr>
-            <p:extLst>
-              <p:ext uri="{D42A27DB-BD31-4B8C-83A1-F6EECF244321}">
-                <p14:modId xmlns:p14="http://schemas.microsoft.com/office/powerpoint/2010/main" val="1845565182"/>
-              </p:ext>
-            </p:extLst>
-          </p:nvPr>
+          <p:nvPr/>
         </p:nvGraphicFramePr>
         <p:xfrm>
           <a:off x="196850" y="3798570"/>
@@ -22441,7 +21945,7 @@
         </p:xfrm>
         <a:graphic>
           <a:graphicData uri="http://schemas.openxmlformats.org/drawingml/2006/chart">
-            <c:chart xmlns:c="http://schemas.openxmlformats.org/drawingml/2006/chart" xmlns:r="http://schemas.openxmlformats.org/officeDocument/2006/relationships" r:id="rId2"/>
+            <c:chart xmlns:c="http://schemas.openxmlformats.org/drawingml/2006/chart" xmlns:r="http://schemas.openxmlformats.org/officeDocument/2006/relationships" r:id="rId1"/>
           </a:graphicData>
         </a:graphic>
       </p:graphicFrame>
@@ -22495,13 +21999,7 @@
         <p:nvGraphicFramePr>
           <p:cNvPr id="3" name="Chart 2"/>
           <p:cNvGraphicFramePr/>
-          <p:nvPr>
-            <p:extLst>
-              <p:ext uri="{D42A27DB-BD31-4B8C-83A1-F6EECF244321}">
-                <p14:modId xmlns:p14="http://schemas.microsoft.com/office/powerpoint/2010/main" val="2543597266"/>
-              </p:ext>
-            </p:extLst>
-          </p:nvPr>
+          <p:nvPr/>
         </p:nvGraphicFramePr>
         <p:xfrm>
           <a:off x="3023235" y="1505585"/>
@@ -22509,7 +22007,7 @@
         </p:xfrm>
         <a:graphic>
           <a:graphicData uri="http://schemas.openxmlformats.org/drawingml/2006/chart">
-            <c:chart xmlns:c="http://schemas.openxmlformats.org/drawingml/2006/chart" xmlns:r="http://schemas.openxmlformats.org/officeDocument/2006/relationships" r:id="rId3"/>
+            <c:chart xmlns:c="http://schemas.openxmlformats.org/drawingml/2006/chart" xmlns:r="http://schemas.openxmlformats.org/officeDocument/2006/relationships" r:id="rId2"/>
           </a:graphicData>
         </a:graphic>
       </p:graphicFrame>
@@ -22729,18 +22227,17 @@
               </a:rPr>
               <a:t>%</a:t>
             </a:r>
+            <a:endParaRPr lang="en-US" sz="2800" b="1" dirty="0">
+              <a:latin typeface="Open Sans" charset="0"/>
+              <a:ea typeface="Open Sans" charset="0"/>
+              <a:cs typeface="Open Sans" charset="0"/>
+            </a:endParaRPr>
           </a:p>
         </p:txBody>
       </p:sp>
       <p:sp>
         <p:nvSpPr>
-          <p:cNvPr id="11" name="TextBox 18">
-            <a:extLst>
-              <a:ext uri="{FF2B5EF4-FFF2-40B4-BE49-F238E27FC236}">
-                <a16:creationId xmlns:a16="http://schemas.microsoft.com/office/drawing/2014/main" id="{0AB0C785-08E7-47CF-A34C-0BD9559BAAAF}"/>
-              </a:ext>
-            </a:extLst>
-          </p:cNvPr>
+          <p:cNvPr id="11" name="TextBox 18"/>
           <p:cNvSpPr txBox="1"/>
           <p:nvPr/>
         </p:nvSpPr>
@@ -22772,6 +22269,7 @@
               <a:rPr lang="de-DE" altLang="en-US" sz="2000" b="1" dirty="0"/>
               <a:t>Abs. rel. Error</a:t>
             </a:r>
+            <a:endParaRPr lang="de-DE" altLang="en-US" sz="2000" b="1" dirty="0"/>
           </a:p>
           <a:p>
             <a:pPr>
@@ -22786,6 +22284,7 @@
               <a:rPr lang="de-DE" sz="1600" dirty="0"/>
               <a:t>Baseline: 0.115 </a:t>
             </a:r>
+            <a:endParaRPr lang="de-DE" sz="1600" dirty="0"/>
           </a:p>
           <a:p>
             <a:pPr>
@@ -22804,6 +22303,7 @@
               <a:rPr lang="de-DE" sz="1600" dirty="0"/>
               <a:t> 0.142</a:t>
             </a:r>
+            <a:endParaRPr lang="de-DE" sz="1600" dirty="0"/>
           </a:p>
         </p:txBody>
       </p:sp>
@@ -22894,7 +22394,7 @@
                         <p:par>
                           <p:cTn id="10" fill="hold">
                             <p:stCondLst>
-                              <p:cond delay="1800"/>
+                              <p:cond delay="1300"/>
                             </p:stCondLst>
                             <p:childTnLst>
                               <p:par>
@@ -22938,7 +22438,7 @@
                         <p:par>
                           <p:cTn id="14" fill="hold">
                             <p:stCondLst>
-                              <p:cond delay="2300"/>
+                              <p:cond delay="1800"/>
                             </p:stCondLst>
                             <p:childTnLst>
                               <p:par>
@@ -23260,13 +22760,7 @@
         <p:nvGraphicFramePr>
           <p:cNvPr id="7" name="Chart 4"/>
           <p:cNvGraphicFramePr/>
-          <p:nvPr>
-            <p:extLst>
-              <p:ext uri="{D42A27DB-BD31-4B8C-83A1-F6EECF244321}">
-                <p14:modId xmlns:p14="http://schemas.microsoft.com/office/powerpoint/2010/main" val="515682667"/>
-              </p:ext>
-            </p:extLst>
-          </p:nvPr>
+          <p:nvPr/>
         </p:nvGraphicFramePr>
         <p:xfrm>
           <a:off x="247650" y="3773170"/>
@@ -23274,7 +22768,7 @@
         </p:xfrm>
         <a:graphic>
           <a:graphicData uri="http://schemas.openxmlformats.org/drawingml/2006/chart">
-            <c:chart xmlns:c="http://schemas.openxmlformats.org/drawingml/2006/chart" xmlns:r="http://schemas.openxmlformats.org/officeDocument/2006/relationships" r:id="rId2"/>
+            <c:chart xmlns:c="http://schemas.openxmlformats.org/drawingml/2006/chart" xmlns:r="http://schemas.openxmlformats.org/officeDocument/2006/relationships" r:id="rId1"/>
           </a:graphicData>
         </a:graphic>
       </p:graphicFrame>
@@ -23322,13 +22816,7 @@
         <p:nvGraphicFramePr>
           <p:cNvPr id="3" name="Chart 2"/>
           <p:cNvGraphicFramePr/>
-          <p:nvPr>
-            <p:extLst>
-              <p:ext uri="{D42A27DB-BD31-4B8C-83A1-F6EECF244321}">
-                <p14:modId xmlns:p14="http://schemas.microsoft.com/office/powerpoint/2010/main" val="3011820099"/>
-              </p:ext>
-            </p:extLst>
-          </p:nvPr>
+          <p:nvPr/>
         </p:nvGraphicFramePr>
         <p:xfrm>
           <a:off x="3023235" y="1505585"/>
@@ -23336,7 +22824,7 @@
         </p:xfrm>
         <a:graphic>
           <a:graphicData uri="http://schemas.openxmlformats.org/drawingml/2006/chart">
-            <c:chart xmlns:c="http://schemas.openxmlformats.org/drawingml/2006/chart" xmlns:r="http://schemas.openxmlformats.org/officeDocument/2006/relationships" r:id="rId3"/>
+            <c:chart xmlns:c="http://schemas.openxmlformats.org/drawingml/2006/chart" xmlns:r="http://schemas.openxmlformats.org/officeDocument/2006/relationships" r:id="rId2"/>
           </a:graphicData>
         </a:graphic>
       </p:graphicFrame>
@@ -23556,18 +23044,17 @@
               </a:rPr>
               <a:t>%</a:t>
             </a:r>
+            <a:endParaRPr lang="en-US" sz="2800" b="1" dirty="0">
+              <a:latin typeface="Open Sans" charset="0"/>
+              <a:ea typeface="Open Sans" charset="0"/>
+              <a:cs typeface="Open Sans" charset="0"/>
+            </a:endParaRPr>
           </a:p>
         </p:txBody>
       </p:sp>
       <p:sp>
         <p:nvSpPr>
-          <p:cNvPr id="11" name="TextBox 18">
-            <a:extLst>
-              <a:ext uri="{FF2B5EF4-FFF2-40B4-BE49-F238E27FC236}">
-                <a16:creationId xmlns:a16="http://schemas.microsoft.com/office/drawing/2014/main" id="{52EA8300-6081-49A0-BE83-0AAD8BEAC86B}"/>
-              </a:ext>
-            </a:extLst>
-          </p:cNvPr>
+          <p:cNvPr id="11" name="TextBox 18"/>
           <p:cNvSpPr txBox="1"/>
           <p:nvPr/>
         </p:nvSpPr>
@@ -23599,6 +23086,7 @@
               <a:rPr lang="de-DE" altLang="en-US" sz="2000" b="1" dirty="0"/>
               <a:t>Abs. rel. Error</a:t>
             </a:r>
+            <a:endParaRPr lang="de-DE" altLang="en-US" sz="2000" b="1" dirty="0"/>
           </a:p>
           <a:p>
             <a:pPr>
@@ -23613,6 +23101,7 @@
               <a:rPr lang="de-DE" sz="1600" dirty="0"/>
               <a:t>Baseline: 0.115 </a:t>
             </a:r>
+            <a:endParaRPr lang="de-DE" sz="1600" dirty="0"/>
           </a:p>
           <a:p>
             <a:pPr>
@@ -23631,6 +23120,7 @@
               <a:rPr lang="de-DE" sz="1600" dirty="0"/>
               <a:t>: 0.443</a:t>
             </a:r>
+            <a:endParaRPr lang="de-DE" sz="1600" dirty="0"/>
           </a:p>
         </p:txBody>
       </p:sp>
@@ -23721,7 +23211,7 @@
                         <p:par>
                           <p:cTn id="10" fill="hold">
                             <p:stCondLst>
-                              <p:cond delay="1800"/>
+                              <p:cond delay="1300"/>
                             </p:stCondLst>
                             <p:childTnLst>
                               <p:par>
@@ -23765,7 +23255,7 @@
                         <p:par>
                           <p:cTn id="14" fill="hold">
                             <p:stCondLst>
-                              <p:cond delay="2300"/>
+                              <p:cond delay="1800"/>
                             </p:stCondLst>
                             <p:childTnLst>
                               <p:par>
@@ -24087,13 +23577,7 @@
         <p:nvGraphicFramePr>
           <p:cNvPr id="7" name="Chart 4"/>
           <p:cNvGraphicFramePr/>
-          <p:nvPr>
-            <p:extLst>
-              <p:ext uri="{D42A27DB-BD31-4B8C-83A1-F6EECF244321}">
-                <p14:modId xmlns:p14="http://schemas.microsoft.com/office/powerpoint/2010/main" val="3199463723"/>
-              </p:ext>
-            </p:extLst>
-          </p:nvPr>
+          <p:nvPr/>
         </p:nvGraphicFramePr>
         <p:xfrm>
           <a:off x="247650" y="3773170"/>
@@ -24101,7 +23585,7 @@
         </p:xfrm>
         <a:graphic>
           <a:graphicData uri="http://schemas.openxmlformats.org/drawingml/2006/chart">
-            <c:chart xmlns:c="http://schemas.openxmlformats.org/drawingml/2006/chart" xmlns:r="http://schemas.openxmlformats.org/officeDocument/2006/relationships" r:id="rId2"/>
+            <c:chart xmlns:c="http://schemas.openxmlformats.org/drawingml/2006/chart" xmlns:r="http://schemas.openxmlformats.org/officeDocument/2006/relationships" r:id="rId1"/>
           </a:graphicData>
         </a:graphic>
       </p:graphicFrame>
@@ -24161,13 +23645,7 @@
         <p:nvGraphicFramePr>
           <p:cNvPr id="3" name="Chart 2"/>
           <p:cNvGraphicFramePr/>
-          <p:nvPr>
-            <p:extLst>
-              <p:ext uri="{D42A27DB-BD31-4B8C-83A1-F6EECF244321}">
-                <p14:modId xmlns:p14="http://schemas.microsoft.com/office/powerpoint/2010/main" val="2777068223"/>
-              </p:ext>
-            </p:extLst>
-          </p:nvPr>
+          <p:nvPr/>
         </p:nvGraphicFramePr>
         <p:xfrm>
           <a:off x="3023235" y="1505585"/>
@@ -24175,7 +23653,7 @@
         </p:xfrm>
         <a:graphic>
           <a:graphicData uri="http://schemas.openxmlformats.org/drawingml/2006/chart">
-            <c:chart xmlns:c="http://schemas.openxmlformats.org/drawingml/2006/chart" xmlns:r="http://schemas.openxmlformats.org/officeDocument/2006/relationships" r:id="rId3"/>
+            <c:chart xmlns:c="http://schemas.openxmlformats.org/drawingml/2006/chart" xmlns:r="http://schemas.openxmlformats.org/officeDocument/2006/relationships" r:id="rId2"/>
           </a:graphicData>
         </a:graphic>
       </p:graphicFrame>
@@ -24395,18 +23873,17 @@
               </a:rPr>
               <a:t>%</a:t>
             </a:r>
+            <a:endParaRPr lang="en-US" sz="2800" b="1" dirty="0">
+              <a:latin typeface="Open Sans" charset="0"/>
+              <a:ea typeface="Open Sans" charset="0"/>
+              <a:cs typeface="Open Sans" charset="0"/>
+            </a:endParaRPr>
           </a:p>
         </p:txBody>
       </p:sp>
       <p:sp>
         <p:nvSpPr>
-          <p:cNvPr id="11" name="TextBox 18">
-            <a:extLst>
-              <a:ext uri="{FF2B5EF4-FFF2-40B4-BE49-F238E27FC236}">
-                <a16:creationId xmlns:a16="http://schemas.microsoft.com/office/drawing/2014/main" id="{83A8658E-D24B-401B-A5B7-ABA7DEB52B8B}"/>
-              </a:ext>
-            </a:extLst>
-          </p:cNvPr>
+          <p:cNvPr id="11" name="TextBox 18"/>
           <p:cNvSpPr txBox="1"/>
           <p:nvPr/>
         </p:nvSpPr>
@@ -24438,6 +23915,7 @@
               <a:rPr lang="de-DE" altLang="en-US" sz="2000" b="1" dirty="0"/>
               <a:t>Abs. rel. Error</a:t>
             </a:r>
+            <a:endParaRPr lang="de-DE" altLang="en-US" sz="2000" b="1" dirty="0"/>
           </a:p>
           <a:p>
             <a:pPr>
@@ -24452,6 +23930,7 @@
               <a:rPr lang="de-DE" sz="1600" dirty="0"/>
               <a:t>Baseline: 0.115 </a:t>
             </a:r>
+            <a:endParaRPr lang="de-DE" sz="1600" dirty="0"/>
           </a:p>
           <a:p>
             <a:pPr>
@@ -24470,6 +23949,7 @@
               <a:rPr lang="de-DE" sz="1600" dirty="0"/>
               <a:t>: 0.138</a:t>
             </a:r>
+            <a:endParaRPr lang="de-DE" sz="1600" dirty="0"/>
           </a:p>
         </p:txBody>
       </p:sp>
@@ -24560,7 +24040,7 @@
                         <p:par>
                           <p:cTn id="10" fill="hold">
                             <p:stCondLst>
-                              <p:cond delay="1800"/>
+                              <p:cond delay="1300"/>
                             </p:stCondLst>
                             <p:childTnLst>
                               <p:par>
@@ -24604,7 +24084,7 @@
                         <p:par>
                           <p:cTn id="14" fill="hold">
                             <p:stCondLst>
-                              <p:cond delay="2300"/>
+                              <p:cond delay="1800"/>
                             </p:stCondLst>
                             <p:childTnLst>
                               <p:par>
@@ -24978,13 +24458,7 @@
         <p:nvGraphicFramePr>
           <p:cNvPr id="3" name="Chart 2"/>
           <p:cNvGraphicFramePr/>
-          <p:nvPr>
-            <p:extLst>
-              <p:ext uri="{D42A27DB-BD31-4B8C-83A1-F6EECF244321}">
-                <p14:modId xmlns:p14="http://schemas.microsoft.com/office/powerpoint/2010/main" val="3493217737"/>
-              </p:ext>
-            </p:extLst>
-          </p:nvPr>
+          <p:nvPr/>
         </p:nvGraphicFramePr>
         <p:xfrm>
           <a:off x="3023235" y="1505585"/>
@@ -24992,19 +24466,13 @@
         </p:xfrm>
         <a:graphic>
           <a:graphicData uri="http://schemas.openxmlformats.org/drawingml/2006/chart">
-            <c:chart xmlns:c="http://schemas.openxmlformats.org/drawingml/2006/chart" xmlns:r="http://schemas.openxmlformats.org/officeDocument/2006/relationships" r:id="rId2"/>
+            <c:chart xmlns:c="http://schemas.openxmlformats.org/drawingml/2006/chart" xmlns:r="http://schemas.openxmlformats.org/officeDocument/2006/relationships" r:id="rId1"/>
           </a:graphicData>
         </a:graphic>
       </p:graphicFrame>
       <p:sp>
         <p:nvSpPr>
-          <p:cNvPr id="12" name="TextBox 18">
-            <a:extLst>
-              <a:ext uri="{FF2B5EF4-FFF2-40B4-BE49-F238E27FC236}">
-                <a16:creationId xmlns:a16="http://schemas.microsoft.com/office/drawing/2014/main" id="{5708BACE-D8A6-4E9E-BF59-8020A9743D64}"/>
-              </a:ext>
-            </a:extLst>
-          </p:cNvPr>
+          <p:cNvPr id="12" name="TextBox 18"/>
           <p:cNvSpPr txBox="1"/>
           <p:nvPr/>
         </p:nvSpPr>
@@ -25036,6 +24504,7 @@
               <a:rPr lang="de-DE" altLang="en-US" sz="2000" b="1" dirty="0"/>
               <a:t>Abs. rel. Error</a:t>
             </a:r>
+            <a:endParaRPr lang="de-DE" altLang="en-US" sz="2000" b="1" dirty="0"/>
           </a:p>
           <a:p>
             <a:pPr>
@@ -25050,6 +24519,7 @@
               <a:rPr lang="de-DE" sz="1600" dirty="0"/>
               <a:t>Baseline: 0.115 </a:t>
             </a:r>
+            <a:endParaRPr lang="de-DE" sz="1600" dirty="0"/>
           </a:p>
           <a:p>
             <a:pPr>
@@ -25082,21 +24552,9 @@
       </p:sp>
       <p:graphicFrame>
         <p:nvGraphicFramePr>
-          <p:cNvPr id="13" name="Chart 4">
-            <a:extLst>
-              <a:ext uri="{FF2B5EF4-FFF2-40B4-BE49-F238E27FC236}">
-                <a16:creationId xmlns:a16="http://schemas.microsoft.com/office/drawing/2014/main" id="{D6121106-021E-491E-B343-54BA4669B032}"/>
-              </a:ext>
-            </a:extLst>
-          </p:cNvPr>
+          <p:cNvPr id="13" name="Chart 4"/>
           <p:cNvGraphicFramePr/>
-          <p:nvPr>
-            <p:extLst>
-              <p:ext uri="{D42A27DB-BD31-4B8C-83A1-F6EECF244321}">
-                <p14:modId xmlns:p14="http://schemas.microsoft.com/office/powerpoint/2010/main" val="399663278"/>
-              </p:ext>
-            </p:extLst>
-          </p:nvPr>
+          <p:nvPr/>
         </p:nvGraphicFramePr>
         <p:xfrm>
           <a:off x="247650" y="3913894"/>
@@ -25104,32 +24562,20 @@
         </p:xfrm>
         <a:graphic>
           <a:graphicData uri="http://schemas.openxmlformats.org/drawingml/2006/chart">
-            <c:chart xmlns:c="http://schemas.openxmlformats.org/drawingml/2006/chart" xmlns:r="http://schemas.openxmlformats.org/officeDocument/2006/relationships" r:id="rId3"/>
+            <c:chart xmlns:c="http://schemas.openxmlformats.org/drawingml/2006/chart" xmlns:r="http://schemas.openxmlformats.org/officeDocument/2006/relationships" r:id="rId2"/>
           </a:graphicData>
         </a:graphic>
       </p:graphicFrame>
       <p:pic>
         <p:nvPicPr>
-          <p:cNvPr id="14" name="Grafik 4" descr="Einzelnes Zahnrad">
-            <a:extLst>
-              <a:ext uri="{FF2B5EF4-FFF2-40B4-BE49-F238E27FC236}">
-                <a16:creationId xmlns:a16="http://schemas.microsoft.com/office/drawing/2014/main" id="{48DAAAFF-BD83-49DF-B0F0-CC7EC05BB808}"/>
-              </a:ext>
-            </a:extLst>
-          </p:cNvPr>
+          <p:cNvPr id="14" name="Grafik 4" descr="Einzelnes Zahnrad"/>
           <p:cNvPicPr>
             <a:picLocks noChangeAspect="1"/>
           </p:cNvPicPr>
           <p:nvPr/>
         </p:nvPicPr>
         <p:blipFill>
-          <a:blip r:embed="rId4">
-            <a:extLst>
-              <a:ext uri="{96DAC541-7B7A-43D3-8B79-37D633B846F1}">
-                <asvg:svgBlip xmlns:asvg="http://schemas.microsoft.com/office/drawing/2016/SVG/main" r:embed="rId5"/>
-              </a:ext>
-            </a:extLst>
-          </a:blip>
+          <a:blip r:embed="rId3"/>
           <a:stretch>
             <a:fillRect/>
           </a:stretch>
@@ -25231,7 +24677,7 @@
                         <p:par>
                           <p:cTn id="10" fill="hold">
                             <p:stCondLst>
-                              <p:cond delay="1800"/>
+                              <p:cond delay="1300"/>
                             </p:stCondLst>
                             <p:childTnLst>
                               <p:par>
@@ -25348,7 +24794,7 @@
                         <p:par>
                           <p:cTn id="18" fill="hold">
                             <p:stCondLst>
-                              <p:cond delay="3300"/>
+                              <p:cond delay="1800"/>
                             </p:stCondLst>
                             <p:childTnLst>
                               <p:par>
@@ -25561,13 +25007,7 @@
         <p:nvGraphicFramePr>
           <p:cNvPr id="7" name="Chart 4"/>
           <p:cNvGraphicFramePr/>
-          <p:nvPr>
-            <p:extLst>
-              <p:ext uri="{D42A27DB-BD31-4B8C-83A1-F6EECF244321}">
-                <p14:modId xmlns:p14="http://schemas.microsoft.com/office/powerpoint/2010/main" val="3339593785"/>
-              </p:ext>
-            </p:extLst>
-          </p:nvPr>
+          <p:nvPr/>
         </p:nvGraphicFramePr>
         <p:xfrm>
           <a:off x="247650" y="3913894"/>
@@ -25575,7 +25015,7 @@
         </p:xfrm>
         <a:graphic>
           <a:graphicData uri="http://schemas.openxmlformats.org/drawingml/2006/chart">
-            <c:chart xmlns:c="http://schemas.openxmlformats.org/drawingml/2006/chart" xmlns:r="http://schemas.openxmlformats.org/officeDocument/2006/relationships" r:id="rId2"/>
+            <c:chart xmlns:c="http://schemas.openxmlformats.org/drawingml/2006/chart" xmlns:r="http://schemas.openxmlformats.org/officeDocument/2006/relationships" r:id="rId1"/>
           </a:graphicData>
         </a:graphic>
       </p:graphicFrame>
@@ -25623,13 +25063,7 @@
         <p:nvGraphicFramePr>
           <p:cNvPr id="3" name="Chart 2"/>
           <p:cNvGraphicFramePr/>
-          <p:nvPr>
-            <p:extLst>
-              <p:ext uri="{D42A27DB-BD31-4B8C-83A1-F6EECF244321}">
-                <p14:modId xmlns:p14="http://schemas.microsoft.com/office/powerpoint/2010/main" val="940735815"/>
-              </p:ext>
-            </p:extLst>
-          </p:nvPr>
+          <p:nvPr/>
         </p:nvGraphicFramePr>
         <p:xfrm>
           <a:off x="3023235" y="1505585"/>
@@ -25637,19 +25071,13 @@
         </p:xfrm>
         <a:graphic>
           <a:graphicData uri="http://schemas.openxmlformats.org/drawingml/2006/chart">
-            <c:chart xmlns:c="http://schemas.openxmlformats.org/drawingml/2006/chart" xmlns:r="http://schemas.openxmlformats.org/officeDocument/2006/relationships" r:id="rId3"/>
+            <c:chart xmlns:c="http://schemas.openxmlformats.org/drawingml/2006/chart" xmlns:r="http://schemas.openxmlformats.org/officeDocument/2006/relationships" r:id="rId2"/>
           </a:graphicData>
         </a:graphic>
       </p:graphicFrame>
       <p:sp>
         <p:nvSpPr>
-          <p:cNvPr id="9" name="TextBox 18">
-            <a:extLst>
-              <a:ext uri="{FF2B5EF4-FFF2-40B4-BE49-F238E27FC236}">
-                <a16:creationId xmlns:a16="http://schemas.microsoft.com/office/drawing/2014/main" id="{225B4EE7-3FF1-43BB-86D3-F62FA7F7FCBD}"/>
-              </a:ext>
-            </a:extLst>
-          </p:cNvPr>
+          <p:cNvPr id="9" name="TextBox 18"/>
           <p:cNvSpPr txBox="1"/>
           <p:nvPr/>
         </p:nvSpPr>
@@ -25681,6 +25109,7 @@
               <a:rPr lang="de-DE" altLang="en-US" sz="2000" b="1" dirty="0"/>
               <a:t>Abs. rel. Error</a:t>
             </a:r>
+            <a:endParaRPr lang="de-DE" altLang="en-US" sz="2000" b="1" dirty="0"/>
           </a:p>
           <a:p>
             <a:pPr>
@@ -25695,6 +25124,7 @@
               <a:rPr lang="de-DE" sz="1600" dirty="0"/>
               <a:t>Baseline: 0.115 </a:t>
             </a:r>
+            <a:endParaRPr lang="de-DE" sz="1600" dirty="0"/>
           </a:p>
           <a:p>
             <a:pPr>
@@ -25727,26 +25157,14 @@
       </p:sp>
       <p:pic>
         <p:nvPicPr>
-          <p:cNvPr id="4" name="Grafik 4" descr="Einzelnes Zahnrad">
-            <a:extLst>
-              <a:ext uri="{FF2B5EF4-FFF2-40B4-BE49-F238E27FC236}">
-                <a16:creationId xmlns:a16="http://schemas.microsoft.com/office/drawing/2014/main" id="{64B4A882-2B74-4106-9075-278576A70819}"/>
-              </a:ext>
-            </a:extLst>
-          </p:cNvPr>
+          <p:cNvPr id="4" name="Grafik 4" descr="Einzelnes Zahnrad"/>
           <p:cNvPicPr>
             <a:picLocks noChangeAspect="1"/>
           </p:cNvPicPr>
           <p:nvPr/>
         </p:nvPicPr>
         <p:blipFill>
-          <a:blip r:embed="rId4">
-            <a:extLst>
-              <a:ext uri="{96DAC541-7B7A-43D3-8B79-37D633B846F1}">
-                <asvg:svgBlip xmlns:asvg="http://schemas.microsoft.com/office/drawing/2016/SVG/main" r:embed="rId5"/>
-              </a:ext>
-            </a:extLst>
-          </a:blip>
+          <a:blip r:embed="rId3"/>
           <a:stretch>
             <a:fillRect/>
           </a:stretch>
@@ -25848,7 +25266,7 @@
                         <p:par>
                           <p:cTn id="10" fill="hold">
                             <p:stCondLst>
-                              <p:cond delay="1800"/>
+                              <p:cond delay="1300"/>
                             </p:stCondLst>
                             <p:childTnLst>
                               <p:par>
@@ -25892,7 +25310,7 @@
                         <p:par>
                           <p:cTn id="14" fill="hold">
                             <p:stCondLst>
-                              <p:cond delay="2300"/>
+                              <p:cond delay="1800"/>
                             </p:stCondLst>
                             <p:childTnLst>
                               <p:par>
@@ -26257,7 +25675,6 @@
       </a:bgFillStyleLst>
     </a:fmtScheme>
   </a:themeElements>
-  <a:objectDefaults/>
   <a:extraClrSchemeLst>
     <a:extraClrScheme>
       <a:clrScheme name="v1_TUD_Präsentation_rot 1">
@@ -27038,8 +26455,6 @@
       </a:bgFillStyleLst>
     </a:fmtScheme>
   </a:themeElements>
-  <a:objectDefaults/>
-  <a:extraClrSchemeLst/>
   <a:extLst>
     <a:ext uri="{05A4C25C-085E-4340-85A3-A5531E510DB2}">
       <thm15:themeFamily xmlns:thm15="http://schemas.microsoft.com/office/thememl/2012/main" name="Office Theme" id="{62F939B6-93AF-4DB8-9C6B-D6C7DFDC589F}" vid="{4A3C46E8-61CC-4603-A589-7422A47A8E4A}"/>
@@ -27326,8 +26741,6 @@
       </a:bgFillStyleLst>
     </a:fmtScheme>
   </a:themeElements>
-  <a:objectDefaults/>
-  <a:extraClrSchemeLst/>
   <a:extLst>
     <a:ext uri="{05A4C25C-085E-4340-85A3-A5531E510DB2}">
       <thm15:themeFamily xmlns:thm15="http://schemas.microsoft.com/office/thememl/2012/main" name="Office Theme" id="{62F939B6-93AF-4DB8-9C6B-D6C7DFDC589F}" vid="{4A3C46E8-61CC-4603-A589-7422A47A8E4A}"/>
